--- a/cse103/slides/loops.pptx
+++ b/cse103/slides/loops.pptx
@@ -51,7 +51,18 @@
     <p:sldId id="342" r:id="rId45"/>
     <p:sldId id="343" r:id="rId46"/>
     <p:sldId id="344" r:id="rId47"/>
-    <p:sldId id="305" r:id="rId48"/>
+    <p:sldId id="345" r:id="rId48"/>
+    <p:sldId id="305" r:id="rId49"/>
+    <p:sldId id="346" r:id="rId50"/>
+    <p:sldId id="347" r:id="rId51"/>
+    <p:sldId id="348" r:id="rId52"/>
+    <p:sldId id="349" r:id="rId53"/>
+    <p:sldId id="350" r:id="rId54"/>
+    <p:sldId id="351" r:id="rId55"/>
+    <p:sldId id="352" r:id="rId56"/>
+    <p:sldId id="353" r:id="rId57"/>
+    <p:sldId id="354" r:id="rId58"/>
+    <p:sldId id="355" r:id="rId59"/>
   </p:sldIdLst>
   <p:sldSz cx="9144000" cy="6858000" type="screen4x3"/>
   <p:notesSz cx="6858000" cy="9144000"/>
@@ -349,7 +360,7 @@
             <a:fld id="{1D8BD707-D9CF-40AE-B4C6-C98DA3205C09}" type="datetimeFigureOut">
               <a:rPr lang="en-US" smtClean="0"/>
               <a:pPr/>
-              <a:t>7/19/2020</a:t>
+              <a:t>7/23/2020</a:t>
             </a:fld>
             <a:endParaRPr lang="en-US"/>
           </a:p>
@@ -514,7 +525,7 @@
             <a:fld id="{1D8BD707-D9CF-40AE-B4C6-C98DA3205C09}" type="datetimeFigureOut">
               <a:rPr lang="en-US" smtClean="0"/>
               <a:pPr/>
-              <a:t>7/19/2020</a:t>
+              <a:t>7/23/2020</a:t>
             </a:fld>
             <a:endParaRPr lang="en-US"/>
           </a:p>
@@ -689,7 +700,7 @@
             <a:fld id="{1D8BD707-D9CF-40AE-B4C6-C98DA3205C09}" type="datetimeFigureOut">
               <a:rPr lang="en-US" smtClean="0"/>
               <a:pPr/>
-              <a:t>7/19/2020</a:t>
+              <a:t>7/23/2020</a:t>
             </a:fld>
             <a:endParaRPr lang="en-US"/>
           </a:p>
@@ -854,7 +865,7 @@
             <a:fld id="{1D8BD707-D9CF-40AE-B4C6-C98DA3205C09}" type="datetimeFigureOut">
               <a:rPr lang="en-US" smtClean="0"/>
               <a:pPr/>
-              <a:t>7/19/2020</a:t>
+              <a:t>7/23/2020</a:t>
             </a:fld>
             <a:endParaRPr lang="en-US"/>
           </a:p>
@@ -1096,7 +1107,7 @@
             <a:fld id="{1D8BD707-D9CF-40AE-B4C6-C98DA3205C09}" type="datetimeFigureOut">
               <a:rPr lang="en-US" smtClean="0"/>
               <a:pPr/>
-              <a:t>7/19/2020</a:t>
+              <a:t>7/23/2020</a:t>
             </a:fld>
             <a:endParaRPr lang="en-US"/>
           </a:p>
@@ -1378,7 +1389,7 @@
             <a:fld id="{1D8BD707-D9CF-40AE-B4C6-C98DA3205C09}" type="datetimeFigureOut">
               <a:rPr lang="en-US" smtClean="0"/>
               <a:pPr/>
-              <a:t>7/19/2020</a:t>
+              <a:t>7/23/2020</a:t>
             </a:fld>
             <a:endParaRPr lang="en-US"/>
           </a:p>
@@ -1794,7 +1805,7 @@
             <a:fld id="{1D8BD707-D9CF-40AE-B4C6-C98DA3205C09}" type="datetimeFigureOut">
               <a:rPr lang="en-US" smtClean="0"/>
               <a:pPr/>
-              <a:t>7/19/2020</a:t>
+              <a:t>7/23/2020</a:t>
             </a:fld>
             <a:endParaRPr lang="en-US"/>
           </a:p>
@@ -1908,7 +1919,7 @@
             <a:fld id="{1D8BD707-D9CF-40AE-B4C6-C98DA3205C09}" type="datetimeFigureOut">
               <a:rPr lang="en-US" smtClean="0"/>
               <a:pPr/>
-              <a:t>7/19/2020</a:t>
+              <a:t>7/23/2020</a:t>
             </a:fld>
             <a:endParaRPr lang="en-US"/>
           </a:p>
@@ -2000,7 +2011,7 @@
             <a:fld id="{1D8BD707-D9CF-40AE-B4C6-C98DA3205C09}" type="datetimeFigureOut">
               <a:rPr lang="en-US" smtClean="0"/>
               <a:pPr/>
-              <a:t>7/19/2020</a:t>
+              <a:t>7/23/2020</a:t>
             </a:fld>
             <a:endParaRPr lang="en-US"/>
           </a:p>
@@ -2272,7 +2283,7 @@
             <a:fld id="{1D8BD707-D9CF-40AE-B4C6-C98DA3205C09}" type="datetimeFigureOut">
               <a:rPr lang="en-US" smtClean="0"/>
               <a:pPr/>
-              <a:t>7/19/2020</a:t>
+              <a:t>7/23/2020</a:t>
             </a:fld>
             <a:endParaRPr lang="en-US"/>
           </a:p>
@@ -2521,7 +2532,7 @@
             <a:fld id="{1D8BD707-D9CF-40AE-B4C6-C98DA3205C09}" type="datetimeFigureOut">
               <a:rPr lang="en-US" smtClean="0"/>
               <a:pPr/>
-              <a:t>7/19/2020</a:t>
+              <a:t>7/23/2020</a:t>
             </a:fld>
             <a:endParaRPr lang="en-US"/>
           </a:p>
@@ -2729,7 +2740,7 @@
             <a:fld id="{1D8BD707-D9CF-40AE-B4C6-C98DA3205C09}" type="datetimeFigureOut">
               <a:rPr lang="en-US" smtClean="0"/>
               <a:pPr/>
-              <a:t>7/19/2020</a:t>
+              <a:t>7/23/2020</a:t>
             </a:fld>
             <a:endParaRPr lang="en-US"/>
           </a:p>
@@ -11614,9 +11625,6 @@
               </a:rPr>
               <a:t>1 + 3 + 5 + …. </a:t>
             </a:r>
-            <a:endParaRPr lang="en-US" sz="2800" dirty="0" smtClean="0">
-              <a:latin typeface="Comic Sans MS" pitchFamily="66" charset="0"/>
-            </a:endParaRPr>
           </a:p>
           <a:p>
             <a:pPr>
@@ -12042,9 +12050,6 @@
               </a:rPr>
               <a:t>}</a:t>
             </a:r>
-            <a:endParaRPr lang="en-US" sz="2000" dirty="0">
-              <a:latin typeface="Comic Sans MS" pitchFamily="66" charset="0"/>
-            </a:endParaRPr>
           </a:p>
         </p:txBody>
       </p:sp>
@@ -12081,9 +12086,6 @@
               </a:rPr>
               <a:t>5</a:t>
             </a:r>
-            <a:endParaRPr lang="en-US" sz="2000" dirty="0">
-              <a:latin typeface="Comic Sans MS" panose="030F0702030302020204" pitchFamily="66" charset="0"/>
-            </a:endParaRPr>
           </a:p>
         </p:txBody>
       </p:sp>
@@ -12625,9 +12627,6 @@
               </a:rPr>
               <a:t>}</a:t>
             </a:r>
-            <a:endParaRPr lang="en-US" sz="2000" dirty="0">
-              <a:latin typeface="Comic Sans MS" pitchFamily="66" charset="0"/>
-            </a:endParaRPr>
           </a:p>
         </p:txBody>
       </p:sp>
@@ -12827,9 +12826,6 @@
               </a:rPr>
               <a:t>5</a:t>
             </a:r>
-            <a:endParaRPr lang="en-US" sz="2000" dirty="0">
-              <a:latin typeface="Comic Sans MS" panose="030F0702030302020204" pitchFamily="66" charset="0"/>
-            </a:endParaRPr>
           </a:p>
         </p:txBody>
       </p:sp>
@@ -13286,9 +13282,6 @@
               </a:rPr>
               <a:t>}</a:t>
             </a:r>
-            <a:endParaRPr lang="en-US" sz="2000" dirty="0">
-              <a:latin typeface="Comic Sans MS" pitchFamily="66" charset="0"/>
-            </a:endParaRPr>
           </a:p>
         </p:txBody>
       </p:sp>
@@ -13488,9 +13481,6 @@
               </a:rPr>
               <a:t>0</a:t>
             </a:r>
-            <a:endParaRPr lang="en-US" sz="2000" dirty="0">
-              <a:latin typeface="Comic Sans MS" panose="030F0702030302020204" pitchFamily="66" charset="0"/>
-            </a:endParaRPr>
           </a:p>
         </p:txBody>
       </p:sp>
@@ -13566,9 +13556,6 @@
               </a:rPr>
               <a:t>5</a:t>
             </a:r>
-            <a:endParaRPr lang="en-US" sz="2000" dirty="0">
-              <a:latin typeface="Comic Sans MS" panose="030F0702030302020204" pitchFamily="66" charset="0"/>
-            </a:endParaRPr>
           </a:p>
         </p:txBody>
       </p:sp>
@@ -14325,9 +14312,6 @@
               </a:rPr>
               <a:t>}</a:t>
             </a:r>
-            <a:endParaRPr lang="en-US" sz="2000" dirty="0">
-              <a:latin typeface="Comic Sans MS" pitchFamily="66" charset="0"/>
-            </a:endParaRPr>
           </a:p>
         </p:txBody>
       </p:sp>
@@ -14527,9 +14511,6 @@
               </a:rPr>
               <a:t>0</a:t>
             </a:r>
-            <a:endParaRPr lang="en-US" sz="2000" dirty="0">
-              <a:latin typeface="Comic Sans MS" panose="030F0702030302020204" pitchFamily="66" charset="0"/>
-            </a:endParaRPr>
           </a:p>
         </p:txBody>
       </p:sp>
@@ -14731,9 +14712,6 @@
               </a:rPr>
               <a:t>5</a:t>
             </a:r>
-            <a:endParaRPr lang="en-US" sz="2000" dirty="0">
-              <a:latin typeface="Comic Sans MS" panose="030F0702030302020204" pitchFamily="66" charset="0"/>
-            </a:endParaRPr>
           </a:p>
         </p:txBody>
       </p:sp>
@@ -15190,9 +15168,6 @@
               </a:rPr>
               <a:t>}</a:t>
             </a:r>
-            <a:endParaRPr lang="en-US" sz="2000" dirty="0">
-              <a:latin typeface="Comic Sans MS" pitchFamily="66" charset="0"/>
-            </a:endParaRPr>
           </a:p>
         </p:txBody>
       </p:sp>
@@ -15353,9 +15328,6 @@
               </a:rPr>
               <a:t>0</a:t>
             </a:r>
-            <a:endParaRPr lang="en-US" sz="2000" dirty="0">
-              <a:latin typeface="Comic Sans MS" panose="030F0702030302020204" pitchFamily="66" charset="0"/>
-            </a:endParaRPr>
           </a:p>
         </p:txBody>
       </p:sp>
@@ -15509,9 +15481,6 @@
               </a:rPr>
               <a:t>5</a:t>
             </a:r>
-            <a:endParaRPr lang="en-US" sz="2000" dirty="0">
-              <a:latin typeface="Comic Sans MS" panose="030F0702030302020204" pitchFamily="66" charset="0"/>
-            </a:endParaRPr>
           </a:p>
         </p:txBody>
       </p:sp>
@@ -15968,9 +15937,6 @@
               </a:rPr>
               <a:t>}</a:t>
             </a:r>
-            <a:endParaRPr lang="en-US" sz="2000" dirty="0">
-              <a:latin typeface="Comic Sans MS" pitchFamily="66" charset="0"/>
-            </a:endParaRPr>
           </a:p>
         </p:txBody>
       </p:sp>
@@ -16289,9 +16255,6 @@
               </a:rPr>
               <a:t>5</a:t>
             </a:r>
-            <a:endParaRPr lang="en-US" sz="2000" dirty="0">
-              <a:latin typeface="Comic Sans MS" panose="030F0702030302020204" pitchFamily="66" charset="0"/>
-            </a:endParaRPr>
           </a:p>
         </p:txBody>
       </p:sp>
@@ -16795,9 +16758,6 @@
               </a:rPr>
               <a:t>}</a:t>
             </a:r>
-            <a:endParaRPr lang="en-US" sz="2000" dirty="0">
-              <a:latin typeface="Comic Sans MS" pitchFamily="66" charset="0"/>
-            </a:endParaRPr>
           </a:p>
         </p:txBody>
       </p:sp>
@@ -17038,9 +16998,6 @@
               </a:rPr>
               <a:t>3</a:t>
             </a:r>
-            <a:endParaRPr lang="en-US" sz="2000" dirty="0">
-              <a:latin typeface="Comic Sans MS" panose="030F0702030302020204" pitchFamily="66" charset="0"/>
-            </a:endParaRPr>
           </a:p>
         </p:txBody>
       </p:sp>
@@ -17116,9 +17073,6 @@
               </a:rPr>
               <a:t>5</a:t>
             </a:r>
-            <a:endParaRPr lang="en-US" sz="2000" dirty="0">
-              <a:latin typeface="Comic Sans MS" panose="030F0702030302020204" pitchFamily="66" charset="0"/>
-            </a:endParaRPr>
           </a:p>
         </p:txBody>
       </p:sp>
@@ -17614,9 +17568,6 @@
               </a:rPr>
               <a:t>}</a:t>
             </a:r>
-            <a:endParaRPr lang="en-US" sz="2000" dirty="0">
-              <a:latin typeface="Comic Sans MS" pitchFamily="66" charset="0"/>
-            </a:endParaRPr>
           </a:p>
         </p:txBody>
       </p:sp>
@@ -17655,9 +17606,6 @@
               </a:rPr>
               <a:t>2</a:t>
             </a:r>
-            <a:endParaRPr lang="en-US" sz="2000" dirty="0">
-              <a:latin typeface="Comic Sans MS" panose="030F0702030302020204" pitchFamily="66" charset="0"/>
-            </a:endParaRPr>
           </a:p>
         </p:txBody>
       </p:sp>
@@ -17857,9 +17805,6 @@
               </a:rPr>
               <a:t>3</a:t>
             </a:r>
-            <a:endParaRPr lang="en-US" sz="2000" dirty="0">
-              <a:latin typeface="Comic Sans MS" panose="030F0702030302020204" pitchFamily="66" charset="0"/>
-            </a:endParaRPr>
           </a:p>
         </p:txBody>
       </p:sp>
@@ -17935,9 +17880,6 @@
               </a:rPr>
               <a:t>5</a:t>
             </a:r>
-            <a:endParaRPr lang="en-US" sz="2000" dirty="0">
-              <a:latin typeface="Comic Sans MS" panose="030F0702030302020204" pitchFamily="66" charset="0"/>
-            </a:endParaRPr>
           </a:p>
         </p:txBody>
       </p:sp>
@@ -18433,9 +18375,6 @@
               </a:rPr>
               <a:t>}</a:t>
             </a:r>
-            <a:endParaRPr lang="en-US" sz="2000" dirty="0">
-              <a:latin typeface="Comic Sans MS" pitchFamily="66" charset="0"/>
-            </a:endParaRPr>
           </a:p>
         </p:txBody>
       </p:sp>
@@ -18472,9 +18411,6 @@
               </a:rPr>
               <a:t>2</a:t>
             </a:r>
-            <a:endParaRPr lang="en-US" sz="2000" dirty="0">
-              <a:latin typeface="Comic Sans MS" panose="030F0702030302020204" pitchFamily="66" charset="0"/>
-            </a:endParaRPr>
           </a:p>
         </p:txBody>
       </p:sp>
@@ -18674,9 +18610,6 @@
               </a:rPr>
               <a:t>3</a:t>
             </a:r>
-            <a:endParaRPr lang="en-US" sz="2000" dirty="0">
-              <a:latin typeface="Comic Sans MS" panose="030F0702030302020204" pitchFamily="66" charset="0"/>
-            </a:endParaRPr>
           </a:p>
         </p:txBody>
       </p:sp>
@@ -18752,9 +18685,6 @@
               </a:rPr>
               <a:t>5</a:t>
             </a:r>
-            <a:endParaRPr lang="en-US" sz="2000" dirty="0">
-              <a:latin typeface="Comic Sans MS" panose="030F0702030302020204" pitchFamily="66" charset="0"/>
-            </a:endParaRPr>
           </a:p>
         </p:txBody>
       </p:sp>
@@ -19211,9 +19141,6 @@
               </a:rPr>
               <a:t>}</a:t>
             </a:r>
-            <a:endParaRPr lang="en-US" sz="2000" dirty="0">
-              <a:latin typeface="Comic Sans MS" pitchFamily="66" charset="0"/>
-            </a:endParaRPr>
           </a:p>
         </p:txBody>
       </p:sp>
@@ -19250,9 +19177,6 @@
               </a:rPr>
               <a:t>2</a:t>
             </a:r>
-            <a:endParaRPr lang="en-US" sz="2000" dirty="0">
-              <a:latin typeface="Comic Sans MS" panose="030F0702030302020204" pitchFamily="66" charset="0"/>
-            </a:endParaRPr>
           </a:p>
         </p:txBody>
       </p:sp>
@@ -19376,9 +19300,6 @@
               </a:rPr>
               <a:t>4</a:t>
             </a:r>
-            <a:endParaRPr lang="en-US" sz="2000" dirty="0">
-              <a:latin typeface="Comic Sans MS" panose="030F0702030302020204" pitchFamily="66" charset="0"/>
-            </a:endParaRPr>
           </a:p>
         </p:txBody>
       </p:sp>
@@ -19454,9 +19375,6 @@
               </a:rPr>
               <a:t>3</a:t>
             </a:r>
-            <a:endParaRPr lang="en-US" sz="2000" dirty="0">
-              <a:latin typeface="Comic Sans MS" panose="030F0702030302020204" pitchFamily="66" charset="0"/>
-            </a:endParaRPr>
           </a:p>
         </p:txBody>
       </p:sp>
@@ -19532,9 +19450,6 @@
               </a:rPr>
               <a:t>5</a:t>
             </a:r>
-            <a:endParaRPr lang="en-US" sz="2000" dirty="0">
-              <a:latin typeface="Comic Sans MS" panose="030F0702030302020204" pitchFamily="66" charset="0"/>
-            </a:endParaRPr>
           </a:p>
         </p:txBody>
       </p:sp>
@@ -20038,9 +19953,6 @@
               </a:rPr>
               <a:t>}</a:t>
             </a:r>
-            <a:endParaRPr lang="en-US" sz="2000" dirty="0">
-              <a:latin typeface="Comic Sans MS" pitchFamily="66" charset="0"/>
-            </a:endParaRPr>
           </a:p>
         </p:txBody>
       </p:sp>
@@ -20077,9 +19989,6 @@
               </a:rPr>
               <a:t>2</a:t>
             </a:r>
-            <a:endParaRPr lang="en-US" sz="2000" dirty="0">
-              <a:latin typeface="Comic Sans MS" panose="030F0702030302020204" pitchFamily="66" charset="0"/>
-            </a:endParaRPr>
           </a:p>
         </p:txBody>
       </p:sp>
@@ -20201,9 +20110,6 @@
               </a:rPr>
               <a:t>4</a:t>
             </a:r>
-            <a:endParaRPr lang="en-US" sz="2000" dirty="0">
-              <a:latin typeface="Comic Sans MS" panose="030F0702030302020204" pitchFamily="66" charset="0"/>
-            </a:endParaRPr>
           </a:p>
         </p:txBody>
       </p:sp>
@@ -20359,9 +20265,6 @@
               </a:rPr>
               <a:t>5</a:t>
             </a:r>
-            <a:endParaRPr lang="en-US" sz="2000" dirty="0">
-              <a:latin typeface="Comic Sans MS" panose="030F0702030302020204" pitchFamily="66" charset="0"/>
-            </a:endParaRPr>
           </a:p>
         </p:txBody>
       </p:sp>
@@ -20857,9 +20760,6 @@
               </a:rPr>
               <a:t>}</a:t>
             </a:r>
-            <a:endParaRPr lang="en-US" sz="2000" dirty="0">
-              <a:latin typeface="Comic Sans MS" pitchFamily="66" charset="0"/>
-            </a:endParaRPr>
           </a:p>
         </p:txBody>
       </p:sp>
@@ -21178,9 +21078,6 @@
               </a:rPr>
               <a:t>5</a:t>
             </a:r>
-            <a:endParaRPr lang="en-US" sz="2000" dirty="0">
-              <a:latin typeface="Comic Sans MS" panose="030F0702030302020204" pitchFamily="66" charset="0"/>
-            </a:endParaRPr>
           </a:p>
         </p:txBody>
       </p:sp>
@@ -21676,9 +21573,6 @@
               </a:rPr>
               <a:t>}</a:t>
             </a:r>
-            <a:endParaRPr lang="en-US" sz="2000" dirty="0">
-              <a:latin typeface="Comic Sans MS" pitchFamily="66" charset="0"/>
-            </a:endParaRPr>
           </a:p>
         </p:txBody>
       </p:sp>
@@ -21715,9 +21609,6 @@
               </a:rPr>
               <a:t>6</a:t>
             </a:r>
-            <a:endParaRPr lang="en-US" sz="2000" dirty="0">
-              <a:latin typeface="Comic Sans MS" panose="030F0702030302020204" pitchFamily="66" charset="0"/>
-            </a:endParaRPr>
           </a:p>
         </p:txBody>
       </p:sp>
@@ -21995,9 +21886,6 @@
               </a:rPr>
               <a:t>5</a:t>
             </a:r>
-            <a:endParaRPr lang="en-US" sz="2000" dirty="0">
-              <a:latin typeface="Comic Sans MS" panose="030F0702030302020204" pitchFamily="66" charset="0"/>
-            </a:endParaRPr>
           </a:p>
         </p:txBody>
       </p:sp>
@@ -22606,9 +22494,6 @@
               </a:rPr>
               <a:t>}</a:t>
             </a:r>
-            <a:endParaRPr lang="en-US" sz="2000" dirty="0">
-              <a:latin typeface="Comic Sans MS" pitchFamily="66" charset="0"/>
-            </a:endParaRPr>
           </a:p>
         </p:txBody>
       </p:sp>
@@ -22645,9 +22530,6 @@
               </a:rPr>
               <a:t>6</a:t>
             </a:r>
-            <a:endParaRPr lang="en-US" sz="2000" dirty="0">
-              <a:latin typeface="Comic Sans MS" panose="030F0702030302020204" pitchFamily="66" charset="0"/>
-            </a:endParaRPr>
           </a:p>
         </p:txBody>
       </p:sp>
@@ -22927,9 +22809,6 @@
               </a:rPr>
               <a:t>5</a:t>
             </a:r>
-            <a:endParaRPr lang="en-US" sz="2000" dirty="0">
-              <a:latin typeface="Comic Sans MS" panose="030F0702030302020204" pitchFamily="66" charset="0"/>
-            </a:endParaRPr>
           </a:p>
         </p:txBody>
       </p:sp>
@@ -23236,9 +23115,6 @@
               </a:rPr>
               <a:t>1 + 3 + 5 + …. </a:t>
             </a:r>
-            <a:endParaRPr lang="en-US" sz="2800" dirty="0" smtClean="0">
-              <a:latin typeface="Comic Sans MS" pitchFamily="66" charset="0"/>
-            </a:endParaRPr>
           </a:p>
           <a:p>
             <a:pPr>
@@ -23676,9 +23552,6 @@
               </a:rPr>
               <a:t>}</a:t>
             </a:r>
-            <a:endParaRPr lang="en-US" sz="2000" dirty="0">
-              <a:latin typeface="Comic Sans MS" pitchFamily="66" charset="0"/>
-            </a:endParaRPr>
           </a:p>
         </p:txBody>
       </p:sp>
@@ -23715,9 +23588,6 @@
               </a:rPr>
               <a:t>5</a:t>
             </a:r>
-            <a:endParaRPr lang="en-US" sz="2000" dirty="0">
-              <a:latin typeface="Comic Sans MS" panose="030F0702030302020204" pitchFamily="66" charset="0"/>
-            </a:endParaRPr>
           </a:p>
         </p:txBody>
       </p:sp>
@@ -24109,9 +23979,6 @@
               </a:rPr>
               <a:t>1 - 3 + 5 - …. </a:t>
             </a:r>
-            <a:endParaRPr lang="en-US" sz="2800" dirty="0" smtClean="0">
-              <a:latin typeface="Comic Sans MS" pitchFamily="66" charset="0"/>
-            </a:endParaRPr>
           </a:p>
           <a:p>
             <a:pPr>
@@ -24610,9 +24477,6 @@
               </a:rPr>
               <a:t>}</a:t>
             </a:r>
-            <a:endParaRPr lang="en-US" sz="2000" dirty="0">
-              <a:latin typeface="Comic Sans MS" pitchFamily="66" charset="0"/>
-            </a:endParaRPr>
           </a:p>
         </p:txBody>
       </p:sp>
@@ -25173,9 +25037,6 @@
               </a:rPr>
               <a:t> - …. </a:t>
             </a:r>
-            <a:endParaRPr lang="en-US" sz="2800" dirty="0" smtClean="0">
-              <a:latin typeface="Comic Sans MS" pitchFamily="66" charset="0"/>
-            </a:endParaRPr>
           </a:p>
           <a:p>
             <a:pPr>
@@ -25691,9 +25552,6 @@
               </a:rPr>
               <a:t>}</a:t>
             </a:r>
-            <a:endParaRPr lang="en-US" sz="2000" dirty="0">
-              <a:latin typeface="Comic Sans MS" pitchFamily="66" charset="0"/>
-            </a:endParaRPr>
           </a:p>
         </p:txBody>
       </p:sp>
@@ -25730,9 +25588,6 @@
               </a:rPr>
               <a:t>2</a:t>
             </a:r>
-            <a:endParaRPr lang="en-US" sz="2000" dirty="0">
-              <a:latin typeface="Comic Sans MS" panose="030F0702030302020204" pitchFamily="66" charset="0"/>
-            </a:endParaRPr>
           </a:p>
         </p:txBody>
       </p:sp>
@@ -25964,7 +25819,7 @@
         <p:spPr>
           <a:xfrm>
             <a:off x="457200" y="1600201"/>
-            <a:ext cx="8382000" cy="1904999"/>
+            <a:ext cx="8382000" cy="4800599"/>
           </a:xfrm>
         </p:spPr>
         <p:txBody>
@@ -25977,6 +25832,312 @@
               <a:buNone/>
             </a:pPr>
             <a:r>
+              <a:rPr lang="en-US" sz="4000" dirty="0" smtClean="0">
+                <a:latin typeface="Comic Sans MS" pitchFamily="66" charset="0"/>
+              </a:rPr>
+              <a:t>int counter </a:t>
+            </a:r>
+            <a:r>
+              <a:rPr lang="en-US" sz="4000" dirty="0">
+                <a:solidFill>
+                  <a:srgbClr val="FF0000"/>
+                </a:solidFill>
+                <a:latin typeface="Comic Sans MS" pitchFamily="66" charset="0"/>
+              </a:rPr>
+              <a:t>=</a:t>
+            </a:r>
+            <a:r>
+              <a:rPr lang="en-US" sz="4000" dirty="0">
+                <a:latin typeface="Comic Sans MS" pitchFamily="66" charset="0"/>
+              </a:rPr>
+              <a:t> 1; </a:t>
+            </a:r>
+            <a:endParaRPr lang="en-US" sz="4000" dirty="0" smtClean="0">
+              <a:latin typeface="Comic Sans MS" pitchFamily="66" charset="0"/>
+            </a:endParaRPr>
+          </a:p>
+          <a:p>
+            <a:pPr>
+              <a:buNone/>
+            </a:pPr>
+            <a:r>
+              <a:rPr lang="en-US" sz="4000" dirty="0" smtClean="0">
+                <a:latin typeface="Comic Sans MS" pitchFamily="66" charset="0"/>
+              </a:rPr>
+              <a:t>while </a:t>
+            </a:r>
+            <a:r>
+              <a:rPr lang="en-US" sz="4000" dirty="0" smtClean="0">
+                <a:solidFill>
+                  <a:srgbClr val="FF0000"/>
+                </a:solidFill>
+                <a:latin typeface="Comic Sans MS" pitchFamily="66" charset="0"/>
+              </a:rPr>
+              <a:t>(</a:t>
+            </a:r>
+            <a:r>
+              <a:rPr lang="en-US" sz="4000" dirty="0">
+                <a:latin typeface="Comic Sans MS" pitchFamily="66" charset="0"/>
+              </a:rPr>
+              <a:t>counter</a:t>
+            </a:r>
+            <a:r>
+              <a:rPr lang="en-US" sz="4000" dirty="0" smtClean="0">
+                <a:latin typeface="Comic Sans MS" pitchFamily="66" charset="0"/>
+              </a:rPr>
+              <a:t> </a:t>
+            </a:r>
+            <a:r>
+              <a:rPr lang="en-US" sz="4000" dirty="0" smtClean="0">
+                <a:solidFill>
+                  <a:srgbClr val="FF0000"/>
+                </a:solidFill>
+                <a:latin typeface="Comic Sans MS" pitchFamily="66" charset="0"/>
+              </a:rPr>
+              <a:t>&lt;=</a:t>
+            </a:r>
+            <a:r>
+              <a:rPr lang="en-US" sz="4000" dirty="0" smtClean="0">
+                <a:latin typeface="Comic Sans MS" pitchFamily="66" charset="0"/>
+              </a:rPr>
+              <a:t> </a:t>
+            </a:r>
+            <a:r>
+              <a:rPr lang="en-US" sz="4000" dirty="0" smtClean="0">
+                <a:latin typeface="Comic Sans MS" pitchFamily="66" charset="0"/>
+              </a:rPr>
+              <a:t>5</a:t>
+            </a:r>
+            <a:r>
+              <a:rPr lang="en-US" sz="4000" dirty="0" smtClean="0">
+                <a:solidFill>
+                  <a:srgbClr val="FF0000"/>
+                </a:solidFill>
+                <a:latin typeface="Comic Sans MS" pitchFamily="66" charset="0"/>
+              </a:rPr>
+              <a:t>)</a:t>
+            </a:r>
+            <a:r>
+              <a:rPr lang="en-US" sz="4000" dirty="0" smtClean="0">
+                <a:latin typeface="Comic Sans MS" pitchFamily="66" charset="0"/>
+              </a:rPr>
+              <a:t> </a:t>
+            </a:r>
+            <a:r>
+              <a:rPr lang="en-US" sz="4000" dirty="0" smtClean="0">
+                <a:solidFill>
+                  <a:srgbClr val="00B0F0"/>
+                </a:solidFill>
+                <a:latin typeface="Comic Sans MS" pitchFamily="66" charset="0"/>
+              </a:rPr>
+              <a:t>{</a:t>
+            </a:r>
+            <a:r>
+              <a:rPr lang="en-US" sz="4000" dirty="0" smtClean="0">
+                <a:latin typeface="Comic Sans MS" pitchFamily="66" charset="0"/>
+              </a:rPr>
+              <a:t> </a:t>
+            </a:r>
+          </a:p>
+          <a:p>
+            <a:pPr>
+              <a:buNone/>
+            </a:pPr>
+            <a:r>
+              <a:rPr lang="en-US" sz="4000" dirty="0" smtClean="0">
+                <a:latin typeface="Comic Sans MS" pitchFamily="66" charset="0"/>
+              </a:rPr>
+              <a:t>    printf(</a:t>
+            </a:r>
+            <a:r>
+              <a:rPr lang="en-US" sz="4000" dirty="0" smtClean="0">
+                <a:solidFill>
+                  <a:srgbClr val="00B0F0"/>
+                </a:solidFill>
+                <a:latin typeface="Comic Sans MS" pitchFamily="66" charset="0"/>
+              </a:rPr>
+              <a:t>“%d“</a:t>
+            </a:r>
+            <a:r>
+              <a:rPr lang="en-US" sz="4000" dirty="0" smtClean="0">
+                <a:latin typeface="Comic Sans MS" pitchFamily="66" charset="0"/>
+              </a:rPr>
+              <a:t>, </a:t>
+            </a:r>
+            <a:r>
+              <a:rPr lang="en-US" sz="4000" dirty="0">
+                <a:latin typeface="Comic Sans MS" pitchFamily="66" charset="0"/>
+              </a:rPr>
+              <a:t>counter </a:t>
+            </a:r>
+            <a:r>
+              <a:rPr lang="en-US" sz="4000" dirty="0" smtClean="0">
+                <a:latin typeface="Comic Sans MS" pitchFamily="66" charset="0"/>
+              </a:rPr>
+              <a:t>); </a:t>
+            </a:r>
+            <a:endParaRPr lang="en-US" sz="4000" dirty="0">
+              <a:latin typeface="Comic Sans MS" pitchFamily="66" charset="0"/>
+            </a:endParaRPr>
+          </a:p>
+          <a:p>
+            <a:pPr>
+              <a:buNone/>
+            </a:pPr>
+            <a:r>
+              <a:rPr lang="en-US" sz="4000" dirty="0">
+                <a:latin typeface="Comic Sans MS" pitchFamily="66" charset="0"/>
+              </a:rPr>
+              <a:t> </a:t>
+            </a:r>
+            <a:r>
+              <a:rPr lang="en-US" sz="4000" dirty="0" smtClean="0">
+                <a:latin typeface="Comic Sans MS" pitchFamily="66" charset="0"/>
+              </a:rPr>
+              <a:t>   counter </a:t>
+            </a:r>
+            <a:r>
+              <a:rPr lang="en-US" sz="4000" dirty="0" smtClean="0">
+                <a:solidFill>
+                  <a:srgbClr val="FF0000"/>
+                </a:solidFill>
+                <a:latin typeface="Comic Sans MS" pitchFamily="66" charset="0"/>
+              </a:rPr>
+              <a:t>++</a:t>
+            </a:r>
+            <a:r>
+              <a:rPr lang="en-US" sz="4000" dirty="0" smtClean="0">
+                <a:latin typeface="Comic Sans MS" pitchFamily="66" charset="0"/>
+              </a:rPr>
+              <a:t>; </a:t>
+            </a:r>
+            <a:endParaRPr lang="en-US" sz="4000" dirty="0">
+              <a:latin typeface="Comic Sans MS" pitchFamily="66" charset="0"/>
+            </a:endParaRPr>
+          </a:p>
+          <a:p>
+            <a:pPr>
+              <a:buNone/>
+            </a:pPr>
+            <a:r>
+              <a:rPr lang="en-US" sz="4000" dirty="0" smtClean="0">
+                <a:solidFill>
+                  <a:srgbClr val="00B0F0"/>
+                </a:solidFill>
+                <a:latin typeface="Comic Sans MS" pitchFamily="66" charset="0"/>
+              </a:rPr>
+              <a:t>}</a:t>
+            </a:r>
+            <a:endParaRPr lang="en-US" sz="4000" dirty="0">
+              <a:solidFill>
+                <a:srgbClr val="00B0F0"/>
+              </a:solidFill>
+              <a:latin typeface="Comic Sans MS" pitchFamily="66" charset="0"/>
+            </a:endParaRPr>
+          </a:p>
+        </p:txBody>
+      </p:sp>
+      <p:sp>
+        <p:nvSpPr>
+          <p:cNvPr id="5" name="Title 1"/>
+          <p:cNvSpPr>
+            <a:spLocks noGrp="1"/>
+          </p:cNvSpPr>
+          <p:nvPr>
+            <p:ph type="title"/>
+          </p:nvPr>
+        </p:nvSpPr>
+        <p:spPr>
+          <a:xfrm>
+            <a:off x="-11374" y="-28433"/>
+            <a:ext cx="9155373" cy="715962"/>
+          </a:xfrm>
+          <a:solidFill>
+            <a:srgbClr val="00B0F0"/>
+          </a:solidFill>
+        </p:spPr>
+        <p:txBody>
+          <a:bodyPr>
+            <a:normAutofit/>
+          </a:bodyPr>
+          <a:lstStyle/>
+          <a:p>
+            <a:r>
+              <a:rPr lang="en-US" sz="4000" dirty="0" smtClean="0">
+                <a:latin typeface="Comic Sans MS" pitchFamily="66" charset="0"/>
+              </a:rPr>
+              <a:t>while statements</a:t>
+            </a:r>
+            <a:endParaRPr lang="en-US" sz="4000" dirty="0">
+              <a:latin typeface="Comic Sans MS" pitchFamily="66" charset="0"/>
+            </a:endParaRPr>
+          </a:p>
+        </p:txBody>
+      </p:sp>
+    </p:spTree>
+    <p:extLst>
+      <p:ext uri="{BB962C8B-B14F-4D97-AF65-F5344CB8AC3E}">
+        <p14:creationId xmlns:p14="http://schemas.microsoft.com/office/powerpoint/2010/main" val="1452960220"/>
+      </p:ext>
+    </p:extLst>
+  </p:cSld>
+  <p:clrMapOvr>
+    <a:masterClrMapping/>
+  </p:clrMapOvr>
+  <mc:AlternateContent xmlns:mc="http://schemas.openxmlformats.org/markup-compatibility/2006" xmlns:p14="http://schemas.microsoft.com/office/powerpoint/2010/main">
+    <mc:Choice Requires="p14">
+      <p:transition spd="slow" p14:dur="2000"/>
+    </mc:Choice>
+    <mc:Fallback xmlns="">
+      <p:transition spd="slow"/>
+    </mc:Fallback>
+  </mc:AlternateContent>
+</p:sld>
+</file>
+
+<file path=ppt/slides/slide48.xml><?xml version="1.0" encoding="utf-8"?>
+<p:sld xmlns:a="http://schemas.openxmlformats.org/drawingml/2006/main" xmlns:r="http://schemas.openxmlformats.org/officeDocument/2006/relationships" xmlns:p="http://schemas.openxmlformats.org/presentationml/2006/main">
+  <p:cSld>
+    <p:spTree>
+      <p:nvGrpSpPr>
+        <p:cNvPr id="1" name=""/>
+        <p:cNvGrpSpPr/>
+        <p:nvPr/>
+      </p:nvGrpSpPr>
+      <p:grpSpPr>
+        <a:xfrm>
+          <a:off x="0" y="0"/>
+          <a:ext cx="0" cy="0"/>
+          <a:chOff x="0" y="0"/>
+          <a:chExt cx="0" cy="0"/>
+        </a:xfrm>
+      </p:grpSpPr>
+      <p:sp>
+        <p:nvSpPr>
+          <p:cNvPr id="3" name="Content Placeholder 2"/>
+          <p:cNvSpPr>
+            <a:spLocks noGrp="1"/>
+          </p:cNvSpPr>
+          <p:nvPr>
+            <p:ph idx="1"/>
+          </p:nvPr>
+        </p:nvSpPr>
+        <p:spPr>
+          <a:xfrm>
+            <a:off x="457200" y="1600201"/>
+            <a:ext cx="8382000" cy="1904999"/>
+          </a:xfrm>
+        </p:spPr>
+        <p:txBody>
+          <a:bodyPr>
+            <a:normAutofit/>
+          </a:bodyPr>
+          <a:lstStyle/>
+          <a:p>
+            <a:pPr>
+              <a:buNone/>
+            </a:pPr>
+            <a:r>
               <a:rPr lang="en-US" sz="2800" dirty="0" smtClean="0">
                 <a:latin typeface="Comic Sans MS" pitchFamily="66" charset="0"/>
               </a:rPr>
@@ -26031,7 +26192,19 @@
               <a:rPr lang="en-US" sz="2800" dirty="0" smtClean="0">
                 <a:latin typeface="Comic Sans MS" pitchFamily="66" charset="0"/>
               </a:rPr>
-              <a:t> 10; counter++</a:t>
+              <a:t> </a:t>
+            </a:r>
+            <a:r>
+              <a:rPr lang="en-US" sz="2800" dirty="0" smtClean="0">
+                <a:latin typeface="Comic Sans MS" pitchFamily="66" charset="0"/>
+              </a:rPr>
+              <a:t>5; </a:t>
+            </a:r>
+            <a:r>
+              <a:rPr lang="en-US" sz="2800" dirty="0" smtClean="0">
+                <a:latin typeface="Comic Sans MS" pitchFamily="66" charset="0"/>
+              </a:rPr>
+              <a:t>counter++</a:t>
             </a:r>
             <a:r>
               <a:rPr lang="en-US" sz="2800" dirty="0" smtClean="0">
@@ -26431,6 +26604,536 @@
     <p:extLst>
       <p:ext uri="{BB962C8B-B14F-4D97-AF65-F5344CB8AC3E}">
         <p14:creationId xmlns:p14="http://schemas.microsoft.com/office/powerpoint/2010/main" val="3674100154"/>
+      </p:ext>
+    </p:extLst>
+  </p:cSld>
+  <p:clrMapOvr>
+    <a:masterClrMapping/>
+  </p:clrMapOvr>
+  <mc:AlternateContent xmlns:mc="http://schemas.openxmlformats.org/markup-compatibility/2006" xmlns:p14="http://schemas.microsoft.com/office/powerpoint/2010/main">
+    <mc:Choice Requires="p14">
+      <p:transition spd="slow" p14:dur="2000"/>
+    </mc:Choice>
+    <mc:Fallback xmlns="">
+      <p:transition spd="slow"/>
+    </mc:Fallback>
+  </mc:AlternateContent>
+  <p:timing>
+    <p:tnLst>
+      <p:par>
+        <p:cTn id="1" dur="indefinite" restart="never" nodeType="tmRoot"/>
+      </p:par>
+    </p:tnLst>
+  </p:timing>
+</p:sld>
+</file>
+
+<file path=ppt/slides/slide49.xml><?xml version="1.0" encoding="utf-8"?>
+<p:sld xmlns:a="http://schemas.openxmlformats.org/drawingml/2006/main" xmlns:r="http://schemas.openxmlformats.org/officeDocument/2006/relationships" xmlns:p="http://schemas.openxmlformats.org/presentationml/2006/main">
+  <p:cSld>
+    <p:spTree>
+      <p:nvGrpSpPr>
+        <p:cNvPr id="1" name=""/>
+        <p:cNvGrpSpPr/>
+        <p:nvPr/>
+      </p:nvGrpSpPr>
+      <p:grpSpPr>
+        <a:xfrm>
+          <a:off x="0" y="0"/>
+          <a:ext cx="0" cy="0"/>
+          <a:chOff x="0" y="0"/>
+          <a:chExt cx="0" cy="0"/>
+        </a:xfrm>
+      </p:grpSpPr>
+      <p:sp>
+        <p:nvSpPr>
+          <p:cNvPr id="3" name="Content Placeholder 2"/>
+          <p:cNvSpPr>
+            <a:spLocks noGrp="1"/>
+          </p:cNvSpPr>
+          <p:nvPr>
+            <p:ph idx="1"/>
+          </p:nvPr>
+        </p:nvSpPr>
+        <p:spPr>
+          <a:xfrm>
+            <a:off x="457200" y="1600201"/>
+            <a:ext cx="5257800" cy="1904999"/>
+          </a:xfrm>
+        </p:spPr>
+        <p:txBody>
+          <a:bodyPr>
+            <a:normAutofit/>
+          </a:bodyPr>
+          <a:lstStyle/>
+          <a:p>
+            <a:pPr>
+              <a:buNone/>
+            </a:pPr>
+            <a:r>
+              <a:rPr lang="en-US" sz="2000" dirty="0" smtClean="0">
+                <a:latin typeface="Comic Sans MS" pitchFamily="66" charset="0"/>
+              </a:rPr>
+              <a:t>for </a:t>
+            </a:r>
+            <a:r>
+              <a:rPr lang="en-US" sz="2000" dirty="0" smtClean="0">
+                <a:solidFill>
+                  <a:srgbClr val="FF0000"/>
+                </a:solidFill>
+                <a:latin typeface="Comic Sans MS" pitchFamily="66" charset="0"/>
+              </a:rPr>
+              <a:t>(</a:t>
+            </a:r>
+            <a:r>
+              <a:rPr lang="en-US" sz="2000" dirty="0">
+                <a:latin typeface="Comic Sans MS" pitchFamily="66" charset="0"/>
+              </a:rPr>
+              <a:t>counter </a:t>
+            </a:r>
+            <a:r>
+              <a:rPr lang="en-US" sz="2000" dirty="0">
+                <a:solidFill>
+                  <a:srgbClr val="FF0000"/>
+                </a:solidFill>
+                <a:latin typeface="Comic Sans MS" pitchFamily="66" charset="0"/>
+              </a:rPr>
+              <a:t>=</a:t>
+            </a:r>
+            <a:r>
+              <a:rPr lang="en-US" sz="2000" dirty="0">
+                <a:latin typeface="Comic Sans MS" pitchFamily="66" charset="0"/>
+              </a:rPr>
+              <a:t> 1 </a:t>
+            </a:r>
+            <a:r>
+              <a:rPr lang="en-US" sz="2000" dirty="0" smtClean="0">
+                <a:latin typeface="Comic Sans MS" pitchFamily="66" charset="0"/>
+              </a:rPr>
+              <a:t>; counter </a:t>
+            </a:r>
+            <a:r>
+              <a:rPr lang="en-US" sz="2000" dirty="0" smtClean="0">
+                <a:solidFill>
+                  <a:srgbClr val="FF0000"/>
+                </a:solidFill>
+                <a:latin typeface="Comic Sans MS" pitchFamily="66" charset="0"/>
+              </a:rPr>
+              <a:t>&lt;=</a:t>
+            </a:r>
+            <a:r>
+              <a:rPr lang="en-US" sz="2000" dirty="0" smtClean="0">
+                <a:latin typeface="Comic Sans MS" pitchFamily="66" charset="0"/>
+              </a:rPr>
+              <a:t> </a:t>
+            </a:r>
+            <a:r>
+              <a:rPr lang="en-US" sz="2000" dirty="0" smtClean="0">
+                <a:latin typeface="Comic Sans MS" pitchFamily="66" charset="0"/>
+              </a:rPr>
+              <a:t>5; </a:t>
+            </a:r>
+            <a:r>
+              <a:rPr lang="en-US" sz="2000" dirty="0" smtClean="0">
+                <a:latin typeface="Comic Sans MS" pitchFamily="66" charset="0"/>
+              </a:rPr>
+              <a:t>counter</a:t>
+            </a:r>
+            <a:r>
+              <a:rPr lang="en-US" sz="2000" dirty="0" smtClean="0">
+                <a:latin typeface="Comic Sans MS" pitchFamily="66" charset="0"/>
+              </a:rPr>
+              <a:t>++</a:t>
+            </a:r>
+            <a:r>
+              <a:rPr lang="en-US" sz="2000" dirty="0" smtClean="0">
+                <a:solidFill>
+                  <a:srgbClr val="FF0000"/>
+                </a:solidFill>
+                <a:latin typeface="Comic Sans MS" pitchFamily="66" charset="0"/>
+              </a:rPr>
+              <a:t>)</a:t>
+            </a:r>
+            <a:endParaRPr lang="en-US" sz="2000" dirty="0">
+              <a:latin typeface="Comic Sans MS" pitchFamily="66" charset="0"/>
+            </a:endParaRPr>
+          </a:p>
+          <a:p>
+            <a:pPr>
+              <a:buNone/>
+            </a:pPr>
+            <a:r>
+              <a:rPr lang="en-US" sz="2000" dirty="0" smtClean="0">
+                <a:solidFill>
+                  <a:srgbClr val="00B0F0"/>
+                </a:solidFill>
+                <a:latin typeface="Comic Sans MS" pitchFamily="66" charset="0"/>
+              </a:rPr>
+              <a:t>{</a:t>
+            </a:r>
+            <a:r>
+              <a:rPr lang="en-US" sz="2000" dirty="0" smtClean="0">
+                <a:latin typeface="Comic Sans MS" pitchFamily="66" charset="0"/>
+              </a:rPr>
+              <a:t> </a:t>
+            </a:r>
+            <a:endParaRPr lang="en-US" sz="2000" dirty="0" smtClean="0">
+              <a:latin typeface="Comic Sans MS" pitchFamily="66" charset="0"/>
+            </a:endParaRPr>
+          </a:p>
+          <a:p>
+            <a:pPr>
+              <a:buNone/>
+            </a:pPr>
+            <a:r>
+              <a:rPr lang="en-US" sz="2000" dirty="0" smtClean="0">
+                <a:latin typeface="Comic Sans MS" pitchFamily="66" charset="0"/>
+              </a:rPr>
+              <a:t>    printf(</a:t>
+            </a:r>
+            <a:r>
+              <a:rPr lang="en-US" sz="2000" dirty="0" smtClean="0">
+                <a:solidFill>
+                  <a:srgbClr val="00B0F0"/>
+                </a:solidFill>
+                <a:latin typeface="Comic Sans MS" pitchFamily="66" charset="0"/>
+              </a:rPr>
+              <a:t>“%d“</a:t>
+            </a:r>
+            <a:r>
+              <a:rPr lang="en-US" sz="2000" dirty="0" smtClean="0">
+                <a:latin typeface="Comic Sans MS" pitchFamily="66" charset="0"/>
+              </a:rPr>
+              <a:t>, </a:t>
+            </a:r>
+            <a:r>
+              <a:rPr lang="en-US" sz="2000" dirty="0">
+                <a:latin typeface="Comic Sans MS" pitchFamily="66" charset="0"/>
+              </a:rPr>
+              <a:t>counter </a:t>
+            </a:r>
+            <a:r>
+              <a:rPr lang="en-US" sz="2000" dirty="0" smtClean="0">
+                <a:latin typeface="Comic Sans MS" pitchFamily="66" charset="0"/>
+              </a:rPr>
+              <a:t>); </a:t>
+            </a:r>
+            <a:endParaRPr lang="en-US" sz="2000" dirty="0">
+              <a:latin typeface="Comic Sans MS" pitchFamily="66" charset="0"/>
+            </a:endParaRPr>
+          </a:p>
+          <a:p>
+            <a:pPr>
+              <a:buNone/>
+            </a:pPr>
+            <a:r>
+              <a:rPr lang="en-US" sz="2000" dirty="0" smtClean="0">
+                <a:solidFill>
+                  <a:srgbClr val="00B0F0"/>
+                </a:solidFill>
+                <a:latin typeface="Comic Sans MS" pitchFamily="66" charset="0"/>
+              </a:rPr>
+              <a:t>}</a:t>
+            </a:r>
+          </a:p>
+          <a:p>
+            <a:pPr>
+              <a:buNone/>
+            </a:pPr>
+            <a:endParaRPr lang="en-US" sz="2800" dirty="0">
+              <a:solidFill>
+                <a:srgbClr val="00B0F0"/>
+              </a:solidFill>
+              <a:latin typeface="Comic Sans MS" pitchFamily="66" charset="0"/>
+            </a:endParaRPr>
+          </a:p>
+          <a:p>
+            <a:pPr>
+              <a:buNone/>
+            </a:pPr>
+            <a:endParaRPr lang="en-US" sz="2800" dirty="0">
+              <a:solidFill>
+                <a:srgbClr val="00B0F0"/>
+              </a:solidFill>
+              <a:latin typeface="Comic Sans MS" pitchFamily="66" charset="0"/>
+            </a:endParaRPr>
+          </a:p>
+        </p:txBody>
+      </p:sp>
+      <p:sp>
+        <p:nvSpPr>
+          <p:cNvPr id="11" name="Title 1"/>
+          <p:cNvSpPr txBox="1">
+            <a:spLocks/>
+          </p:cNvSpPr>
+          <p:nvPr/>
+        </p:nvSpPr>
+        <p:spPr>
+          <a:xfrm>
+            <a:off x="-11374" y="-28433"/>
+            <a:ext cx="9155373" cy="715962"/>
+          </a:xfrm>
+          <a:prstGeom prst="rect">
+            <a:avLst/>
+          </a:prstGeom>
+          <a:solidFill>
+            <a:srgbClr val="00B0F0"/>
+          </a:solidFill>
+        </p:spPr>
+        <p:txBody>
+          <a:bodyPr vert="horz" lIns="91440" tIns="45720" rIns="91440" bIns="45720" rtlCol="0" anchor="ctr">
+            <a:normAutofit/>
+          </a:bodyPr>
+          <a:lstStyle>
+            <a:lvl1pPr algn="ctr" defTabSz="914400" rtl="0" eaLnBrk="1" latinLnBrk="0" hangingPunct="1">
+              <a:spcBef>
+                <a:spcPct val="0"/>
+              </a:spcBef>
+              <a:buNone/>
+              <a:defRPr sz="4400" kern="1200">
+                <a:solidFill>
+                  <a:schemeClr val="tx1"/>
+                </a:solidFill>
+                <a:latin typeface="+mj-lt"/>
+                <a:ea typeface="+mj-ea"/>
+                <a:cs typeface="+mj-cs"/>
+              </a:defRPr>
+            </a:lvl1pPr>
+          </a:lstStyle>
+          <a:p>
+            <a:r>
+              <a:rPr lang="en-US" sz="4000" dirty="0">
+                <a:latin typeface="Comic Sans MS" pitchFamily="66" charset="0"/>
+              </a:rPr>
+              <a:t>f</a:t>
+            </a:r>
+            <a:r>
+              <a:rPr lang="en-US" sz="4000" dirty="0" smtClean="0">
+                <a:latin typeface="Comic Sans MS" pitchFamily="66" charset="0"/>
+              </a:rPr>
+              <a:t>or statements</a:t>
+            </a:r>
+            <a:endParaRPr lang="en-US" sz="4000" dirty="0">
+              <a:latin typeface="Comic Sans MS" pitchFamily="66" charset="0"/>
+            </a:endParaRPr>
+          </a:p>
+        </p:txBody>
+      </p:sp>
+      <p:sp>
+        <p:nvSpPr>
+          <p:cNvPr id="12" name="Rounded Rectangle 11"/>
+          <p:cNvSpPr/>
+          <p:nvPr/>
+        </p:nvSpPr>
+        <p:spPr>
+          <a:xfrm>
+            <a:off x="990600" y="1600200"/>
+            <a:ext cx="1600200" cy="381000"/>
+          </a:xfrm>
+          <a:prstGeom prst="roundRect">
+            <a:avLst/>
+          </a:prstGeom>
+          <a:noFill/>
+          <a:ln>
+            <a:solidFill>
+              <a:srgbClr val="FF0000"/>
+            </a:solidFill>
+          </a:ln>
+        </p:spPr>
+        <p:style>
+          <a:lnRef idx="2">
+            <a:schemeClr val="accent1">
+              <a:shade val="50000"/>
+            </a:schemeClr>
+          </a:lnRef>
+          <a:fillRef idx="1">
+            <a:schemeClr val="accent1"/>
+          </a:fillRef>
+          <a:effectRef idx="0">
+            <a:schemeClr val="accent1"/>
+          </a:effectRef>
+          <a:fontRef idx="minor">
+            <a:schemeClr val="lt1"/>
+          </a:fontRef>
+        </p:style>
+        <p:txBody>
+          <a:bodyPr rtlCol="0" anchor="ctr"/>
+          <a:lstStyle/>
+          <a:p>
+            <a:pPr algn="ctr"/>
+            <a:endParaRPr lang="en-US"/>
+          </a:p>
+        </p:txBody>
+      </p:sp>
+      <p:sp>
+        <p:nvSpPr>
+          <p:cNvPr id="13" name="TextBox 12"/>
+          <p:cNvSpPr txBox="1"/>
+          <p:nvPr/>
+        </p:nvSpPr>
+        <p:spPr>
+          <a:xfrm>
+            <a:off x="7467600" y="1600200"/>
+            <a:ext cx="609600" cy="400110"/>
+          </a:xfrm>
+          <a:prstGeom prst="rect">
+            <a:avLst/>
+          </a:prstGeom>
+          <a:noFill/>
+          <a:ln>
+            <a:solidFill>
+              <a:schemeClr val="tx1"/>
+            </a:solidFill>
+          </a:ln>
+        </p:spPr>
+        <p:txBody>
+          <a:bodyPr wrap="square" rtlCol="0">
+            <a:spAutoFit/>
+          </a:bodyPr>
+          <a:lstStyle/>
+          <a:p>
+            <a:r>
+              <a:rPr lang="en-US" sz="2000" dirty="0">
+                <a:latin typeface="Comic Sans MS" panose="030F0702030302020204" pitchFamily="66" charset="0"/>
+              </a:rPr>
+              <a:t>1</a:t>
+            </a:r>
+            <a:endParaRPr lang="en-US" sz="2000" dirty="0">
+              <a:latin typeface="Comic Sans MS" panose="030F0702030302020204" pitchFamily="66" charset="0"/>
+            </a:endParaRPr>
+          </a:p>
+        </p:txBody>
+      </p:sp>
+      <p:sp>
+        <p:nvSpPr>
+          <p:cNvPr id="14" name="TextBox 13"/>
+          <p:cNvSpPr txBox="1"/>
+          <p:nvPr/>
+        </p:nvSpPr>
+        <p:spPr>
+          <a:xfrm>
+            <a:off x="6096000" y="1600200"/>
+            <a:ext cx="1143000" cy="400110"/>
+          </a:xfrm>
+          <a:prstGeom prst="rect">
+            <a:avLst/>
+          </a:prstGeom>
+          <a:noFill/>
+          <a:ln>
+            <a:solidFill>
+              <a:schemeClr val="tx1"/>
+            </a:solidFill>
+          </a:ln>
+        </p:spPr>
+        <p:txBody>
+          <a:bodyPr wrap="square" rtlCol="0">
+            <a:spAutoFit/>
+          </a:bodyPr>
+          <a:lstStyle/>
+          <a:p>
+            <a:r>
+              <a:rPr lang="en-US" sz="2000" dirty="0" smtClean="0">
+                <a:latin typeface="Comic Sans MS" panose="030F0702030302020204" pitchFamily="66" charset="0"/>
+              </a:rPr>
+              <a:t>counter</a:t>
+            </a:r>
+            <a:endParaRPr lang="en-US" sz="2000" dirty="0">
+              <a:latin typeface="Comic Sans MS" panose="030F0702030302020204" pitchFamily="66" charset="0"/>
+            </a:endParaRPr>
+          </a:p>
+        </p:txBody>
+      </p:sp>
+      <p:sp>
+        <p:nvSpPr>
+          <p:cNvPr id="15" name="Rounded Rectangle 14"/>
+          <p:cNvSpPr/>
+          <p:nvPr/>
+        </p:nvSpPr>
+        <p:spPr>
+          <a:xfrm>
+            <a:off x="457200" y="1524000"/>
+            <a:ext cx="5410200" cy="1676400"/>
+          </a:xfrm>
+          <a:prstGeom prst="roundRect">
+            <a:avLst/>
+          </a:prstGeom>
+          <a:noFill/>
+          <a:ln>
+            <a:solidFill>
+              <a:schemeClr val="tx1"/>
+            </a:solidFill>
+          </a:ln>
+        </p:spPr>
+        <p:style>
+          <a:lnRef idx="2">
+            <a:schemeClr val="accent1">
+              <a:shade val="50000"/>
+            </a:schemeClr>
+          </a:lnRef>
+          <a:fillRef idx="1">
+            <a:schemeClr val="accent1"/>
+          </a:fillRef>
+          <a:effectRef idx="0">
+            <a:schemeClr val="accent1"/>
+          </a:effectRef>
+          <a:fontRef idx="minor">
+            <a:schemeClr val="lt1"/>
+          </a:fontRef>
+        </p:style>
+        <p:txBody>
+          <a:bodyPr rtlCol="0" anchor="ctr"/>
+          <a:lstStyle/>
+          <a:p>
+            <a:pPr algn="ctr"/>
+            <a:endParaRPr lang="en-US"/>
+          </a:p>
+        </p:txBody>
+      </p:sp>
+      <p:sp>
+        <p:nvSpPr>
+          <p:cNvPr id="2" name="TextBox 1"/>
+          <p:cNvSpPr txBox="1"/>
+          <p:nvPr/>
+        </p:nvSpPr>
+        <p:spPr>
+          <a:xfrm rot="20025759">
+            <a:off x="6248400" y="914400"/>
+            <a:ext cx="1524000" cy="369332"/>
+          </a:xfrm>
+          <a:prstGeom prst="rect">
+            <a:avLst/>
+          </a:prstGeom>
+          <a:solidFill>
+            <a:srgbClr val="FFFF00"/>
+          </a:solidFill>
+          <a:ln>
+            <a:solidFill>
+              <a:schemeClr val="tx1"/>
+            </a:solidFill>
+          </a:ln>
+        </p:spPr>
+        <p:txBody>
+          <a:bodyPr wrap="square" rtlCol="0">
+            <a:spAutoFit/>
+          </a:bodyPr>
+          <a:lstStyle/>
+          <a:p>
+            <a:r>
+              <a:rPr lang="en-US" dirty="0" smtClean="0">
+                <a:latin typeface="Comic Sans MS" panose="030F0702030302020204" pitchFamily="66" charset="0"/>
+              </a:rPr>
+              <a:t>Iteration 1</a:t>
+            </a:r>
+            <a:endParaRPr lang="en-US" dirty="0">
+              <a:latin typeface="Comic Sans MS" panose="030F0702030302020204" pitchFamily="66" charset="0"/>
+            </a:endParaRPr>
+          </a:p>
+        </p:txBody>
+      </p:sp>
+    </p:spTree>
+    <p:extLst>
+      <p:ext uri="{BB962C8B-B14F-4D97-AF65-F5344CB8AC3E}">
+        <p14:creationId xmlns:p14="http://schemas.microsoft.com/office/powerpoint/2010/main" val="200408703"/>
       </p:ext>
     </p:extLst>
   </p:cSld>
@@ -26682,6 +27385,5135 @@
       <p:transition spd="slow"/>
     </mc:Fallback>
   </mc:AlternateContent>
+</p:sld>
+</file>
+
+<file path=ppt/slides/slide50.xml><?xml version="1.0" encoding="utf-8"?>
+<p:sld xmlns:a="http://schemas.openxmlformats.org/drawingml/2006/main" xmlns:r="http://schemas.openxmlformats.org/officeDocument/2006/relationships" xmlns:p="http://schemas.openxmlformats.org/presentationml/2006/main">
+  <p:cSld>
+    <p:spTree>
+      <p:nvGrpSpPr>
+        <p:cNvPr id="1" name=""/>
+        <p:cNvGrpSpPr/>
+        <p:nvPr/>
+      </p:nvGrpSpPr>
+      <p:grpSpPr>
+        <a:xfrm>
+          <a:off x="0" y="0"/>
+          <a:ext cx="0" cy="0"/>
+          <a:chOff x="0" y="0"/>
+          <a:chExt cx="0" cy="0"/>
+        </a:xfrm>
+      </p:grpSpPr>
+      <p:sp>
+        <p:nvSpPr>
+          <p:cNvPr id="3" name="Content Placeholder 2"/>
+          <p:cNvSpPr>
+            <a:spLocks noGrp="1"/>
+          </p:cNvSpPr>
+          <p:nvPr>
+            <p:ph idx="1"/>
+          </p:nvPr>
+        </p:nvSpPr>
+        <p:spPr>
+          <a:xfrm>
+            <a:off x="457200" y="1600201"/>
+            <a:ext cx="5257800" cy="1904999"/>
+          </a:xfrm>
+        </p:spPr>
+        <p:txBody>
+          <a:bodyPr>
+            <a:normAutofit/>
+          </a:bodyPr>
+          <a:lstStyle/>
+          <a:p>
+            <a:pPr>
+              <a:buNone/>
+            </a:pPr>
+            <a:r>
+              <a:rPr lang="en-US" sz="2000" dirty="0" smtClean="0">
+                <a:latin typeface="Comic Sans MS" pitchFamily="66" charset="0"/>
+              </a:rPr>
+              <a:t>for </a:t>
+            </a:r>
+            <a:r>
+              <a:rPr lang="en-US" sz="2000" dirty="0" smtClean="0">
+                <a:solidFill>
+                  <a:srgbClr val="FF0000"/>
+                </a:solidFill>
+                <a:latin typeface="Comic Sans MS" pitchFamily="66" charset="0"/>
+              </a:rPr>
+              <a:t>(</a:t>
+            </a:r>
+            <a:r>
+              <a:rPr lang="en-US" sz="2000" dirty="0">
+                <a:latin typeface="Comic Sans MS" pitchFamily="66" charset="0"/>
+              </a:rPr>
+              <a:t>counter </a:t>
+            </a:r>
+            <a:r>
+              <a:rPr lang="en-US" sz="2000" dirty="0">
+                <a:solidFill>
+                  <a:srgbClr val="FF0000"/>
+                </a:solidFill>
+                <a:latin typeface="Comic Sans MS" pitchFamily="66" charset="0"/>
+              </a:rPr>
+              <a:t>=</a:t>
+            </a:r>
+            <a:r>
+              <a:rPr lang="en-US" sz="2000" dirty="0">
+                <a:latin typeface="Comic Sans MS" pitchFamily="66" charset="0"/>
+              </a:rPr>
+              <a:t> 1 </a:t>
+            </a:r>
+            <a:r>
+              <a:rPr lang="en-US" sz="2000" dirty="0" smtClean="0">
+                <a:latin typeface="Comic Sans MS" pitchFamily="66" charset="0"/>
+              </a:rPr>
+              <a:t>; counter </a:t>
+            </a:r>
+            <a:r>
+              <a:rPr lang="en-US" sz="2000" dirty="0" smtClean="0">
+                <a:solidFill>
+                  <a:srgbClr val="FF0000"/>
+                </a:solidFill>
+                <a:latin typeface="Comic Sans MS" pitchFamily="66" charset="0"/>
+              </a:rPr>
+              <a:t>&lt;=</a:t>
+            </a:r>
+            <a:r>
+              <a:rPr lang="en-US" sz="2000" dirty="0" smtClean="0">
+                <a:latin typeface="Comic Sans MS" pitchFamily="66" charset="0"/>
+              </a:rPr>
+              <a:t> </a:t>
+            </a:r>
+            <a:r>
+              <a:rPr lang="en-US" sz="2000" dirty="0" smtClean="0">
+                <a:latin typeface="Comic Sans MS" pitchFamily="66" charset="0"/>
+              </a:rPr>
+              <a:t>5; </a:t>
+            </a:r>
+            <a:r>
+              <a:rPr lang="en-US" sz="2000" dirty="0" smtClean="0">
+                <a:latin typeface="Comic Sans MS" pitchFamily="66" charset="0"/>
+              </a:rPr>
+              <a:t>counter</a:t>
+            </a:r>
+            <a:r>
+              <a:rPr lang="en-US" sz="2000" dirty="0" smtClean="0">
+                <a:latin typeface="Comic Sans MS" pitchFamily="66" charset="0"/>
+              </a:rPr>
+              <a:t>++</a:t>
+            </a:r>
+            <a:r>
+              <a:rPr lang="en-US" sz="2000" dirty="0" smtClean="0">
+                <a:solidFill>
+                  <a:srgbClr val="FF0000"/>
+                </a:solidFill>
+                <a:latin typeface="Comic Sans MS" pitchFamily="66" charset="0"/>
+              </a:rPr>
+              <a:t>)</a:t>
+            </a:r>
+            <a:endParaRPr lang="en-US" sz="2000" dirty="0">
+              <a:latin typeface="Comic Sans MS" pitchFamily="66" charset="0"/>
+            </a:endParaRPr>
+          </a:p>
+          <a:p>
+            <a:pPr>
+              <a:buNone/>
+            </a:pPr>
+            <a:r>
+              <a:rPr lang="en-US" sz="2000" dirty="0" smtClean="0">
+                <a:solidFill>
+                  <a:srgbClr val="00B0F0"/>
+                </a:solidFill>
+                <a:latin typeface="Comic Sans MS" pitchFamily="66" charset="0"/>
+              </a:rPr>
+              <a:t>{</a:t>
+            </a:r>
+            <a:r>
+              <a:rPr lang="en-US" sz="2000" dirty="0" smtClean="0">
+                <a:latin typeface="Comic Sans MS" pitchFamily="66" charset="0"/>
+              </a:rPr>
+              <a:t> </a:t>
+            </a:r>
+            <a:endParaRPr lang="en-US" sz="2000" dirty="0" smtClean="0">
+              <a:latin typeface="Comic Sans MS" pitchFamily="66" charset="0"/>
+            </a:endParaRPr>
+          </a:p>
+          <a:p>
+            <a:pPr>
+              <a:buNone/>
+            </a:pPr>
+            <a:r>
+              <a:rPr lang="en-US" sz="2000" dirty="0" smtClean="0">
+                <a:latin typeface="Comic Sans MS" pitchFamily="66" charset="0"/>
+              </a:rPr>
+              <a:t>    printf(</a:t>
+            </a:r>
+            <a:r>
+              <a:rPr lang="en-US" sz="2000" dirty="0" smtClean="0">
+                <a:solidFill>
+                  <a:srgbClr val="00B0F0"/>
+                </a:solidFill>
+                <a:latin typeface="Comic Sans MS" pitchFamily="66" charset="0"/>
+              </a:rPr>
+              <a:t>“%d“</a:t>
+            </a:r>
+            <a:r>
+              <a:rPr lang="en-US" sz="2000" dirty="0" smtClean="0">
+                <a:latin typeface="Comic Sans MS" pitchFamily="66" charset="0"/>
+              </a:rPr>
+              <a:t>, </a:t>
+            </a:r>
+            <a:r>
+              <a:rPr lang="en-US" sz="2000" dirty="0">
+                <a:latin typeface="Comic Sans MS" pitchFamily="66" charset="0"/>
+              </a:rPr>
+              <a:t>counter </a:t>
+            </a:r>
+            <a:r>
+              <a:rPr lang="en-US" sz="2000" dirty="0" smtClean="0">
+                <a:latin typeface="Comic Sans MS" pitchFamily="66" charset="0"/>
+              </a:rPr>
+              <a:t>); </a:t>
+            </a:r>
+            <a:endParaRPr lang="en-US" sz="2000" dirty="0">
+              <a:latin typeface="Comic Sans MS" pitchFamily="66" charset="0"/>
+            </a:endParaRPr>
+          </a:p>
+          <a:p>
+            <a:pPr>
+              <a:buNone/>
+            </a:pPr>
+            <a:r>
+              <a:rPr lang="en-US" sz="2000" dirty="0" smtClean="0">
+                <a:solidFill>
+                  <a:srgbClr val="00B0F0"/>
+                </a:solidFill>
+                <a:latin typeface="Comic Sans MS" pitchFamily="66" charset="0"/>
+              </a:rPr>
+              <a:t>}</a:t>
+            </a:r>
+          </a:p>
+          <a:p>
+            <a:pPr>
+              <a:buNone/>
+            </a:pPr>
+            <a:endParaRPr lang="en-US" sz="2800" dirty="0">
+              <a:solidFill>
+                <a:srgbClr val="00B0F0"/>
+              </a:solidFill>
+              <a:latin typeface="Comic Sans MS" pitchFamily="66" charset="0"/>
+            </a:endParaRPr>
+          </a:p>
+          <a:p>
+            <a:pPr>
+              <a:buNone/>
+            </a:pPr>
+            <a:endParaRPr lang="en-US" sz="2800" dirty="0">
+              <a:solidFill>
+                <a:srgbClr val="00B0F0"/>
+              </a:solidFill>
+              <a:latin typeface="Comic Sans MS" pitchFamily="66" charset="0"/>
+            </a:endParaRPr>
+          </a:p>
+        </p:txBody>
+      </p:sp>
+      <p:sp>
+        <p:nvSpPr>
+          <p:cNvPr id="11" name="Title 1"/>
+          <p:cNvSpPr txBox="1">
+            <a:spLocks/>
+          </p:cNvSpPr>
+          <p:nvPr/>
+        </p:nvSpPr>
+        <p:spPr>
+          <a:xfrm>
+            <a:off x="-11374" y="-28433"/>
+            <a:ext cx="9155373" cy="715962"/>
+          </a:xfrm>
+          <a:prstGeom prst="rect">
+            <a:avLst/>
+          </a:prstGeom>
+          <a:solidFill>
+            <a:srgbClr val="00B0F0"/>
+          </a:solidFill>
+        </p:spPr>
+        <p:txBody>
+          <a:bodyPr vert="horz" lIns="91440" tIns="45720" rIns="91440" bIns="45720" rtlCol="0" anchor="ctr">
+            <a:normAutofit/>
+          </a:bodyPr>
+          <a:lstStyle>
+            <a:lvl1pPr algn="ctr" defTabSz="914400" rtl="0" eaLnBrk="1" latinLnBrk="0" hangingPunct="1">
+              <a:spcBef>
+                <a:spcPct val="0"/>
+              </a:spcBef>
+              <a:buNone/>
+              <a:defRPr sz="4400" kern="1200">
+                <a:solidFill>
+                  <a:schemeClr val="tx1"/>
+                </a:solidFill>
+                <a:latin typeface="+mj-lt"/>
+                <a:ea typeface="+mj-ea"/>
+                <a:cs typeface="+mj-cs"/>
+              </a:defRPr>
+            </a:lvl1pPr>
+          </a:lstStyle>
+          <a:p>
+            <a:r>
+              <a:rPr lang="en-US" sz="4000" dirty="0">
+                <a:latin typeface="Comic Sans MS" pitchFamily="66" charset="0"/>
+              </a:rPr>
+              <a:t>f</a:t>
+            </a:r>
+            <a:r>
+              <a:rPr lang="en-US" sz="4000" dirty="0" smtClean="0">
+                <a:latin typeface="Comic Sans MS" pitchFamily="66" charset="0"/>
+              </a:rPr>
+              <a:t>or statements</a:t>
+            </a:r>
+            <a:endParaRPr lang="en-US" sz="4000" dirty="0">
+              <a:latin typeface="Comic Sans MS" pitchFamily="66" charset="0"/>
+            </a:endParaRPr>
+          </a:p>
+        </p:txBody>
+      </p:sp>
+      <p:sp>
+        <p:nvSpPr>
+          <p:cNvPr id="12" name="Rounded Rectangle 11"/>
+          <p:cNvSpPr/>
+          <p:nvPr/>
+        </p:nvSpPr>
+        <p:spPr>
+          <a:xfrm>
+            <a:off x="2590800" y="1600200"/>
+            <a:ext cx="1600200" cy="381000"/>
+          </a:xfrm>
+          <a:prstGeom prst="roundRect">
+            <a:avLst/>
+          </a:prstGeom>
+          <a:noFill/>
+          <a:ln>
+            <a:solidFill>
+              <a:srgbClr val="FF0000"/>
+            </a:solidFill>
+          </a:ln>
+        </p:spPr>
+        <p:style>
+          <a:lnRef idx="2">
+            <a:schemeClr val="accent1">
+              <a:shade val="50000"/>
+            </a:schemeClr>
+          </a:lnRef>
+          <a:fillRef idx="1">
+            <a:schemeClr val="accent1"/>
+          </a:fillRef>
+          <a:effectRef idx="0">
+            <a:schemeClr val="accent1"/>
+          </a:effectRef>
+          <a:fontRef idx="minor">
+            <a:schemeClr val="lt1"/>
+          </a:fontRef>
+        </p:style>
+        <p:txBody>
+          <a:bodyPr rtlCol="0" anchor="ctr"/>
+          <a:lstStyle/>
+          <a:p>
+            <a:pPr algn="ctr"/>
+            <a:endParaRPr lang="en-US"/>
+          </a:p>
+        </p:txBody>
+      </p:sp>
+      <p:sp>
+        <p:nvSpPr>
+          <p:cNvPr id="13" name="TextBox 12"/>
+          <p:cNvSpPr txBox="1"/>
+          <p:nvPr/>
+        </p:nvSpPr>
+        <p:spPr>
+          <a:xfrm>
+            <a:off x="7467600" y="1600200"/>
+            <a:ext cx="609600" cy="400110"/>
+          </a:xfrm>
+          <a:prstGeom prst="rect">
+            <a:avLst/>
+          </a:prstGeom>
+          <a:noFill/>
+          <a:ln>
+            <a:solidFill>
+              <a:schemeClr val="tx1"/>
+            </a:solidFill>
+          </a:ln>
+        </p:spPr>
+        <p:txBody>
+          <a:bodyPr wrap="square" rtlCol="0">
+            <a:spAutoFit/>
+          </a:bodyPr>
+          <a:lstStyle/>
+          <a:p>
+            <a:r>
+              <a:rPr lang="en-US" sz="2000" dirty="0">
+                <a:latin typeface="Comic Sans MS" panose="030F0702030302020204" pitchFamily="66" charset="0"/>
+              </a:rPr>
+              <a:t>1</a:t>
+            </a:r>
+            <a:endParaRPr lang="en-US" sz="2000" dirty="0">
+              <a:latin typeface="Comic Sans MS" panose="030F0702030302020204" pitchFamily="66" charset="0"/>
+            </a:endParaRPr>
+          </a:p>
+        </p:txBody>
+      </p:sp>
+      <p:sp>
+        <p:nvSpPr>
+          <p:cNvPr id="14" name="TextBox 13"/>
+          <p:cNvSpPr txBox="1"/>
+          <p:nvPr/>
+        </p:nvSpPr>
+        <p:spPr>
+          <a:xfrm>
+            <a:off x="6096000" y="1600200"/>
+            <a:ext cx="1143000" cy="400110"/>
+          </a:xfrm>
+          <a:prstGeom prst="rect">
+            <a:avLst/>
+          </a:prstGeom>
+          <a:noFill/>
+          <a:ln>
+            <a:solidFill>
+              <a:schemeClr val="tx1"/>
+            </a:solidFill>
+          </a:ln>
+        </p:spPr>
+        <p:txBody>
+          <a:bodyPr wrap="square" rtlCol="0">
+            <a:spAutoFit/>
+          </a:bodyPr>
+          <a:lstStyle/>
+          <a:p>
+            <a:r>
+              <a:rPr lang="en-US" sz="2000" dirty="0" smtClean="0">
+                <a:latin typeface="Comic Sans MS" panose="030F0702030302020204" pitchFamily="66" charset="0"/>
+              </a:rPr>
+              <a:t>counter</a:t>
+            </a:r>
+            <a:endParaRPr lang="en-US" sz="2000" dirty="0">
+              <a:latin typeface="Comic Sans MS" panose="030F0702030302020204" pitchFamily="66" charset="0"/>
+            </a:endParaRPr>
+          </a:p>
+        </p:txBody>
+      </p:sp>
+      <p:sp>
+        <p:nvSpPr>
+          <p:cNvPr id="7" name="Rounded Rectangle 6"/>
+          <p:cNvSpPr/>
+          <p:nvPr/>
+        </p:nvSpPr>
+        <p:spPr>
+          <a:xfrm>
+            <a:off x="457200" y="1524000"/>
+            <a:ext cx="5410200" cy="1676400"/>
+          </a:xfrm>
+          <a:prstGeom prst="roundRect">
+            <a:avLst/>
+          </a:prstGeom>
+          <a:noFill/>
+          <a:ln>
+            <a:solidFill>
+              <a:schemeClr val="tx1"/>
+            </a:solidFill>
+          </a:ln>
+        </p:spPr>
+        <p:style>
+          <a:lnRef idx="2">
+            <a:schemeClr val="accent1">
+              <a:shade val="50000"/>
+            </a:schemeClr>
+          </a:lnRef>
+          <a:fillRef idx="1">
+            <a:schemeClr val="accent1"/>
+          </a:fillRef>
+          <a:effectRef idx="0">
+            <a:schemeClr val="accent1"/>
+          </a:effectRef>
+          <a:fontRef idx="minor">
+            <a:schemeClr val="lt1"/>
+          </a:fontRef>
+        </p:style>
+        <p:txBody>
+          <a:bodyPr rtlCol="0" anchor="ctr"/>
+          <a:lstStyle/>
+          <a:p>
+            <a:pPr algn="ctr"/>
+            <a:endParaRPr lang="en-US"/>
+          </a:p>
+        </p:txBody>
+      </p:sp>
+      <p:sp>
+        <p:nvSpPr>
+          <p:cNvPr id="8" name="TextBox 7"/>
+          <p:cNvSpPr txBox="1"/>
+          <p:nvPr/>
+        </p:nvSpPr>
+        <p:spPr>
+          <a:xfrm rot="20025759">
+            <a:off x="6248400" y="914400"/>
+            <a:ext cx="1524000" cy="369332"/>
+          </a:xfrm>
+          <a:prstGeom prst="rect">
+            <a:avLst/>
+          </a:prstGeom>
+          <a:solidFill>
+            <a:srgbClr val="FFFF00"/>
+          </a:solidFill>
+          <a:ln>
+            <a:solidFill>
+              <a:schemeClr val="tx1"/>
+            </a:solidFill>
+          </a:ln>
+        </p:spPr>
+        <p:txBody>
+          <a:bodyPr wrap="square" rtlCol="0">
+            <a:spAutoFit/>
+          </a:bodyPr>
+          <a:lstStyle/>
+          <a:p>
+            <a:r>
+              <a:rPr lang="en-US" dirty="0" smtClean="0">
+                <a:latin typeface="Comic Sans MS" panose="030F0702030302020204" pitchFamily="66" charset="0"/>
+              </a:rPr>
+              <a:t>Iteration 1</a:t>
+            </a:r>
+            <a:endParaRPr lang="en-US" dirty="0">
+              <a:latin typeface="Comic Sans MS" panose="030F0702030302020204" pitchFamily="66" charset="0"/>
+            </a:endParaRPr>
+          </a:p>
+        </p:txBody>
+      </p:sp>
+    </p:spTree>
+    <p:extLst>
+      <p:ext uri="{BB962C8B-B14F-4D97-AF65-F5344CB8AC3E}">
+        <p14:creationId xmlns:p14="http://schemas.microsoft.com/office/powerpoint/2010/main" val="676967750"/>
+      </p:ext>
+    </p:extLst>
+  </p:cSld>
+  <p:clrMapOvr>
+    <a:masterClrMapping/>
+  </p:clrMapOvr>
+  <mc:AlternateContent xmlns:mc="http://schemas.openxmlformats.org/markup-compatibility/2006" xmlns:p14="http://schemas.microsoft.com/office/powerpoint/2010/main">
+    <mc:Choice Requires="p14">
+      <p:transition spd="slow" p14:dur="2000"/>
+    </mc:Choice>
+    <mc:Fallback xmlns="">
+      <p:transition spd="slow"/>
+    </mc:Fallback>
+  </mc:AlternateContent>
+  <p:timing>
+    <p:tnLst>
+      <p:par>
+        <p:cTn id="1" dur="indefinite" restart="never" nodeType="tmRoot"/>
+      </p:par>
+    </p:tnLst>
+  </p:timing>
+</p:sld>
+</file>
+
+<file path=ppt/slides/slide51.xml><?xml version="1.0" encoding="utf-8"?>
+<p:sld xmlns:a="http://schemas.openxmlformats.org/drawingml/2006/main" xmlns:r="http://schemas.openxmlformats.org/officeDocument/2006/relationships" xmlns:p="http://schemas.openxmlformats.org/presentationml/2006/main">
+  <p:cSld>
+    <p:spTree>
+      <p:nvGrpSpPr>
+        <p:cNvPr id="1" name=""/>
+        <p:cNvGrpSpPr/>
+        <p:nvPr/>
+      </p:nvGrpSpPr>
+      <p:grpSpPr>
+        <a:xfrm>
+          <a:off x="0" y="0"/>
+          <a:ext cx="0" cy="0"/>
+          <a:chOff x="0" y="0"/>
+          <a:chExt cx="0" cy="0"/>
+        </a:xfrm>
+      </p:grpSpPr>
+      <p:sp>
+        <p:nvSpPr>
+          <p:cNvPr id="3" name="Content Placeholder 2"/>
+          <p:cNvSpPr>
+            <a:spLocks noGrp="1"/>
+          </p:cNvSpPr>
+          <p:nvPr>
+            <p:ph idx="1"/>
+          </p:nvPr>
+        </p:nvSpPr>
+        <p:spPr>
+          <a:xfrm>
+            <a:off x="457200" y="1600201"/>
+            <a:ext cx="5257800" cy="1904999"/>
+          </a:xfrm>
+        </p:spPr>
+        <p:txBody>
+          <a:bodyPr>
+            <a:normAutofit/>
+          </a:bodyPr>
+          <a:lstStyle/>
+          <a:p>
+            <a:pPr>
+              <a:buNone/>
+            </a:pPr>
+            <a:r>
+              <a:rPr lang="en-US" sz="2000" dirty="0" smtClean="0">
+                <a:latin typeface="Comic Sans MS" pitchFamily="66" charset="0"/>
+              </a:rPr>
+              <a:t>for </a:t>
+            </a:r>
+            <a:r>
+              <a:rPr lang="en-US" sz="2000" dirty="0" smtClean="0">
+                <a:solidFill>
+                  <a:srgbClr val="FF0000"/>
+                </a:solidFill>
+                <a:latin typeface="Comic Sans MS" pitchFamily="66" charset="0"/>
+              </a:rPr>
+              <a:t>(</a:t>
+            </a:r>
+            <a:r>
+              <a:rPr lang="en-US" sz="2000" dirty="0">
+                <a:latin typeface="Comic Sans MS" pitchFamily="66" charset="0"/>
+              </a:rPr>
+              <a:t>counter </a:t>
+            </a:r>
+            <a:r>
+              <a:rPr lang="en-US" sz="2000" dirty="0">
+                <a:solidFill>
+                  <a:srgbClr val="FF0000"/>
+                </a:solidFill>
+                <a:latin typeface="Comic Sans MS" pitchFamily="66" charset="0"/>
+              </a:rPr>
+              <a:t>=</a:t>
+            </a:r>
+            <a:r>
+              <a:rPr lang="en-US" sz="2000" dirty="0">
+                <a:latin typeface="Comic Sans MS" pitchFamily="66" charset="0"/>
+              </a:rPr>
+              <a:t> 1 </a:t>
+            </a:r>
+            <a:r>
+              <a:rPr lang="en-US" sz="2000" dirty="0" smtClean="0">
+                <a:latin typeface="Comic Sans MS" pitchFamily="66" charset="0"/>
+              </a:rPr>
+              <a:t>; counter </a:t>
+            </a:r>
+            <a:r>
+              <a:rPr lang="en-US" sz="2000" dirty="0" smtClean="0">
+                <a:solidFill>
+                  <a:srgbClr val="FF0000"/>
+                </a:solidFill>
+                <a:latin typeface="Comic Sans MS" pitchFamily="66" charset="0"/>
+              </a:rPr>
+              <a:t>&lt;=</a:t>
+            </a:r>
+            <a:r>
+              <a:rPr lang="en-US" sz="2000" dirty="0" smtClean="0">
+                <a:latin typeface="Comic Sans MS" pitchFamily="66" charset="0"/>
+              </a:rPr>
+              <a:t> </a:t>
+            </a:r>
+            <a:r>
+              <a:rPr lang="en-US" sz="2000" dirty="0" smtClean="0">
+                <a:latin typeface="Comic Sans MS" pitchFamily="66" charset="0"/>
+              </a:rPr>
+              <a:t>5; </a:t>
+            </a:r>
+            <a:r>
+              <a:rPr lang="en-US" sz="2000" dirty="0" smtClean="0">
+                <a:latin typeface="Comic Sans MS" pitchFamily="66" charset="0"/>
+              </a:rPr>
+              <a:t>counter</a:t>
+            </a:r>
+            <a:r>
+              <a:rPr lang="en-US" sz="2000" dirty="0" smtClean="0">
+                <a:latin typeface="Comic Sans MS" pitchFamily="66" charset="0"/>
+              </a:rPr>
+              <a:t>++</a:t>
+            </a:r>
+            <a:r>
+              <a:rPr lang="en-US" sz="2000" dirty="0" smtClean="0">
+                <a:solidFill>
+                  <a:srgbClr val="FF0000"/>
+                </a:solidFill>
+                <a:latin typeface="Comic Sans MS" pitchFamily="66" charset="0"/>
+              </a:rPr>
+              <a:t>)</a:t>
+            </a:r>
+            <a:endParaRPr lang="en-US" sz="2000" dirty="0">
+              <a:latin typeface="Comic Sans MS" pitchFamily="66" charset="0"/>
+            </a:endParaRPr>
+          </a:p>
+          <a:p>
+            <a:pPr>
+              <a:buNone/>
+            </a:pPr>
+            <a:r>
+              <a:rPr lang="en-US" sz="2000" dirty="0" smtClean="0">
+                <a:solidFill>
+                  <a:srgbClr val="00B0F0"/>
+                </a:solidFill>
+                <a:latin typeface="Comic Sans MS" pitchFamily="66" charset="0"/>
+              </a:rPr>
+              <a:t>{</a:t>
+            </a:r>
+            <a:r>
+              <a:rPr lang="en-US" sz="2000" dirty="0" smtClean="0">
+                <a:latin typeface="Comic Sans MS" pitchFamily="66" charset="0"/>
+              </a:rPr>
+              <a:t> </a:t>
+            </a:r>
+            <a:endParaRPr lang="en-US" sz="2000" dirty="0" smtClean="0">
+              <a:latin typeface="Comic Sans MS" pitchFamily="66" charset="0"/>
+            </a:endParaRPr>
+          </a:p>
+          <a:p>
+            <a:pPr>
+              <a:buNone/>
+            </a:pPr>
+            <a:r>
+              <a:rPr lang="en-US" sz="2000" dirty="0" smtClean="0">
+                <a:latin typeface="Comic Sans MS" pitchFamily="66" charset="0"/>
+              </a:rPr>
+              <a:t>    printf(</a:t>
+            </a:r>
+            <a:r>
+              <a:rPr lang="en-US" sz="2000" dirty="0" smtClean="0">
+                <a:solidFill>
+                  <a:srgbClr val="00B0F0"/>
+                </a:solidFill>
+                <a:latin typeface="Comic Sans MS" pitchFamily="66" charset="0"/>
+              </a:rPr>
+              <a:t>“%d“</a:t>
+            </a:r>
+            <a:r>
+              <a:rPr lang="en-US" sz="2000" dirty="0" smtClean="0">
+                <a:latin typeface="Comic Sans MS" pitchFamily="66" charset="0"/>
+              </a:rPr>
+              <a:t>, </a:t>
+            </a:r>
+            <a:r>
+              <a:rPr lang="en-US" sz="2000" dirty="0">
+                <a:latin typeface="Comic Sans MS" pitchFamily="66" charset="0"/>
+              </a:rPr>
+              <a:t>counter </a:t>
+            </a:r>
+            <a:r>
+              <a:rPr lang="en-US" sz="2000" dirty="0" smtClean="0">
+                <a:latin typeface="Comic Sans MS" pitchFamily="66" charset="0"/>
+              </a:rPr>
+              <a:t>); </a:t>
+            </a:r>
+            <a:endParaRPr lang="en-US" sz="2000" dirty="0">
+              <a:latin typeface="Comic Sans MS" pitchFamily="66" charset="0"/>
+            </a:endParaRPr>
+          </a:p>
+          <a:p>
+            <a:pPr>
+              <a:buNone/>
+            </a:pPr>
+            <a:r>
+              <a:rPr lang="en-US" sz="2000" dirty="0" smtClean="0">
+                <a:solidFill>
+                  <a:srgbClr val="00B0F0"/>
+                </a:solidFill>
+                <a:latin typeface="Comic Sans MS" pitchFamily="66" charset="0"/>
+              </a:rPr>
+              <a:t>}</a:t>
+            </a:r>
+          </a:p>
+          <a:p>
+            <a:pPr>
+              <a:buNone/>
+            </a:pPr>
+            <a:endParaRPr lang="en-US" sz="2800" dirty="0">
+              <a:solidFill>
+                <a:srgbClr val="00B0F0"/>
+              </a:solidFill>
+              <a:latin typeface="Comic Sans MS" pitchFamily="66" charset="0"/>
+            </a:endParaRPr>
+          </a:p>
+          <a:p>
+            <a:pPr>
+              <a:buNone/>
+            </a:pPr>
+            <a:endParaRPr lang="en-US" sz="2800" dirty="0">
+              <a:solidFill>
+                <a:srgbClr val="00B0F0"/>
+              </a:solidFill>
+              <a:latin typeface="Comic Sans MS" pitchFamily="66" charset="0"/>
+            </a:endParaRPr>
+          </a:p>
+        </p:txBody>
+      </p:sp>
+      <p:sp>
+        <p:nvSpPr>
+          <p:cNvPr id="11" name="Title 1"/>
+          <p:cNvSpPr txBox="1">
+            <a:spLocks/>
+          </p:cNvSpPr>
+          <p:nvPr/>
+        </p:nvSpPr>
+        <p:spPr>
+          <a:xfrm>
+            <a:off x="-11374" y="-28433"/>
+            <a:ext cx="9155373" cy="715962"/>
+          </a:xfrm>
+          <a:prstGeom prst="rect">
+            <a:avLst/>
+          </a:prstGeom>
+          <a:solidFill>
+            <a:srgbClr val="00B0F0"/>
+          </a:solidFill>
+        </p:spPr>
+        <p:txBody>
+          <a:bodyPr vert="horz" lIns="91440" tIns="45720" rIns="91440" bIns="45720" rtlCol="0" anchor="ctr">
+            <a:normAutofit/>
+          </a:bodyPr>
+          <a:lstStyle>
+            <a:lvl1pPr algn="ctr" defTabSz="914400" rtl="0" eaLnBrk="1" latinLnBrk="0" hangingPunct="1">
+              <a:spcBef>
+                <a:spcPct val="0"/>
+              </a:spcBef>
+              <a:buNone/>
+              <a:defRPr sz="4400" kern="1200">
+                <a:solidFill>
+                  <a:schemeClr val="tx1"/>
+                </a:solidFill>
+                <a:latin typeface="+mj-lt"/>
+                <a:ea typeface="+mj-ea"/>
+                <a:cs typeface="+mj-cs"/>
+              </a:defRPr>
+            </a:lvl1pPr>
+          </a:lstStyle>
+          <a:p>
+            <a:r>
+              <a:rPr lang="en-US" sz="4000" dirty="0">
+                <a:latin typeface="Comic Sans MS" pitchFamily="66" charset="0"/>
+              </a:rPr>
+              <a:t>f</a:t>
+            </a:r>
+            <a:r>
+              <a:rPr lang="en-US" sz="4000" dirty="0" smtClean="0">
+                <a:latin typeface="Comic Sans MS" pitchFamily="66" charset="0"/>
+              </a:rPr>
+              <a:t>or statements</a:t>
+            </a:r>
+            <a:endParaRPr lang="en-US" sz="4000" dirty="0">
+              <a:latin typeface="Comic Sans MS" pitchFamily="66" charset="0"/>
+            </a:endParaRPr>
+          </a:p>
+        </p:txBody>
+      </p:sp>
+      <p:sp>
+        <p:nvSpPr>
+          <p:cNvPr id="12" name="Rounded Rectangle 11"/>
+          <p:cNvSpPr/>
+          <p:nvPr/>
+        </p:nvSpPr>
+        <p:spPr>
+          <a:xfrm>
+            <a:off x="762000" y="2362200"/>
+            <a:ext cx="2819400" cy="381000"/>
+          </a:xfrm>
+          <a:prstGeom prst="roundRect">
+            <a:avLst/>
+          </a:prstGeom>
+          <a:noFill/>
+          <a:ln>
+            <a:solidFill>
+              <a:srgbClr val="FF0000"/>
+            </a:solidFill>
+          </a:ln>
+        </p:spPr>
+        <p:style>
+          <a:lnRef idx="2">
+            <a:schemeClr val="accent1">
+              <a:shade val="50000"/>
+            </a:schemeClr>
+          </a:lnRef>
+          <a:fillRef idx="1">
+            <a:schemeClr val="accent1"/>
+          </a:fillRef>
+          <a:effectRef idx="0">
+            <a:schemeClr val="accent1"/>
+          </a:effectRef>
+          <a:fontRef idx="minor">
+            <a:schemeClr val="lt1"/>
+          </a:fontRef>
+        </p:style>
+        <p:txBody>
+          <a:bodyPr rtlCol="0" anchor="ctr"/>
+          <a:lstStyle/>
+          <a:p>
+            <a:pPr algn="ctr"/>
+            <a:endParaRPr lang="en-US"/>
+          </a:p>
+        </p:txBody>
+      </p:sp>
+      <p:sp>
+        <p:nvSpPr>
+          <p:cNvPr id="13" name="TextBox 12"/>
+          <p:cNvSpPr txBox="1"/>
+          <p:nvPr/>
+        </p:nvSpPr>
+        <p:spPr>
+          <a:xfrm>
+            <a:off x="7467600" y="1600200"/>
+            <a:ext cx="609600" cy="400110"/>
+          </a:xfrm>
+          <a:prstGeom prst="rect">
+            <a:avLst/>
+          </a:prstGeom>
+          <a:noFill/>
+          <a:ln>
+            <a:solidFill>
+              <a:schemeClr val="tx1"/>
+            </a:solidFill>
+          </a:ln>
+        </p:spPr>
+        <p:txBody>
+          <a:bodyPr wrap="square" rtlCol="0">
+            <a:spAutoFit/>
+          </a:bodyPr>
+          <a:lstStyle/>
+          <a:p>
+            <a:r>
+              <a:rPr lang="en-US" sz="2000" dirty="0">
+                <a:latin typeface="Comic Sans MS" panose="030F0702030302020204" pitchFamily="66" charset="0"/>
+              </a:rPr>
+              <a:t>1</a:t>
+            </a:r>
+            <a:endParaRPr lang="en-US" sz="2000" dirty="0">
+              <a:latin typeface="Comic Sans MS" panose="030F0702030302020204" pitchFamily="66" charset="0"/>
+            </a:endParaRPr>
+          </a:p>
+        </p:txBody>
+      </p:sp>
+      <p:sp>
+        <p:nvSpPr>
+          <p:cNvPr id="14" name="TextBox 13"/>
+          <p:cNvSpPr txBox="1"/>
+          <p:nvPr/>
+        </p:nvSpPr>
+        <p:spPr>
+          <a:xfrm>
+            <a:off x="6096000" y="1600200"/>
+            <a:ext cx="1143000" cy="400110"/>
+          </a:xfrm>
+          <a:prstGeom prst="rect">
+            <a:avLst/>
+          </a:prstGeom>
+          <a:noFill/>
+          <a:ln>
+            <a:solidFill>
+              <a:schemeClr val="tx1"/>
+            </a:solidFill>
+          </a:ln>
+        </p:spPr>
+        <p:txBody>
+          <a:bodyPr wrap="square" rtlCol="0">
+            <a:spAutoFit/>
+          </a:bodyPr>
+          <a:lstStyle/>
+          <a:p>
+            <a:r>
+              <a:rPr lang="en-US" sz="2000" dirty="0" smtClean="0">
+                <a:latin typeface="Comic Sans MS" panose="030F0702030302020204" pitchFamily="66" charset="0"/>
+              </a:rPr>
+              <a:t>counter</a:t>
+            </a:r>
+            <a:endParaRPr lang="en-US" sz="2000" dirty="0">
+              <a:latin typeface="Comic Sans MS" panose="030F0702030302020204" pitchFamily="66" charset="0"/>
+            </a:endParaRPr>
+          </a:p>
+        </p:txBody>
+      </p:sp>
+      <p:sp>
+        <p:nvSpPr>
+          <p:cNvPr id="7" name="Rounded Rectangle 6"/>
+          <p:cNvSpPr/>
+          <p:nvPr/>
+        </p:nvSpPr>
+        <p:spPr>
+          <a:xfrm>
+            <a:off x="457200" y="1524000"/>
+            <a:ext cx="5410200" cy="1676400"/>
+          </a:xfrm>
+          <a:prstGeom prst="roundRect">
+            <a:avLst/>
+          </a:prstGeom>
+          <a:noFill/>
+          <a:ln>
+            <a:solidFill>
+              <a:schemeClr val="tx1"/>
+            </a:solidFill>
+          </a:ln>
+        </p:spPr>
+        <p:style>
+          <a:lnRef idx="2">
+            <a:schemeClr val="accent1">
+              <a:shade val="50000"/>
+            </a:schemeClr>
+          </a:lnRef>
+          <a:fillRef idx="1">
+            <a:schemeClr val="accent1"/>
+          </a:fillRef>
+          <a:effectRef idx="0">
+            <a:schemeClr val="accent1"/>
+          </a:effectRef>
+          <a:fontRef idx="minor">
+            <a:schemeClr val="lt1"/>
+          </a:fontRef>
+        </p:style>
+        <p:txBody>
+          <a:bodyPr rtlCol="0" anchor="ctr"/>
+          <a:lstStyle/>
+          <a:p>
+            <a:pPr algn="ctr"/>
+            <a:endParaRPr lang="en-US"/>
+          </a:p>
+        </p:txBody>
+      </p:sp>
+      <p:sp>
+        <p:nvSpPr>
+          <p:cNvPr id="8" name="TextBox 7"/>
+          <p:cNvSpPr txBox="1"/>
+          <p:nvPr/>
+        </p:nvSpPr>
+        <p:spPr>
+          <a:xfrm>
+            <a:off x="533400" y="4114800"/>
+            <a:ext cx="8229600" cy="381000"/>
+          </a:xfrm>
+          <a:prstGeom prst="rect">
+            <a:avLst/>
+          </a:prstGeom>
+          <a:noFill/>
+          <a:ln>
+            <a:solidFill>
+              <a:schemeClr val="tx1"/>
+            </a:solidFill>
+          </a:ln>
+        </p:spPr>
+        <p:txBody>
+          <a:bodyPr wrap="square" rtlCol="0">
+            <a:spAutoFit/>
+          </a:bodyPr>
+          <a:lstStyle/>
+          <a:p>
+            <a:r>
+              <a:rPr lang="en-US" dirty="0" smtClean="0">
+                <a:latin typeface="Comic Sans MS" panose="030F0702030302020204" pitchFamily="66" charset="0"/>
+              </a:rPr>
+              <a:t>1</a:t>
+            </a:r>
+            <a:endParaRPr lang="en-US" dirty="0">
+              <a:latin typeface="Comic Sans MS" panose="030F0702030302020204" pitchFamily="66" charset="0"/>
+            </a:endParaRPr>
+          </a:p>
+        </p:txBody>
+      </p:sp>
+      <p:sp>
+        <p:nvSpPr>
+          <p:cNvPr id="9" name="TextBox 8"/>
+          <p:cNvSpPr txBox="1"/>
+          <p:nvPr/>
+        </p:nvSpPr>
+        <p:spPr>
+          <a:xfrm rot="20025759">
+            <a:off x="6248400" y="914400"/>
+            <a:ext cx="1524000" cy="369332"/>
+          </a:xfrm>
+          <a:prstGeom prst="rect">
+            <a:avLst/>
+          </a:prstGeom>
+          <a:solidFill>
+            <a:srgbClr val="FFFF00"/>
+          </a:solidFill>
+          <a:ln>
+            <a:solidFill>
+              <a:schemeClr val="tx1"/>
+            </a:solidFill>
+          </a:ln>
+        </p:spPr>
+        <p:txBody>
+          <a:bodyPr wrap="square" rtlCol="0">
+            <a:spAutoFit/>
+          </a:bodyPr>
+          <a:lstStyle/>
+          <a:p>
+            <a:r>
+              <a:rPr lang="en-US" dirty="0" smtClean="0">
+                <a:latin typeface="Comic Sans MS" panose="030F0702030302020204" pitchFamily="66" charset="0"/>
+              </a:rPr>
+              <a:t>Iteration 1</a:t>
+            </a:r>
+            <a:endParaRPr lang="en-US" dirty="0">
+              <a:latin typeface="Comic Sans MS" panose="030F0702030302020204" pitchFamily="66" charset="0"/>
+            </a:endParaRPr>
+          </a:p>
+        </p:txBody>
+      </p:sp>
+    </p:spTree>
+    <p:extLst>
+      <p:ext uri="{BB962C8B-B14F-4D97-AF65-F5344CB8AC3E}">
+        <p14:creationId xmlns:p14="http://schemas.microsoft.com/office/powerpoint/2010/main" val="1411061201"/>
+      </p:ext>
+    </p:extLst>
+  </p:cSld>
+  <p:clrMapOvr>
+    <a:masterClrMapping/>
+  </p:clrMapOvr>
+  <mc:AlternateContent xmlns:mc="http://schemas.openxmlformats.org/markup-compatibility/2006" xmlns:p14="http://schemas.microsoft.com/office/powerpoint/2010/main">
+    <mc:Choice Requires="p14">
+      <p:transition spd="slow" p14:dur="2000"/>
+    </mc:Choice>
+    <mc:Fallback xmlns="">
+      <p:transition spd="slow"/>
+    </mc:Fallback>
+  </mc:AlternateContent>
+  <p:timing>
+    <p:tnLst>
+      <p:par>
+        <p:cTn id="1" dur="indefinite" restart="never" nodeType="tmRoot"/>
+      </p:par>
+    </p:tnLst>
+  </p:timing>
+</p:sld>
+</file>
+
+<file path=ppt/slides/slide52.xml><?xml version="1.0" encoding="utf-8"?>
+<p:sld xmlns:a="http://schemas.openxmlformats.org/drawingml/2006/main" xmlns:r="http://schemas.openxmlformats.org/officeDocument/2006/relationships" xmlns:p="http://schemas.openxmlformats.org/presentationml/2006/main">
+  <p:cSld>
+    <p:spTree>
+      <p:nvGrpSpPr>
+        <p:cNvPr id="1" name=""/>
+        <p:cNvGrpSpPr/>
+        <p:nvPr/>
+      </p:nvGrpSpPr>
+      <p:grpSpPr>
+        <a:xfrm>
+          <a:off x="0" y="0"/>
+          <a:ext cx="0" cy="0"/>
+          <a:chOff x="0" y="0"/>
+          <a:chExt cx="0" cy="0"/>
+        </a:xfrm>
+      </p:grpSpPr>
+      <p:sp>
+        <p:nvSpPr>
+          <p:cNvPr id="3" name="Content Placeholder 2"/>
+          <p:cNvSpPr>
+            <a:spLocks noGrp="1"/>
+          </p:cNvSpPr>
+          <p:nvPr>
+            <p:ph idx="1"/>
+          </p:nvPr>
+        </p:nvSpPr>
+        <p:spPr>
+          <a:xfrm>
+            <a:off x="457200" y="1600201"/>
+            <a:ext cx="5257800" cy="1904999"/>
+          </a:xfrm>
+        </p:spPr>
+        <p:txBody>
+          <a:bodyPr>
+            <a:normAutofit/>
+          </a:bodyPr>
+          <a:lstStyle/>
+          <a:p>
+            <a:pPr>
+              <a:buNone/>
+            </a:pPr>
+            <a:r>
+              <a:rPr lang="en-US" sz="2000" dirty="0" smtClean="0">
+                <a:latin typeface="Comic Sans MS" pitchFamily="66" charset="0"/>
+              </a:rPr>
+              <a:t>for </a:t>
+            </a:r>
+            <a:r>
+              <a:rPr lang="en-US" sz="2000" dirty="0" smtClean="0">
+                <a:solidFill>
+                  <a:srgbClr val="FF0000"/>
+                </a:solidFill>
+                <a:latin typeface="Comic Sans MS" pitchFamily="66" charset="0"/>
+              </a:rPr>
+              <a:t>(</a:t>
+            </a:r>
+            <a:r>
+              <a:rPr lang="en-US" sz="2000" dirty="0">
+                <a:latin typeface="Comic Sans MS" pitchFamily="66" charset="0"/>
+              </a:rPr>
+              <a:t>counter </a:t>
+            </a:r>
+            <a:r>
+              <a:rPr lang="en-US" sz="2000" dirty="0">
+                <a:solidFill>
+                  <a:srgbClr val="FF0000"/>
+                </a:solidFill>
+                <a:latin typeface="Comic Sans MS" pitchFamily="66" charset="0"/>
+              </a:rPr>
+              <a:t>=</a:t>
+            </a:r>
+            <a:r>
+              <a:rPr lang="en-US" sz="2000" dirty="0">
+                <a:latin typeface="Comic Sans MS" pitchFamily="66" charset="0"/>
+              </a:rPr>
+              <a:t> 1 </a:t>
+            </a:r>
+            <a:r>
+              <a:rPr lang="en-US" sz="2000" dirty="0" smtClean="0">
+                <a:latin typeface="Comic Sans MS" pitchFamily="66" charset="0"/>
+              </a:rPr>
+              <a:t>; counter </a:t>
+            </a:r>
+            <a:r>
+              <a:rPr lang="en-US" sz="2000" dirty="0" smtClean="0">
+                <a:solidFill>
+                  <a:srgbClr val="FF0000"/>
+                </a:solidFill>
+                <a:latin typeface="Comic Sans MS" pitchFamily="66" charset="0"/>
+              </a:rPr>
+              <a:t>&lt;=</a:t>
+            </a:r>
+            <a:r>
+              <a:rPr lang="en-US" sz="2000" dirty="0" smtClean="0">
+                <a:latin typeface="Comic Sans MS" pitchFamily="66" charset="0"/>
+              </a:rPr>
+              <a:t> </a:t>
+            </a:r>
+            <a:r>
+              <a:rPr lang="en-US" sz="2000" dirty="0" smtClean="0">
+                <a:latin typeface="Comic Sans MS" pitchFamily="66" charset="0"/>
+              </a:rPr>
+              <a:t>5; </a:t>
+            </a:r>
+            <a:r>
+              <a:rPr lang="en-US" sz="2000" dirty="0" smtClean="0">
+                <a:latin typeface="Comic Sans MS" pitchFamily="66" charset="0"/>
+              </a:rPr>
+              <a:t>counter</a:t>
+            </a:r>
+            <a:r>
+              <a:rPr lang="en-US" sz="2000" dirty="0" smtClean="0">
+                <a:latin typeface="Comic Sans MS" pitchFamily="66" charset="0"/>
+              </a:rPr>
+              <a:t>++</a:t>
+            </a:r>
+            <a:r>
+              <a:rPr lang="en-US" sz="2000" dirty="0" smtClean="0">
+                <a:solidFill>
+                  <a:srgbClr val="FF0000"/>
+                </a:solidFill>
+                <a:latin typeface="Comic Sans MS" pitchFamily="66" charset="0"/>
+              </a:rPr>
+              <a:t>)</a:t>
+            </a:r>
+            <a:endParaRPr lang="en-US" sz="2000" dirty="0">
+              <a:latin typeface="Comic Sans MS" pitchFamily="66" charset="0"/>
+            </a:endParaRPr>
+          </a:p>
+          <a:p>
+            <a:pPr>
+              <a:buNone/>
+            </a:pPr>
+            <a:r>
+              <a:rPr lang="en-US" sz="2000" dirty="0" smtClean="0">
+                <a:solidFill>
+                  <a:srgbClr val="00B0F0"/>
+                </a:solidFill>
+                <a:latin typeface="Comic Sans MS" pitchFamily="66" charset="0"/>
+              </a:rPr>
+              <a:t>{</a:t>
+            </a:r>
+            <a:r>
+              <a:rPr lang="en-US" sz="2000" dirty="0" smtClean="0">
+                <a:latin typeface="Comic Sans MS" pitchFamily="66" charset="0"/>
+              </a:rPr>
+              <a:t> </a:t>
+            </a:r>
+            <a:endParaRPr lang="en-US" sz="2000" dirty="0" smtClean="0">
+              <a:latin typeface="Comic Sans MS" pitchFamily="66" charset="0"/>
+            </a:endParaRPr>
+          </a:p>
+          <a:p>
+            <a:pPr>
+              <a:buNone/>
+            </a:pPr>
+            <a:r>
+              <a:rPr lang="en-US" sz="2000" dirty="0" smtClean="0">
+                <a:latin typeface="Comic Sans MS" pitchFamily="66" charset="0"/>
+              </a:rPr>
+              <a:t>    printf(</a:t>
+            </a:r>
+            <a:r>
+              <a:rPr lang="en-US" sz="2000" dirty="0" smtClean="0">
+                <a:solidFill>
+                  <a:srgbClr val="00B0F0"/>
+                </a:solidFill>
+                <a:latin typeface="Comic Sans MS" pitchFamily="66" charset="0"/>
+              </a:rPr>
+              <a:t>“%d“</a:t>
+            </a:r>
+            <a:r>
+              <a:rPr lang="en-US" sz="2000" dirty="0" smtClean="0">
+                <a:latin typeface="Comic Sans MS" pitchFamily="66" charset="0"/>
+              </a:rPr>
+              <a:t>, </a:t>
+            </a:r>
+            <a:r>
+              <a:rPr lang="en-US" sz="2000" dirty="0">
+                <a:latin typeface="Comic Sans MS" pitchFamily="66" charset="0"/>
+              </a:rPr>
+              <a:t>counter </a:t>
+            </a:r>
+            <a:r>
+              <a:rPr lang="en-US" sz="2000" dirty="0" smtClean="0">
+                <a:latin typeface="Comic Sans MS" pitchFamily="66" charset="0"/>
+              </a:rPr>
+              <a:t>); </a:t>
+            </a:r>
+            <a:endParaRPr lang="en-US" sz="2000" dirty="0">
+              <a:latin typeface="Comic Sans MS" pitchFamily="66" charset="0"/>
+            </a:endParaRPr>
+          </a:p>
+          <a:p>
+            <a:pPr>
+              <a:buNone/>
+            </a:pPr>
+            <a:r>
+              <a:rPr lang="en-US" sz="2000" dirty="0" smtClean="0">
+                <a:solidFill>
+                  <a:srgbClr val="00B0F0"/>
+                </a:solidFill>
+                <a:latin typeface="Comic Sans MS" pitchFamily="66" charset="0"/>
+              </a:rPr>
+              <a:t>}</a:t>
+            </a:r>
+          </a:p>
+          <a:p>
+            <a:pPr>
+              <a:buNone/>
+            </a:pPr>
+            <a:endParaRPr lang="en-US" sz="2800" dirty="0">
+              <a:solidFill>
+                <a:srgbClr val="00B0F0"/>
+              </a:solidFill>
+              <a:latin typeface="Comic Sans MS" pitchFamily="66" charset="0"/>
+            </a:endParaRPr>
+          </a:p>
+          <a:p>
+            <a:pPr>
+              <a:buNone/>
+            </a:pPr>
+            <a:endParaRPr lang="en-US" sz="2800" dirty="0">
+              <a:solidFill>
+                <a:srgbClr val="00B0F0"/>
+              </a:solidFill>
+              <a:latin typeface="Comic Sans MS" pitchFamily="66" charset="0"/>
+            </a:endParaRPr>
+          </a:p>
+        </p:txBody>
+      </p:sp>
+      <p:sp>
+        <p:nvSpPr>
+          <p:cNvPr id="11" name="Title 1"/>
+          <p:cNvSpPr txBox="1">
+            <a:spLocks/>
+          </p:cNvSpPr>
+          <p:nvPr/>
+        </p:nvSpPr>
+        <p:spPr>
+          <a:xfrm>
+            <a:off x="-11374" y="-28433"/>
+            <a:ext cx="9155373" cy="715962"/>
+          </a:xfrm>
+          <a:prstGeom prst="rect">
+            <a:avLst/>
+          </a:prstGeom>
+          <a:solidFill>
+            <a:srgbClr val="00B0F0"/>
+          </a:solidFill>
+        </p:spPr>
+        <p:txBody>
+          <a:bodyPr vert="horz" lIns="91440" tIns="45720" rIns="91440" bIns="45720" rtlCol="0" anchor="ctr">
+            <a:normAutofit/>
+          </a:bodyPr>
+          <a:lstStyle>
+            <a:lvl1pPr algn="ctr" defTabSz="914400" rtl="0" eaLnBrk="1" latinLnBrk="0" hangingPunct="1">
+              <a:spcBef>
+                <a:spcPct val="0"/>
+              </a:spcBef>
+              <a:buNone/>
+              <a:defRPr sz="4400" kern="1200">
+                <a:solidFill>
+                  <a:schemeClr val="tx1"/>
+                </a:solidFill>
+                <a:latin typeface="+mj-lt"/>
+                <a:ea typeface="+mj-ea"/>
+                <a:cs typeface="+mj-cs"/>
+              </a:defRPr>
+            </a:lvl1pPr>
+          </a:lstStyle>
+          <a:p>
+            <a:r>
+              <a:rPr lang="en-US" sz="4000" dirty="0">
+                <a:latin typeface="Comic Sans MS" pitchFamily="66" charset="0"/>
+              </a:rPr>
+              <a:t>f</a:t>
+            </a:r>
+            <a:r>
+              <a:rPr lang="en-US" sz="4000" dirty="0" smtClean="0">
+                <a:latin typeface="Comic Sans MS" pitchFamily="66" charset="0"/>
+              </a:rPr>
+              <a:t>or statements</a:t>
+            </a:r>
+            <a:endParaRPr lang="en-US" sz="4000" dirty="0">
+              <a:latin typeface="Comic Sans MS" pitchFamily="66" charset="0"/>
+            </a:endParaRPr>
+          </a:p>
+        </p:txBody>
+      </p:sp>
+      <p:sp>
+        <p:nvSpPr>
+          <p:cNvPr id="12" name="Rounded Rectangle 11"/>
+          <p:cNvSpPr/>
+          <p:nvPr/>
+        </p:nvSpPr>
+        <p:spPr>
+          <a:xfrm>
+            <a:off x="4191000" y="1600200"/>
+            <a:ext cx="1219200" cy="381000"/>
+          </a:xfrm>
+          <a:prstGeom prst="roundRect">
+            <a:avLst/>
+          </a:prstGeom>
+          <a:noFill/>
+          <a:ln>
+            <a:solidFill>
+              <a:srgbClr val="FF0000"/>
+            </a:solidFill>
+          </a:ln>
+        </p:spPr>
+        <p:style>
+          <a:lnRef idx="2">
+            <a:schemeClr val="accent1">
+              <a:shade val="50000"/>
+            </a:schemeClr>
+          </a:lnRef>
+          <a:fillRef idx="1">
+            <a:schemeClr val="accent1"/>
+          </a:fillRef>
+          <a:effectRef idx="0">
+            <a:schemeClr val="accent1"/>
+          </a:effectRef>
+          <a:fontRef idx="minor">
+            <a:schemeClr val="lt1"/>
+          </a:fontRef>
+        </p:style>
+        <p:txBody>
+          <a:bodyPr rtlCol="0" anchor="ctr"/>
+          <a:lstStyle/>
+          <a:p>
+            <a:pPr algn="ctr"/>
+            <a:endParaRPr lang="en-US"/>
+          </a:p>
+        </p:txBody>
+      </p:sp>
+      <p:sp>
+        <p:nvSpPr>
+          <p:cNvPr id="13" name="TextBox 12"/>
+          <p:cNvSpPr txBox="1"/>
+          <p:nvPr/>
+        </p:nvSpPr>
+        <p:spPr>
+          <a:xfrm>
+            <a:off x="7467600" y="1600200"/>
+            <a:ext cx="609600" cy="400110"/>
+          </a:xfrm>
+          <a:prstGeom prst="rect">
+            <a:avLst/>
+          </a:prstGeom>
+          <a:noFill/>
+          <a:ln>
+            <a:solidFill>
+              <a:schemeClr val="tx1"/>
+            </a:solidFill>
+          </a:ln>
+        </p:spPr>
+        <p:txBody>
+          <a:bodyPr wrap="square" rtlCol="0">
+            <a:spAutoFit/>
+          </a:bodyPr>
+          <a:lstStyle/>
+          <a:p>
+            <a:r>
+              <a:rPr lang="en-US" sz="2000" dirty="0">
+                <a:latin typeface="Comic Sans MS" panose="030F0702030302020204" pitchFamily="66" charset="0"/>
+              </a:rPr>
+              <a:t>2</a:t>
+            </a:r>
+          </a:p>
+        </p:txBody>
+      </p:sp>
+      <p:sp>
+        <p:nvSpPr>
+          <p:cNvPr id="14" name="TextBox 13"/>
+          <p:cNvSpPr txBox="1"/>
+          <p:nvPr/>
+        </p:nvSpPr>
+        <p:spPr>
+          <a:xfrm>
+            <a:off x="6096000" y="1600200"/>
+            <a:ext cx="1143000" cy="400110"/>
+          </a:xfrm>
+          <a:prstGeom prst="rect">
+            <a:avLst/>
+          </a:prstGeom>
+          <a:noFill/>
+          <a:ln>
+            <a:solidFill>
+              <a:schemeClr val="tx1"/>
+            </a:solidFill>
+          </a:ln>
+        </p:spPr>
+        <p:txBody>
+          <a:bodyPr wrap="square" rtlCol="0">
+            <a:spAutoFit/>
+          </a:bodyPr>
+          <a:lstStyle/>
+          <a:p>
+            <a:r>
+              <a:rPr lang="en-US" sz="2000" dirty="0" smtClean="0">
+                <a:latin typeface="Comic Sans MS" panose="030F0702030302020204" pitchFamily="66" charset="0"/>
+              </a:rPr>
+              <a:t>counter</a:t>
+            </a:r>
+            <a:endParaRPr lang="en-US" sz="2000" dirty="0">
+              <a:latin typeface="Comic Sans MS" panose="030F0702030302020204" pitchFamily="66" charset="0"/>
+            </a:endParaRPr>
+          </a:p>
+        </p:txBody>
+      </p:sp>
+      <p:sp>
+        <p:nvSpPr>
+          <p:cNvPr id="7" name="Rounded Rectangle 6"/>
+          <p:cNvSpPr/>
+          <p:nvPr/>
+        </p:nvSpPr>
+        <p:spPr>
+          <a:xfrm>
+            <a:off x="457200" y="1524000"/>
+            <a:ext cx="5410200" cy="1676400"/>
+          </a:xfrm>
+          <a:prstGeom prst="roundRect">
+            <a:avLst/>
+          </a:prstGeom>
+          <a:noFill/>
+          <a:ln>
+            <a:solidFill>
+              <a:schemeClr val="tx1"/>
+            </a:solidFill>
+          </a:ln>
+        </p:spPr>
+        <p:style>
+          <a:lnRef idx="2">
+            <a:schemeClr val="accent1">
+              <a:shade val="50000"/>
+            </a:schemeClr>
+          </a:lnRef>
+          <a:fillRef idx="1">
+            <a:schemeClr val="accent1"/>
+          </a:fillRef>
+          <a:effectRef idx="0">
+            <a:schemeClr val="accent1"/>
+          </a:effectRef>
+          <a:fontRef idx="minor">
+            <a:schemeClr val="lt1"/>
+          </a:fontRef>
+        </p:style>
+        <p:txBody>
+          <a:bodyPr rtlCol="0" anchor="ctr"/>
+          <a:lstStyle/>
+          <a:p>
+            <a:pPr algn="ctr"/>
+            <a:endParaRPr lang="en-US"/>
+          </a:p>
+        </p:txBody>
+      </p:sp>
+      <p:sp>
+        <p:nvSpPr>
+          <p:cNvPr id="8" name="TextBox 7"/>
+          <p:cNvSpPr txBox="1"/>
+          <p:nvPr/>
+        </p:nvSpPr>
+        <p:spPr>
+          <a:xfrm>
+            <a:off x="533400" y="4114800"/>
+            <a:ext cx="8229600" cy="381000"/>
+          </a:xfrm>
+          <a:prstGeom prst="rect">
+            <a:avLst/>
+          </a:prstGeom>
+          <a:noFill/>
+          <a:ln>
+            <a:solidFill>
+              <a:schemeClr val="tx1"/>
+            </a:solidFill>
+          </a:ln>
+        </p:spPr>
+        <p:txBody>
+          <a:bodyPr wrap="square" rtlCol="0">
+            <a:spAutoFit/>
+          </a:bodyPr>
+          <a:lstStyle/>
+          <a:p>
+            <a:r>
+              <a:rPr lang="en-US" dirty="0" smtClean="0">
+                <a:latin typeface="Comic Sans MS" panose="030F0702030302020204" pitchFamily="66" charset="0"/>
+              </a:rPr>
+              <a:t>1</a:t>
+            </a:r>
+            <a:endParaRPr lang="en-US" dirty="0">
+              <a:latin typeface="Comic Sans MS" panose="030F0702030302020204" pitchFamily="66" charset="0"/>
+            </a:endParaRPr>
+          </a:p>
+        </p:txBody>
+      </p:sp>
+      <p:sp>
+        <p:nvSpPr>
+          <p:cNvPr id="9" name="TextBox 8"/>
+          <p:cNvSpPr txBox="1"/>
+          <p:nvPr/>
+        </p:nvSpPr>
+        <p:spPr>
+          <a:xfrm rot="20025759">
+            <a:off x="6248400" y="914400"/>
+            <a:ext cx="1524000" cy="369332"/>
+          </a:xfrm>
+          <a:prstGeom prst="rect">
+            <a:avLst/>
+          </a:prstGeom>
+          <a:solidFill>
+            <a:srgbClr val="FFFF00"/>
+          </a:solidFill>
+          <a:ln>
+            <a:solidFill>
+              <a:schemeClr val="tx1"/>
+            </a:solidFill>
+          </a:ln>
+        </p:spPr>
+        <p:txBody>
+          <a:bodyPr wrap="square" rtlCol="0">
+            <a:spAutoFit/>
+          </a:bodyPr>
+          <a:lstStyle/>
+          <a:p>
+            <a:r>
+              <a:rPr lang="en-US" dirty="0" smtClean="0">
+                <a:latin typeface="Comic Sans MS" panose="030F0702030302020204" pitchFamily="66" charset="0"/>
+              </a:rPr>
+              <a:t>Iteration 1</a:t>
+            </a:r>
+            <a:endParaRPr lang="en-US" dirty="0">
+              <a:latin typeface="Comic Sans MS" panose="030F0702030302020204" pitchFamily="66" charset="0"/>
+            </a:endParaRPr>
+          </a:p>
+        </p:txBody>
+      </p:sp>
+    </p:spTree>
+    <p:extLst>
+      <p:ext uri="{BB962C8B-B14F-4D97-AF65-F5344CB8AC3E}">
+        <p14:creationId xmlns:p14="http://schemas.microsoft.com/office/powerpoint/2010/main" val="1004824076"/>
+      </p:ext>
+    </p:extLst>
+  </p:cSld>
+  <p:clrMapOvr>
+    <a:masterClrMapping/>
+  </p:clrMapOvr>
+  <mc:AlternateContent xmlns:mc="http://schemas.openxmlformats.org/markup-compatibility/2006" xmlns:p14="http://schemas.microsoft.com/office/powerpoint/2010/main">
+    <mc:Choice Requires="p14">
+      <p:transition spd="slow" p14:dur="2000"/>
+    </mc:Choice>
+    <mc:Fallback xmlns="">
+      <p:transition spd="slow"/>
+    </mc:Fallback>
+  </mc:AlternateContent>
+  <p:timing>
+    <p:tnLst>
+      <p:par>
+        <p:cTn id="1" dur="indefinite" restart="never" nodeType="tmRoot"/>
+      </p:par>
+    </p:tnLst>
+  </p:timing>
+</p:sld>
+</file>
+
+<file path=ppt/slides/slide53.xml><?xml version="1.0" encoding="utf-8"?>
+<p:sld xmlns:a="http://schemas.openxmlformats.org/drawingml/2006/main" xmlns:r="http://schemas.openxmlformats.org/officeDocument/2006/relationships" xmlns:p="http://schemas.openxmlformats.org/presentationml/2006/main">
+  <p:cSld>
+    <p:spTree>
+      <p:nvGrpSpPr>
+        <p:cNvPr id="1" name=""/>
+        <p:cNvGrpSpPr/>
+        <p:nvPr/>
+      </p:nvGrpSpPr>
+      <p:grpSpPr>
+        <a:xfrm>
+          <a:off x="0" y="0"/>
+          <a:ext cx="0" cy="0"/>
+          <a:chOff x="0" y="0"/>
+          <a:chExt cx="0" cy="0"/>
+        </a:xfrm>
+      </p:grpSpPr>
+      <p:sp>
+        <p:nvSpPr>
+          <p:cNvPr id="3" name="Content Placeholder 2"/>
+          <p:cNvSpPr>
+            <a:spLocks noGrp="1"/>
+          </p:cNvSpPr>
+          <p:nvPr>
+            <p:ph idx="1"/>
+          </p:nvPr>
+        </p:nvSpPr>
+        <p:spPr>
+          <a:xfrm>
+            <a:off x="457200" y="1600201"/>
+            <a:ext cx="5257800" cy="1904999"/>
+          </a:xfrm>
+        </p:spPr>
+        <p:txBody>
+          <a:bodyPr>
+            <a:normAutofit/>
+          </a:bodyPr>
+          <a:lstStyle/>
+          <a:p>
+            <a:pPr>
+              <a:buNone/>
+            </a:pPr>
+            <a:r>
+              <a:rPr lang="en-US" sz="2000" dirty="0" smtClean="0">
+                <a:latin typeface="Comic Sans MS" pitchFamily="66" charset="0"/>
+              </a:rPr>
+              <a:t>for </a:t>
+            </a:r>
+            <a:r>
+              <a:rPr lang="en-US" sz="2000" dirty="0" smtClean="0">
+                <a:solidFill>
+                  <a:srgbClr val="FF0000"/>
+                </a:solidFill>
+                <a:latin typeface="Comic Sans MS" pitchFamily="66" charset="0"/>
+              </a:rPr>
+              <a:t>(</a:t>
+            </a:r>
+            <a:r>
+              <a:rPr lang="en-US" sz="2000" dirty="0">
+                <a:latin typeface="Comic Sans MS" pitchFamily="66" charset="0"/>
+              </a:rPr>
+              <a:t>counter </a:t>
+            </a:r>
+            <a:r>
+              <a:rPr lang="en-US" sz="2000" dirty="0">
+                <a:solidFill>
+                  <a:srgbClr val="FF0000"/>
+                </a:solidFill>
+                <a:latin typeface="Comic Sans MS" pitchFamily="66" charset="0"/>
+              </a:rPr>
+              <a:t>=</a:t>
+            </a:r>
+            <a:r>
+              <a:rPr lang="en-US" sz="2000" dirty="0">
+                <a:latin typeface="Comic Sans MS" pitchFamily="66" charset="0"/>
+              </a:rPr>
+              <a:t> 1 </a:t>
+            </a:r>
+            <a:r>
+              <a:rPr lang="en-US" sz="2000" dirty="0" smtClean="0">
+                <a:latin typeface="Comic Sans MS" pitchFamily="66" charset="0"/>
+              </a:rPr>
+              <a:t>; counter </a:t>
+            </a:r>
+            <a:r>
+              <a:rPr lang="en-US" sz="2000" dirty="0" smtClean="0">
+                <a:solidFill>
+                  <a:srgbClr val="FF0000"/>
+                </a:solidFill>
+                <a:latin typeface="Comic Sans MS" pitchFamily="66" charset="0"/>
+              </a:rPr>
+              <a:t>&lt;=</a:t>
+            </a:r>
+            <a:r>
+              <a:rPr lang="en-US" sz="2000" dirty="0" smtClean="0">
+                <a:latin typeface="Comic Sans MS" pitchFamily="66" charset="0"/>
+              </a:rPr>
+              <a:t> </a:t>
+            </a:r>
+            <a:r>
+              <a:rPr lang="en-US" sz="2000" dirty="0" smtClean="0">
+                <a:latin typeface="Comic Sans MS" pitchFamily="66" charset="0"/>
+              </a:rPr>
+              <a:t>5; </a:t>
+            </a:r>
+            <a:r>
+              <a:rPr lang="en-US" sz="2000" dirty="0" smtClean="0">
+                <a:latin typeface="Comic Sans MS" pitchFamily="66" charset="0"/>
+              </a:rPr>
+              <a:t>counter</a:t>
+            </a:r>
+            <a:r>
+              <a:rPr lang="en-US" sz="2000" dirty="0" smtClean="0">
+                <a:latin typeface="Comic Sans MS" pitchFamily="66" charset="0"/>
+              </a:rPr>
+              <a:t>++</a:t>
+            </a:r>
+            <a:r>
+              <a:rPr lang="en-US" sz="2000" dirty="0" smtClean="0">
+                <a:solidFill>
+                  <a:srgbClr val="FF0000"/>
+                </a:solidFill>
+                <a:latin typeface="Comic Sans MS" pitchFamily="66" charset="0"/>
+              </a:rPr>
+              <a:t>)</a:t>
+            </a:r>
+            <a:endParaRPr lang="en-US" sz="2000" dirty="0">
+              <a:latin typeface="Comic Sans MS" pitchFamily="66" charset="0"/>
+            </a:endParaRPr>
+          </a:p>
+          <a:p>
+            <a:pPr>
+              <a:buNone/>
+            </a:pPr>
+            <a:r>
+              <a:rPr lang="en-US" sz="2000" dirty="0" smtClean="0">
+                <a:solidFill>
+                  <a:srgbClr val="00B0F0"/>
+                </a:solidFill>
+                <a:latin typeface="Comic Sans MS" pitchFamily="66" charset="0"/>
+              </a:rPr>
+              <a:t>{</a:t>
+            </a:r>
+            <a:r>
+              <a:rPr lang="en-US" sz="2000" dirty="0" smtClean="0">
+                <a:latin typeface="Comic Sans MS" pitchFamily="66" charset="0"/>
+              </a:rPr>
+              <a:t> </a:t>
+            </a:r>
+            <a:endParaRPr lang="en-US" sz="2000" dirty="0" smtClean="0">
+              <a:latin typeface="Comic Sans MS" pitchFamily="66" charset="0"/>
+            </a:endParaRPr>
+          </a:p>
+          <a:p>
+            <a:pPr>
+              <a:buNone/>
+            </a:pPr>
+            <a:r>
+              <a:rPr lang="en-US" sz="2000" dirty="0" smtClean="0">
+                <a:latin typeface="Comic Sans MS" pitchFamily="66" charset="0"/>
+              </a:rPr>
+              <a:t>    printf(</a:t>
+            </a:r>
+            <a:r>
+              <a:rPr lang="en-US" sz="2000" dirty="0" smtClean="0">
+                <a:solidFill>
+                  <a:srgbClr val="00B0F0"/>
+                </a:solidFill>
+                <a:latin typeface="Comic Sans MS" pitchFamily="66" charset="0"/>
+              </a:rPr>
+              <a:t>“%d“</a:t>
+            </a:r>
+            <a:r>
+              <a:rPr lang="en-US" sz="2000" dirty="0" smtClean="0">
+                <a:latin typeface="Comic Sans MS" pitchFamily="66" charset="0"/>
+              </a:rPr>
+              <a:t>, </a:t>
+            </a:r>
+            <a:r>
+              <a:rPr lang="en-US" sz="2000" dirty="0">
+                <a:latin typeface="Comic Sans MS" pitchFamily="66" charset="0"/>
+              </a:rPr>
+              <a:t>counter </a:t>
+            </a:r>
+            <a:r>
+              <a:rPr lang="en-US" sz="2000" dirty="0" smtClean="0">
+                <a:latin typeface="Comic Sans MS" pitchFamily="66" charset="0"/>
+              </a:rPr>
+              <a:t>); </a:t>
+            </a:r>
+            <a:endParaRPr lang="en-US" sz="2000" dirty="0">
+              <a:latin typeface="Comic Sans MS" pitchFamily="66" charset="0"/>
+            </a:endParaRPr>
+          </a:p>
+          <a:p>
+            <a:pPr>
+              <a:buNone/>
+            </a:pPr>
+            <a:r>
+              <a:rPr lang="en-US" sz="2000" dirty="0" smtClean="0">
+                <a:solidFill>
+                  <a:srgbClr val="00B0F0"/>
+                </a:solidFill>
+                <a:latin typeface="Comic Sans MS" pitchFamily="66" charset="0"/>
+              </a:rPr>
+              <a:t>}</a:t>
+            </a:r>
+          </a:p>
+          <a:p>
+            <a:pPr>
+              <a:buNone/>
+            </a:pPr>
+            <a:endParaRPr lang="en-US" sz="2800" dirty="0">
+              <a:solidFill>
+                <a:srgbClr val="00B0F0"/>
+              </a:solidFill>
+              <a:latin typeface="Comic Sans MS" pitchFamily="66" charset="0"/>
+            </a:endParaRPr>
+          </a:p>
+          <a:p>
+            <a:pPr>
+              <a:buNone/>
+            </a:pPr>
+            <a:endParaRPr lang="en-US" sz="2800" dirty="0">
+              <a:solidFill>
+                <a:srgbClr val="00B0F0"/>
+              </a:solidFill>
+              <a:latin typeface="Comic Sans MS" pitchFamily="66" charset="0"/>
+            </a:endParaRPr>
+          </a:p>
+        </p:txBody>
+      </p:sp>
+      <p:sp>
+        <p:nvSpPr>
+          <p:cNvPr id="11" name="Title 1"/>
+          <p:cNvSpPr txBox="1">
+            <a:spLocks/>
+          </p:cNvSpPr>
+          <p:nvPr/>
+        </p:nvSpPr>
+        <p:spPr>
+          <a:xfrm>
+            <a:off x="-11374" y="-28433"/>
+            <a:ext cx="9155373" cy="715962"/>
+          </a:xfrm>
+          <a:prstGeom prst="rect">
+            <a:avLst/>
+          </a:prstGeom>
+          <a:solidFill>
+            <a:srgbClr val="00B0F0"/>
+          </a:solidFill>
+        </p:spPr>
+        <p:txBody>
+          <a:bodyPr vert="horz" lIns="91440" tIns="45720" rIns="91440" bIns="45720" rtlCol="0" anchor="ctr">
+            <a:normAutofit/>
+          </a:bodyPr>
+          <a:lstStyle>
+            <a:lvl1pPr algn="ctr" defTabSz="914400" rtl="0" eaLnBrk="1" latinLnBrk="0" hangingPunct="1">
+              <a:spcBef>
+                <a:spcPct val="0"/>
+              </a:spcBef>
+              <a:buNone/>
+              <a:defRPr sz="4400" kern="1200">
+                <a:solidFill>
+                  <a:schemeClr val="tx1"/>
+                </a:solidFill>
+                <a:latin typeface="+mj-lt"/>
+                <a:ea typeface="+mj-ea"/>
+                <a:cs typeface="+mj-cs"/>
+              </a:defRPr>
+            </a:lvl1pPr>
+          </a:lstStyle>
+          <a:p>
+            <a:r>
+              <a:rPr lang="en-US" sz="4000" dirty="0">
+                <a:latin typeface="Comic Sans MS" pitchFamily="66" charset="0"/>
+              </a:rPr>
+              <a:t>f</a:t>
+            </a:r>
+            <a:r>
+              <a:rPr lang="en-US" sz="4000" dirty="0" smtClean="0">
+                <a:latin typeface="Comic Sans MS" pitchFamily="66" charset="0"/>
+              </a:rPr>
+              <a:t>or statements</a:t>
+            </a:r>
+            <a:endParaRPr lang="en-US" sz="4000" dirty="0">
+              <a:latin typeface="Comic Sans MS" pitchFamily="66" charset="0"/>
+            </a:endParaRPr>
+          </a:p>
+        </p:txBody>
+      </p:sp>
+      <p:sp>
+        <p:nvSpPr>
+          <p:cNvPr id="12" name="Rounded Rectangle 11"/>
+          <p:cNvSpPr/>
+          <p:nvPr/>
+        </p:nvSpPr>
+        <p:spPr>
+          <a:xfrm>
+            <a:off x="2667000" y="1600200"/>
+            <a:ext cx="1524000" cy="381000"/>
+          </a:xfrm>
+          <a:prstGeom prst="roundRect">
+            <a:avLst/>
+          </a:prstGeom>
+          <a:noFill/>
+          <a:ln>
+            <a:solidFill>
+              <a:srgbClr val="FF0000"/>
+            </a:solidFill>
+          </a:ln>
+        </p:spPr>
+        <p:style>
+          <a:lnRef idx="2">
+            <a:schemeClr val="accent1">
+              <a:shade val="50000"/>
+            </a:schemeClr>
+          </a:lnRef>
+          <a:fillRef idx="1">
+            <a:schemeClr val="accent1"/>
+          </a:fillRef>
+          <a:effectRef idx="0">
+            <a:schemeClr val="accent1"/>
+          </a:effectRef>
+          <a:fontRef idx="minor">
+            <a:schemeClr val="lt1"/>
+          </a:fontRef>
+        </p:style>
+        <p:txBody>
+          <a:bodyPr rtlCol="0" anchor="ctr"/>
+          <a:lstStyle/>
+          <a:p>
+            <a:pPr algn="ctr"/>
+            <a:endParaRPr lang="en-US"/>
+          </a:p>
+        </p:txBody>
+      </p:sp>
+      <p:sp>
+        <p:nvSpPr>
+          <p:cNvPr id="13" name="TextBox 12"/>
+          <p:cNvSpPr txBox="1"/>
+          <p:nvPr/>
+        </p:nvSpPr>
+        <p:spPr>
+          <a:xfrm>
+            <a:off x="7467600" y="1600200"/>
+            <a:ext cx="609600" cy="400110"/>
+          </a:xfrm>
+          <a:prstGeom prst="rect">
+            <a:avLst/>
+          </a:prstGeom>
+          <a:noFill/>
+          <a:ln>
+            <a:solidFill>
+              <a:schemeClr val="tx1"/>
+            </a:solidFill>
+          </a:ln>
+        </p:spPr>
+        <p:txBody>
+          <a:bodyPr wrap="square" rtlCol="0">
+            <a:spAutoFit/>
+          </a:bodyPr>
+          <a:lstStyle/>
+          <a:p>
+            <a:r>
+              <a:rPr lang="en-US" sz="2000" dirty="0">
+                <a:latin typeface="Comic Sans MS" panose="030F0702030302020204" pitchFamily="66" charset="0"/>
+              </a:rPr>
+              <a:t>2</a:t>
+            </a:r>
+          </a:p>
+        </p:txBody>
+      </p:sp>
+      <p:sp>
+        <p:nvSpPr>
+          <p:cNvPr id="14" name="TextBox 13"/>
+          <p:cNvSpPr txBox="1"/>
+          <p:nvPr/>
+        </p:nvSpPr>
+        <p:spPr>
+          <a:xfrm>
+            <a:off x="6096000" y="1600200"/>
+            <a:ext cx="1143000" cy="400110"/>
+          </a:xfrm>
+          <a:prstGeom prst="rect">
+            <a:avLst/>
+          </a:prstGeom>
+          <a:noFill/>
+          <a:ln>
+            <a:solidFill>
+              <a:schemeClr val="tx1"/>
+            </a:solidFill>
+          </a:ln>
+        </p:spPr>
+        <p:txBody>
+          <a:bodyPr wrap="square" rtlCol="0">
+            <a:spAutoFit/>
+          </a:bodyPr>
+          <a:lstStyle/>
+          <a:p>
+            <a:r>
+              <a:rPr lang="en-US" sz="2000" dirty="0" smtClean="0">
+                <a:latin typeface="Comic Sans MS" panose="030F0702030302020204" pitchFamily="66" charset="0"/>
+              </a:rPr>
+              <a:t>counter</a:t>
+            </a:r>
+            <a:endParaRPr lang="en-US" sz="2000" dirty="0">
+              <a:latin typeface="Comic Sans MS" panose="030F0702030302020204" pitchFamily="66" charset="0"/>
+            </a:endParaRPr>
+          </a:p>
+        </p:txBody>
+      </p:sp>
+      <p:sp>
+        <p:nvSpPr>
+          <p:cNvPr id="7" name="Rounded Rectangle 6"/>
+          <p:cNvSpPr/>
+          <p:nvPr/>
+        </p:nvSpPr>
+        <p:spPr>
+          <a:xfrm>
+            <a:off x="457200" y="1524000"/>
+            <a:ext cx="5410200" cy="1676400"/>
+          </a:xfrm>
+          <a:prstGeom prst="roundRect">
+            <a:avLst/>
+          </a:prstGeom>
+          <a:noFill/>
+          <a:ln>
+            <a:solidFill>
+              <a:schemeClr val="tx1"/>
+            </a:solidFill>
+          </a:ln>
+        </p:spPr>
+        <p:style>
+          <a:lnRef idx="2">
+            <a:schemeClr val="accent1">
+              <a:shade val="50000"/>
+            </a:schemeClr>
+          </a:lnRef>
+          <a:fillRef idx="1">
+            <a:schemeClr val="accent1"/>
+          </a:fillRef>
+          <a:effectRef idx="0">
+            <a:schemeClr val="accent1"/>
+          </a:effectRef>
+          <a:fontRef idx="minor">
+            <a:schemeClr val="lt1"/>
+          </a:fontRef>
+        </p:style>
+        <p:txBody>
+          <a:bodyPr rtlCol="0" anchor="ctr"/>
+          <a:lstStyle/>
+          <a:p>
+            <a:pPr algn="ctr"/>
+            <a:endParaRPr lang="en-US"/>
+          </a:p>
+        </p:txBody>
+      </p:sp>
+      <p:sp>
+        <p:nvSpPr>
+          <p:cNvPr id="8" name="TextBox 7"/>
+          <p:cNvSpPr txBox="1"/>
+          <p:nvPr/>
+        </p:nvSpPr>
+        <p:spPr>
+          <a:xfrm>
+            <a:off x="533400" y="4114800"/>
+            <a:ext cx="8229600" cy="381000"/>
+          </a:xfrm>
+          <a:prstGeom prst="rect">
+            <a:avLst/>
+          </a:prstGeom>
+          <a:noFill/>
+          <a:ln>
+            <a:solidFill>
+              <a:schemeClr val="tx1"/>
+            </a:solidFill>
+          </a:ln>
+        </p:spPr>
+        <p:txBody>
+          <a:bodyPr wrap="square" rtlCol="0">
+            <a:spAutoFit/>
+          </a:bodyPr>
+          <a:lstStyle/>
+          <a:p>
+            <a:r>
+              <a:rPr lang="en-US" dirty="0" smtClean="0">
+                <a:latin typeface="Comic Sans MS" panose="030F0702030302020204" pitchFamily="66" charset="0"/>
+              </a:rPr>
+              <a:t>1</a:t>
+            </a:r>
+            <a:endParaRPr lang="en-US" dirty="0">
+              <a:latin typeface="Comic Sans MS" panose="030F0702030302020204" pitchFamily="66" charset="0"/>
+            </a:endParaRPr>
+          </a:p>
+        </p:txBody>
+      </p:sp>
+      <p:sp>
+        <p:nvSpPr>
+          <p:cNvPr id="9" name="TextBox 8"/>
+          <p:cNvSpPr txBox="1"/>
+          <p:nvPr/>
+        </p:nvSpPr>
+        <p:spPr>
+          <a:xfrm rot="20025759">
+            <a:off x="6248400" y="914400"/>
+            <a:ext cx="1524000" cy="369332"/>
+          </a:xfrm>
+          <a:prstGeom prst="rect">
+            <a:avLst/>
+          </a:prstGeom>
+          <a:solidFill>
+            <a:srgbClr val="FFFF00"/>
+          </a:solidFill>
+          <a:ln>
+            <a:solidFill>
+              <a:schemeClr val="tx1"/>
+            </a:solidFill>
+          </a:ln>
+        </p:spPr>
+        <p:txBody>
+          <a:bodyPr wrap="square" rtlCol="0">
+            <a:spAutoFit/>
+          </a:bodyPr>
+          <a:lstStyle/>
+          <a:p>
+            <a:r>
+              <a:rPr lang="en-US" dirty="0" smtClean="0">
+                <a:latin typeface="Comic Sans MS" panose="030F0702030302020204" pitchFamily="66" charset="0"/>
+              </a:rPr>
+              <a:t>Iteration 2</a:t>
+            </a:r>
+            <a:endParaRPr lang="en-US" dirty="0">
+              <a:latin typeface="Comic Sans MS" panose="030F0702030302020204" pitchFamily="66" charset="0"/>
+            </a:endParaRPr>
+          </a:p>
+        </p:txBody>
+      </p:sp>
+    </p:spTree>
+    <p:extLst>
+      <p:ext uri="{BB962C8B-B14F-4D97-AF65-F5344CB8AC3E}">
+        <p14:creationId xmlns:p14="http://schemas.microsoft.com/office/powerpoint/2010/main" val="3285108311"/>
+      </p:ext>
+    </p:extLst>
+  </p:cSld>
+  <p:clrMapOvr>
+    <a:masterClrMapping/>
+  </p:clrMapOvr>
+  <mc:AlternateContent xmlns:mc="http://schemas.openxmlformats.org/markup-compatibility/2006" xmlns:p14="http://schemas.microsoft.com/office/powerpoint/2010/main">
+    <mc:Choice Requires="p14">
+      <p:transition spd="slow" p14:dur="2000"/>
+    </mc:Choice>
+    <mc:Fallback xmlns="">
+      <p:transition spd="slow"/>
+    </mc:Fallback>
+  </mc:AlternateContent>
+  <p:timing>
+    <p:tnLst>
+      <p:par>
+        <p:cTn id="1" dur="indefinite" restart="never" nodeType="tmRoot"/>
+      </p:par>
+    </p:tnLst>
+  </p:timing>
+</p:sld>
+</file>
+
+<file path=ppt/slides/slide54.xml><?xml version="1.0" encoding="utf-8"?>
+<p:sld xmlns:a="http://schemas.openxmlformats.org/drawingml/2006/main" xmlns:r="http://schemas.openxmlformats.org/officeDocument/2006/relationships" xmlns:p="http://schemas.openxmlformats.org/presentationml/2006/main">
+  <p:cSld>
+    <p:spTree>
+      <p:nvGrpSpPr>
+        <p:cNvPr id="1" name=""/>
+        <p:cNvGrpSpPr/>
+        <p:nvPr/>
+      </p:nvGrpSpPr>
+      <p:grpSpPr>
+        <a:xfrm>
+          <a:off x="0" y="0"/>
+          <a:ext cx="0" cy="0"/>
+          <a:chOff x="0" y="0"/>
+          <a:chExt cx="0" cy="0"/>
+        </a:xfrm>
+      </p:grpSpPr>
+      <p:sp>
+        <p:nvSpPr>
+          <p:cNvPr id="3" name="Content Placeholder 2"/>
+          <p:cNvSpPr>
+            <a:spLocks noGrp="1"/>
+          </p:cNvSpPr>
+          <p:nvPr>
+            <p:ph idx="1"/>
+          </p:nvPr>
+        </p:nvSpPr>
+        <p:spPr>
+          <a:xfrm>
+            <a:off x="457200" y="1600201"/>
+            <a:ext cx="5257800" cy="1904999"/>
+          </a:xfrm>
+        </p:spPr>
+        <p:txBody>
+          <a:bodyPr>
+            <a:normAutofit/>
+          </a:bodyPr>
+          <a:lstStyle/>
+          <a:p>
+            <a:pPr>
+              <a:buNone/>
+            </a:pPr>
+            <a:r>
+              <a:rPr lang="en-US" sz="2000" dirty="0" smtClean="0">
+                <a:latin typeface="Comic Sans MS" pitchFamily="66" charset="0"/>
+              </a:rPr>
+              <a:t>for </a:t>
+            </a:r>
+            <a:r>
+              <a:rPr lang="en-US" sz="2000" dirty="0" smtClean="0">
+                <a:solidFill>
+                  <a:srgbClr val="FF0000"/>
+                </a:solidFill>
+                <a:latin typeface="Comic Sans MS" pitchFamily="66" charset="0"/>
+              </a:rPr>
+              <a:t>(</a:t>
+            </a:r>
+            <a:r>
+              <a:rPr lang="en-US" sz="2000" dirty="0">
+                <a:latin typeface="Comic Sans MS" pitchFamily="66" charset="0"/>
+              </a:rPr>
+              <a:t>counter </a:t>
+            </a:r>
+            <a:r>
+              <a:rPr lang="en-US" sz="2000" dirty="0">
+                <a:solidFill>
+                  <a:srgbClr val="FF0000"/>
+                </a:solidFill>
+                <a:latin typeface="Comic Sans MS" pitchFamily="66" charset="0"/>
+              </a:rPr>
+              <a:t>=</a:t>
+            </a:r>
+            <a:r>
+              <a:rPr lang="en-US" sz="2000" dirty="0">
+                <a:latin typeface="Comic Sans MS" pitchFamily="66" charset="0"/>
+              </a:rPr>
+              <a:t> 1 </a:t>
+            </a:r>
+            <a:r>
+              <a:rPr lang="en-US" sz="2000" dirty="0" smtClean="0">
+                <a:latin typeface="Comic Sans MS" pitchFamily="66" charset="0"/>
+              </a:rPr>
+              <a:t>; counter </a:t>
+            </a:r>
+            <a:r>
+              <a:rPr lang="en-US" sz="2000" dirty="0" smtClean="0">
+                <a:solidFill>
+                  <a:srgbClr val="FF0000"/>
+                </a:solidFill>
+                <a:latin typeface="Comic Sans MS" pitchFamily="66" charset="0"/>
+              </a:rPr>
+              <a:t>&lt;=</a:t>
+            </a:r>
+            <a:r>
+              <a:rPr lang="en-US" sz="2000" dirty="0" smtClean="0">
+                <a:latin typeface="Comic Sans MS" pitchFamily="66" charset="0"/>
+              </a:rPr>
+              <a:t> </a:t>
+            </a:r>
+            <a:r>
+              <a:rPr lang="en-US" sz="2000" dirty="0" smtClean="0">
+                <a:latin typeface="Comic Sans MS" pitchFamily="66" charset="0"/>
+              </a:rPr>
+              <a:t>5; </a:t>
+            </a:r>
+            <a:r>
+              <a:rPr lang="en-US" sz="2000" dirty="0" smtClean="0">
+                <a:latin typeface="Comic Sans MS" pitchFamily="66" charset="0"/>
+              </a:rPr>
+              <a:t>counter</a:t>
+            </a:r>
+            <a:r>
+              <a:rPr lang="en-US" sz="2000" dirty="0" smtClean="0">
+                <a:latin typeface="Comic Sans MS" pitchFamily="66" charset="0"/>
+              </a:rPr>
+              <a:t>++</a:t>
+            </a:r>
+            <a:r>
+              <a:rPr lang="en-US" sz="2000" dirty="0" smtClean="0">
+                <a:solidFill>
+                  <a:srgbClr val="FF0000"/>
+                </a:solidFill>
+                <a:latin typeface="Comic Sans MS" pitchFamily="66" charset="0"/>
+              </a:rPr>
+              <a:t>)</a:t>
+            </a:r>
+            <a:endParaRPr lang="en-US" sz="2000" dirty="0">
+              <a:latin typeface="Comic Sans MS" pitchFamily="66" charset="0"/>
+            </a:endParaRPr>
+          </a:p>
+          <a:p>
+            <a:pPr>
+              <a:buNone/>
+            </a:pPr>
+            <a:r>
+              <a:rPr lang="en-US" sz="2000" dirty="0" smtClean="0">
+                <a:solidFill>
+                  <a:srgbClr val="00B0F0"/>
+                </a:solidFill>
+                <a:latin typeface="Comic Sans MS" pitchFamily="66" charset="0"/>
+              </a:rPr>
+              <a:t>{</a:t>
+            </a:r>
+            <a:r>
+              <a:rPr lang="en-US" sz="2000" dirty="0" smtClean="0">
+                <a:latin typeface="Comic Sans MS" pitchFamily="66" charset="0"/>
+              </a:rPr>
+              <a:t> </a:t>
+            </a:r>
+            <a:endParaRPr lang="en-US" sz="2000" dirty="0" smtClean="0">
+              <a:latin typeface="Comic Sans MS" pitchFamily="66" charset="0"/>
+            </a:endParaRPr>
+          </a:p>
+          <a:p>
+            <a:pPr>
+              <a:buNone/>
+            </a:pPr>
+            <a:r>
+              <a:rPr lang="en-US" sz="2000" dirty="0" smtClean="0">
+                <a:latin typeface="Comic Sans MS" pitchFamily="66" charset="0"/>
+              </a:rPr>
+              <a:t>    printf(</a:t>
+            </a:r>
+            <a:r>
+              <a:rPr lang="en-US" sz="2000" dirty="0" smtClean="0">
+                <a:solidFill>
+                  <a:srgbClr val="00B0F0"/>
+                </a:solidFill>
+                <a:latin typeface="Comic Sans MS" pitchFamily="66" charset="0"/>
+              </a:rPr>
+              <a:t>“%d“</a:t>
+            </a:r>
+            <a:r>
+              <a:rPr lang="en-US" sz="2000" dirty="0" smtClean="0">
+                <a:latin typeface="Comic Sans MS" pitchFamily="66" charset="0"/>
+              </a:rPr>
+              <a:t>, </a:t>
+            </a:r>
+            <a:r>
+              <a:rPr lang="en-US" sz="2000" dirty="0">
+                <a:latin typeface="Comic Sans MS" pitchFamily="66" charset="0"/>
+              </a:rPr>
+              <a:t>counter </a:t>
+            </a:r>
+            <a:r>
+              <a:rPr lang="en-US" sz="2000" dirty="0" smtClean="0">
+                <a:latin typeface="Comic Sans MS" pitchFamily="66" charset="0"/>
+              </a:rPr>
+              <a:t>); </a:t>
+            </a:r>
+            <a:endParaRPr lang="en-US" sz="2000" dirty="0">
+              <a:latin typeface="Comic Sans MS" pitchFamily="66" charset="0"/>
+            </a:endParaRPr>
+          </a:p>
+          <a:p>
+            <a:pPr>
+              <a:buNone/>
+            </a:pPr>
+            <a:r>
+              <a:rPr lang="en-US" sz="2000" dirty="0" smtClean="0">
+                <a:solidFill>
+                  <a:srgbClr val="00B0F0"/>
+                </a:solidFill>
+                <a:latin typeface="Comic Sans MS" pitchFamily="66" charset="0"/>
+              </a:rPr>
+              <a:t>}</a:t>
+            </a:r>
+          </a:p>
+          <a:p>
+            <a:pPr>
+              <a:buNone/>
+            </a:pPr>
+            <a:endParaRPr lang="en-US" sz="2800" dirty="0">
+              <a:solidFill>
+                <a:srgbClr val="00B0F0"/>
+              </a:solidFill>
+              <a:latin typeface="Comic Sans MS" pitchFamily="66" charset="0"/>
+            </a:endParaRPr>
+          </a:p>
+          <a:p>
+            <a:pPr>
+              <a:buNone/>
+            </a:pPr>
+            <a:endParaRPr lang="en-US" sz="2800" dirty="0">
+              <a:solidFill>
+                <a:srgbClr val="00B0F0"/>
+              </a:solidFill>
+              <a:latin typeface="Comic Sans MS" pitchFamily="66" charset="0"/>
+            </a:endParaRPr>
+          </a:p>
+        </p:txBody>
+      </p:sp>
+      <p:sp>
+        <p:nvSpPr>
+          <p:cNvPr id="11" name="Title 1"/>
+          <p:cNvSpPr txBox="1">
+            <a:spLocks/>
+          </p:cNvSpPr>
+          <p:nvPr/>
+        </p:nvSpPr>
+        <p:spPr>
+          <a:xfrm>
+            <a:off x="-11374" y="-28433"/>
+            <a:ext cx="9155373" cy="715962"/>
+          </a:xfrm>
+          <a:prstGeom prst="rect">
+            <a:avLst/>
+          </a:prstGeom>
+          <a:solidFill>
+            <a:srgbClr val="00B0F0"/>
+          </a:solidFill>
+        </p:spPr>
+        <p:txBody>
+          <a:bodyPr vert="horz" lIns="91440" tIns="45720" rIns="91440" bIns="45720" rtlCol="0" anchor="ctr">
+            <a:normAutofit/>
+          </a:bodyPr>
+          <a:lstStyle>
+            <a:lvl1pPr algn="ctr" defTabSz="914400" rtl="0" eaLnBrk="1" latinLnBrk="0" hangingPunct="1">
+              <a:spcBef>
+                <a:spcPct val="0"/>
+              </a:spcBef>
+              <a:buNone/>
+              <a:defRPr sz="4400" kern="1200">
+                <a:solidFill>
+                  <a:schemeClr val="tx1"/>
+                </a:solidFill>
+                <a:latin typeface="+mj-lt"/>
+                <a:ea typeface="+mj-ea"/>
+                <a:cs typeface="+mj-cs"/>
+              </a:defRPr>
+            </a:lvl1pPr>
+          </a:lstStyle>
+          <a:p>
+            <a:r>
+              <a:rPr lang="en-US" sz="4000" dirty="0">
+                <a:latin typeface="Comic Sans MS" pitchFamily="66" charset="0"/>
+              </a:rPr>
+              <a:t>f</a:t>
+            </a:r>
+            <a:r>
+              <a:rPr lang="en-US" sz="4000" dirty="0" smtClean="0">
+                <a:latin typeface="Comic Sans MS" pitchFamily="66" charset="0"/>
+              </a:rPr>
+              <a:t>or statements</a:t>
+            </a:r>
+            <a:endParaRPr lang="en-US" sz="4000" dirty="0">
+              <a:latin typeface="Comic Sans MS" pitchFamily="66" charset="0"/>
+            </a:endParaRPr>
+          </a:p>
+        </p:txBody>
+      </p:sp>
+      <p:sp>
+        <p:nvSpPr>
+          <p:cNvPr id="12" name="Rounded Rectangle 11"/>
+          <p:cNvSpPr/>
+          <p:nvPr/>
+        </p:nvSpPr>
+        <p:spPr>
+          <a:xfrm>
+            <a:off x="762000" y="2362200"/>
+            <a:ext cx="3048000" cy="381000"/>
+          </a:xfrm>
+          <a:prstGeom prst="roundRect">
+            <a:avLst/>
+          </a:prstGeom>
+          <a:noFill/>
+          <a:ln>
+            <a:solidFill>
+              <a:srgbClr val="FF0000"/>
+            </a:solidFill>
+          </a:ln>
+        </p:spPr>
+        <p:style>
+          <a:lnRef idx="2">
+            <a:schemeClr val="accent1">
+              <a:shade val="50000"/>
+            </a:schemeClr>
+          </a:lnRef>
+          <a:fillRef idx="1">
+            <a:schemeClr val="accent1"/>
+          </a:fillRef>
+          <a:effectRef idx="0">
+            <a:schemeClr val="accent1"/>
+          </a:effectRef>
+          <a:fontRef idx="minor">
+            <a:schemeClr val="lt1"/>
+          </a:fontRef>
+        </p:style>
+        <p:txBody>
+          <a:bodyPr rtlCol="0" anchor="ctr"/>
+          <a:lstStyle/>
+          <a:p>
+            <a:pPr algn="ctr"/>
+            <a:endParaRPr lang="en-US"/>
+          </a:p>
+        </p:txBody>
+      </p:sp>
+      <p:sp>
+        <p:nvSpPr>
+          <p:cNvPr id="13" name="TextBox 12"/>
+          <p:cNvSpPr txBox="1"/>
+          <p:nvPr/>
+        </p:nvSpPr>
+        <p:spPr>
+          <a:xfrm>
+            <a:off x="7467600" y="1600200"/>
+            <a:ext cx="609600" cy="400110"/>
+          </a:xfrm>
+          <a:prstGeom prst="rect">
+            <a:avLst/>
+          </a:prstGeom>
+          <a:noFill/>
+          <a:ln>
+            <a:solidFill>
+              <a:schemeClr val="tx1"/>
+            </a:solidFill>
+          </a:ln>
+        </p:spPr>
+        <p:txBody>
+          <a:bodyPr wrap="square" rtlCol="0">
+            <a:spAutoFit/>
+          </a:bodyPr>
+          <a:lstStyle/>
+          <a:p>
+            <a:r>
+              <a:rPr lang="en-US" sz="2000" dirty="0">
+                <a:latin typeface="Comic Sans MS" panose="030F0702030302020204" pitchFamily="66" charset="0"/>
+              </a:rPr>
+              <a:t>2</a:t>
+            </a:r>
+          </a:p>
+        </p:txBody>
+      </p:sp>
+      <p:sp>
+        <p:nvSpPr>
+          <p:cNvPr id="14" name="TextBox 13"/>
+          <p:cNvSpPr txBox="1"/>
+          <p:nvPr/>
+        </p:nvSpPr>
+        <p:spPr>
+          <a:xfrm>
+            <a:off x="6096000" y="1600200"/>
+            <a:ext cx="1143000" cy="400110"/>
+          </a:xfrm>
+          <a:prstGeom prst="rect">
+            <a:avLst/>
+          </a:prstGeom>
+          <a:noFill/>
+          <a:ln>
+            <a:solidFill>
+              <a:schemeClr val="tx1"/>
+            </a:solidFill>
+          </a:ln>
+        </p:spPr>
+        <p:txBody>
+          <a:bodyPr wrap="square" rtlCol="0">
+            <a:spAutoFit/>
+          </a:bodyPr>
+          <a:lstStyle/>
+          <a:p>
+            <a:r>
+              <a:rPr lang="en-US" sz="2000" dirty="0" smtClean="0">
+                <a:latin typeface="Comic Sans MS" panose="030F0702030302020204" pitchFamily="66" charset="0"/>
+              </a:rPr>
+              <a:t>counter</a:t>
+            </a:r>
+            <a:endParaRPr lang="en-US" sz="2000" dirty="0">
+              <a:latin typeface="Comic Sans MS" panose="030F0702030302020204" pitchFamily="66" charset="0"/>
+            </a:endParaRPr>
+          </a:p>
+        </p:txBody>
+      </p:sp>
+      <p:sp>
+        <p:nvSpPr>
+          <p:cNvPr id="7" name="Rounded Rectangle 6"/>
+          <p:cNvSpPr/>
+          <p:nvPr/>
+        </p:nvSpPr>
+        <p:spPr>
+          <a:xfrm>
+            <a:off x="457200" y="1524000"/>
+            <a:ext cx="5410200" cy="1676400"/>
+          </a:xfrm>
+          <a:prstGeom prst="roundRect">
+            <a:avLst/>
+          </a:prstGeom>
+          <a:noFill/>
+          <a:ln>
+            <a:solidFill>
+              <a:schemeClr val="tx1"/>
+            </a:solidFill>
+          </a:ln>
+        </p:spPr>
+        <p:style>
+          <a:lnRef idx="2">
+            <a:schemeClr val="accent1">
+              <a:shade val="50000"/>
+            </a:schemeClr>
+          </a:lnRef>
+          <a:fillRef idx="1">
+            <a:schemeClr val="accent1"/>
+          </a:fillRef>
+          <a:effectRef idx="0">
+            <a:schemeClr val="accent1"/>
+          </a:effectRef>
+          <a:fontRef idx="minor">
+            <a:schemeClr val="lt1"/>
+          </a:fontRef>
+        </p:style>
+        <p:txBody>
+          <a:bodyPr rtlCol="0" anchor="ctr"/>
+          <a:lstStyle/>
+          <a:p>
+            <a:pPr algn="ctr"/>
+            <a:endParaRPr lang="en-US"/>
+          </a:p>
+        </p:txBody>
+      </p:sp>
+      <p:sp>
+        <p:nvSpPr>
+          <p:cNvPr id="8" name="TextBox 7"/>
+          <p:cNvSpPr txBox="1"/>
+          <p:nvPr/>
+        </p:nvSpPr>
+        <p:spPr>
+          <a:xfrm>
+            <a:off x="533400" y="4114800"/>
+            <a:ext cx="8229600" cy="646331"/>
+          </a:xfrm>
+          <a:prstGeom prst="rect">
+            <a:avLst/>
+          </a:prstGeom>
+          <a:noFill/>
+          <a:ln>
+            <a:solidFill>
+              <a:schemeClr val="tx1"/>
+            </a:solidFill>
+          </a:ln>
+        </p:spPr>
+        <p:txBody>
+          <a:bodyPr wrap="square" rtlCol="0">
+            <a:spAutoFit/>
+          </a:bodyPr>
+          <a:lstStyle/>
+          <a:p>
+            <a:r>
+              <a:rPr lang="en-US" dirty="0" smtClean="0">
+                <a:latin typeface="Comic Sans MS" panose="030F0702030302020204" pitchFamily="66" charset="0"/>
+              </a:rPr>
+              <a:t>1</a:t>
+            </a:r>
+          </a:p>
+          <a:p>
+            <a:r>
+              <a:rPr lang="en-US" dirty="0">
+                <a:latin typeface="Comic Sans MS" panose="030F0702030302020204" pitchFamily="66" charset="0"/>
+              </a:rPr>
+              <a:t>2</a:t>
+            </a:r>
+            <a:endParaRPr lang="en-US" dirty="0">
+              <a:latin typeface="Comic Sans MS" panose="030F0702030302020204" pitchFamily="66" charset="0"/>
+            </a:endParaRPr>
+          </a:p>
+        </p:txBody>
+      </p:sp>
+      <p:sp>
+        <p:nvSpPr>
+          <p:cNvPr id="9" name="TextBox 8"/>
+          <p:cNvSpPr txBox="1"/>
+          <p:nvPr/>
+        </p:nvSpPr>
+        <p:spPr>
+          <a:xfrm rot="20025759">
+            <a:off x="6248400" y="914400"/>
+            <a:ext cx="1524000" cy="369332"/>
+          </a:xfrm>
+          <a:prstGeom prst="rect">
+            <a:avLst/>
+          </a:prstGeom>
+          <a:solidFill>
+            <a:srgbClr val="FFFF00"/>
+          </a:solidFill>
+          <a:ln>
+            <a:solidFill>
+              <a:schemeClr val="tx1"/>
+            </a:solidFill>
+          </a:ln>
+        </p:spPr>
+        <p:txBody>
+          <a:bodyPr wrap="square" rtlCol="0">
+            <a:spAutoFit/>
+          </a:bodyPr>
+          <a:lstStyle/>
+          <a:p>
+            <a:r>
+              <a:rPr lang="en-US" dirty="0" smtClean="0">
+                <a:latin typeface="Comic Sans MS" panose="030F0702030302020204" pitchFamily="66" charset="0"/>
+              </a:rPr>
+              <a:t>Iteration 2</a:t>
+            </a:r>
+            <a:endParaRPr lang="en-US" dirty="0">
+              <a:latin typeface="Comic Sans MS" panose="030F0702030302020204" pitchFamily="66" charset="0"/>
+            </a:endParaRPr>
+          </a:p>
+        </p:txBody>
+      </p:sp>
+    </p:spTree>
+    <p:extLst>
+      <p:ext uri="{BB962C8B-B14F-4D97-AF65-F5344CB8AC3E}">
+        <p14:creationId xmlns:p14="http://schemas.microsoft.com/office/powerpoint/2010/main" val="301519118"/>
+      </p:ext>
+    </p:extLst>
+  </p:cSld>
+  <p:clrMapOvr>
+    <a:masterClrMapping/>
+  </p:clrMapOvr>
+  <mc:AlternateContent xmlns:mc="http://schemas.openxmlformats.org/markup-compatibility/2006" xmlns:p14="http://schemas.microsoft.com/office/powerpoint/2010/main">
+    <mc:Choice Requires="p14">
+      <p:transition spd="slow" p14:dur="2000"/>
+    </mc:Choice>
+    <mc:Fallback xmlns="">
+      <p:transition spd="slow"/>
+    </mc:Fallback>
+  </mc:AlternateContent>
+  <p:timing>
+    <p:tnLst>
+      <p:par>
+        <p:cTn id="1" dur="indefinite" restart="never" nodeType="tmRoot"/>
+      </p:par>
+    </p:tnLst>
+  </p:timing>
+</p:sld>
+</file>
+
+<file path=ppt/slides/slide55.xml><?xml version="1.0" encoding="utf-8"?>
+<p:sld xmlns:a="http://schemas.openxmlformats.org/drawingml/2006/main" xmlns:r="http://schemas.openxmlformats.org/officeDocument/2006/relationships" xmlns:p="http://schemas.openxmlformats.org/presentationml/2006/main">
+  <p:cSld>
+    <p:spTree>
+      <p:nvGrpSpPr>
+        <p:cNvPr id="1" name=""/>
+        <p:cNvGrpSpPr/>
+        <p:nvPr/>
+      </p:nvGrpSpPr>
+      <p:grpSpPr>
+        <a:xfrm>
+          <a:off x="0" y="0"/>
+          <a:ext cx="0" cy="0"/>
+          <a:chOff x="0" y="0"/>
+          <a:chExt cx="0" cy="0"/>
+        </a:xfrm>
+      </p:grpSpPr>
+      <p:sp>
+        <p:nvSpPr>
+          <p:cNvPr id="3" name="Content Placeholder 2"/>
+          <p:cNvSpPr>
+            <a:spLocks noGrp="1"/>
+          </p:cNvSpPr>
+          <p:nvPr>
+            <p:ph idx="1"/>
+          </p:nvPr>
+        </p:nvSpPr>
+        <p:spPr>
+          <a:xfrm>
+            <a:off x="457200" y="1600201"/>
+            <a:ext cx="5257800" cy="1904999"/>
+          </a:xfrm>
+        </p:spPr>
+        <p:txBody>
+          <a:bodyPr>
+            <a:normAutofit/>
+          </a:bodyPr>
+          <a:lstStyle/>
+          <a:p>
+            <a:pPr>
+              <a:buNone/>
+            </a:pPr>
+            <a:r>
+              <a:rPr lang="en-US" sz="2000" dirty="0" smtClean="0">
+                <a:latin typeface="Comic Sans MS" pitchFamily="66" charset="0"/>
+              </a:rPr>
+              <a:t>for </a:t>
+            </a:r>
+            <a:r>
+              <a:rPr lang="en-US" sz="2000" dirty="0" smtClean="0">
+                <a:solidFill>
+                  <a:srgbClr val="FF0000"/>
+                </a:solidFill>
+                <a:latin typeface="Comic Sans MS" pitchFamily="66" charset="0"/>
+              </a:rPr>
+              <a:t>(</a:t>
+            </a:r>
+            <a:r>
+              <a:rPr lang="en-US" sz="2000" dirty="0">
+                <a:latin typeface="Comic Sans MS" pitchFamily="66" charset="0"/>
+              </a:rPr>
+              <a:t>counter </a:t>
+            </a:r>
+            <a:r>
+              <a:rPr lang="en-US" sz="2000" dirty="0">
+                <a:solidFill>
+                  <a:srgbClr val="FF0000"/>
+                </a:solidFill>
+                <a:latin typeface="Comic Sans MS" pitchFamily="66" charset="0"/>
+              </a:rPr>
+              <a:t>=</a:t>
+            </a:r>
+            <a:r>
+              <a:rPr lang="en-US" sz="2000" dirty="0">
+                <a:latin typeface="Comic Sans MS" pitchFamily="66" charset="0"/>
+              </a:rPr>
+              <a:t> 1 </a:t>
+            </a:r>
+            <a:r>
+              <a:rPr lang="en-US" sz="2000" dirty="0" smtClean="0">
+                <a:latin typeface="Comic Sans MS" pitchFamily="66" charset="0"/>
+              </a:rPr>
+              <a:t>; counter </a:t>
+            </a:r>
+            <a:r>
+              <a:rPr lang="en-US" sz="2000" dirty="0" smtClean="0">
+                <a:solidFill>
+                  <a:srgbClr val="FF0000"/>
+                </a:solidFill>
+                <a:latin typeface="Comic Sans MS" pitchFamily="66" charset="0"/>
+              </a:rPr>
+              <a:t>&lt;=</a:t>
+            </a:r>
+            <a:r>
+              <a:rPr lang="en-US" sz="2000" dirty="0" smtClean="0">
+                <a:latin typeface="Comic Sans MS" pitchFamily="66" charset="0"/>
+              </a:rPr>
+              <a:t> </a:t>
+            </a:r>
+            <a:r>
+              <a:rPr lang="en-US" sz="2000" dirty="0" smtClean="0">
+                <a:latin typeface="Comic Sans MS" pitchFamily="66" charset="0"/>
+              </a:rPr>
+              <a:t>5; </a:t>
+            </a:r>
+            <a:r>
+              <a:rPr lang="en-US" sz="2000" dirty="0" smtClean="0">
+                <a:latin typeface="Comic Sans MS" pitchFamily="66" charset="0"/>
+              </a:rPr>
+              <a:t>counter</a:t>
+            </a:r>
+            <a:r>
+              <a:rPr lang="en-US" sz="2000" dirty="0" smtClean="0">
+                <a:latin typeface="Comic Sans MS" pitchFamily="66" charset="0"/>
+              </a:rPr>
+              <a:t>++</a:t>
+            </a:r>
+            <a:r>
+              <a:rPr lang="en-US" sz="2000" dirty="0" smtClean="0">
+                <a:solidFill>
+                  <a:srgbClr val="FF0000"/>
+                </a:solidFill>
+                <a:latin typeface="Comic Sans MS" pitchFamily="66" charset="0"/>
+              </a:rPr>
+              <a:t>)</a:t>
+            </a:r>
+            <a:endParaRPr lang="en-US" sz="2000" dirty="0">
+              <a:latin typeface="Comic Sans MS" pitchFamily="66" charset="0"/>
+            </a:endParaRPr>
+          </a:p>
+          <a:p>
+            <a:pPr>
+              <a:buNone/>
+            </a:pPr>
+            <a:r>
+              <a:rPr lang="en-US" sz="2000" dirty="0" smtClean="0">
+                <a:solidFill>
+                  <a:srgbClr val="00B0F0"/>
+                </a:solidFill>
+                <a:latin typeface="Comic Sans MS" pitchFamily="66" charset="0"/>
+              </a:rPr>
+              <a:t>{</a:t>
+            </a:r>
+            <a:r>
+              <a:rPr lang="en-US" sz="2000" dirty="0" smtClean="0">
+                <a:latin typeface="Comic Sans MS" pitchFamily="66" charset="0"/>
+              </a:rPr>
+              <a:t> </a:t>
+            </a:r>
+            <a:endParaRPr lang="en-US" sz="2000" dirty="0" smtClean="0">
+              <a:latin typeface="Comic Sans MS" pitchFamily="66" charset="0"/>
+            </a:endParaRPr>
+          </a:p>
+          <a:p>
+            <a:pPr>
+              <a:buNone/>
+            </a:pPr>
+            <a:r>
+              <a:rPr lang="en-US" sz="2000" dirty="0" smtClean="0">
+                <a:latin typeface="Comic Sans MS" pitchFamily="66" charset="0"/>
+              </a:rPr>
+              <a:t>    printf(</a:t>
+            </a:r>
+            <a:r>
+              <a:rPr lang="en-US" sz="2000" dirty="0" smtClean="0">
+                <a:solidFill>
+                  <a:srgbClr val="00B0F0"/>
+                </a:solidFill>
+                <a:latin typeface="Comic Sans MS" pitchFamily="66" charset="0"/>
+              </a:rPr>
+              <a:t>“%d“</a:t>
+            </a:r>
+            <a:r>
+              <a:rPr lang="en-US" sz="2000" dirty="0" smtClean="0">
+                <a:latin typeface="Comic Sans MS" pitchFamily="66" charset="0"/>
+              </a:rPr>
+              <a:t>, </a:t>
+            </a:r>
+            <a:r>
+              <a:rPr lang="en-US" sz="2000" dirty="0">
+                <a:latin typeface="Comic Sans MS" pitchFamily="66" charset="0"/>
+              </a:rPr>
+              <a:t>counter </a:t>
+            </a:r>
+            <a:r>
+              <a:rPr lang="en-US" sz="2000" dirty="0" smtClean="0">
+                <a:latin typeface="Comic Sans MS" pitchFamily="66" charset="0"/>
+              </a:rPr>
+              <a:t>); </a:t>
+            </a:r>
+            <a:endParaRPr lang="en-US" sz="2000" dirty="0">
+              <a:latin typeface="Comic Sans MS" pitchFamily="66" charset="0"/>
+            </a:endParaRPr>
+          </a:p>
+          <a:p>
+            <a:pPr>
+              <a:buNone/>
+            </a:pPr>
+            <a:r>
+              <a:rPr lang="en-US" sz="2000" dirty="0" smtClean="0">
+                <a:solidFill>
+                  <a:srgbClr val="00B0F0"/>
+                </a:solidFill>
+                <a:latin typeface="Comic Sans MS" pitchFamily="66" charset="0"/>
+              </a:rPr>
+              <a:t>}</a:t>
+            </a:r>
+          </a:p>
+          <a:p>
+            <a:pPr>
+              <a:buNone/>
+            </a:pPr>
+            <a:endParaRPr lang="en-US" sz="2800" dirty="0">
+              <a:solidFill>
+                <a:srgbClr val="00B0F0"/>
+              </a:solidFill>
+              <a:latin typeface="Comic Sans MS" pitchFamily="66" charset="0"/>
+            </a:endParaRPr>
+          </a:p>
+          <a:p>
+            <a:pPr>
+              <a:buNone/>
+            </a:pPr>
+            <a:endParaRPr lang="en-US" sz="2800" dirty="0">
+              <a:solidFill>
+                <a:srgbClr val="00B0F0"/>
+              </a:solidFill>
+              <a:latin typeface="Comic Sans MS" pitchFamily="66" charset="0"/>
+            </a:endParaRPr>
+          </a:p>
+        </p:txBody>
+      </p:sp>
+      <p:sp>
+        <p:nvSpPr>
+          <p:cNvPr id="11" name="Title 1"/>
+          <p:cNvSpPr txBox="1">
+            <a:spLocks/>
+          </p:cNvSpPr>
+          <p:nvPr/>
+        </p:nvSpPr>
+        <p:spPr>
+          <a:xfrm>
+            <a:off x="-11374" y="-28433"/>
+            <a:ext cx="9155373" cy="715962"/>
+          </a:xfrm>
+          <a:prstGeom prst="rect">
+            <a:avLst/>
+          </a:prstGeom>
+          <a:solidFill>
+            <a:srgbClr val="00B0F0"/>
+          </a:solidFill>
+        </p:spPr>
+        <p:txBody>
+          <a:bodyPr vert="horz" lIns="91440" tIns="45720" rIns="91440" bIns="45720" rtlCol="0" anchor="ctr">
+            <a:normAutofit/>
+          </a:bodyPr>
+          <a:lstStyle>
+            <a:lvl1pPr algn="ctr" defTabSz="914400" rtl="0" eaLnBrk="1" latinLnBrk="0" hangingPunct="1">
+              <a:spcBef>
+                <a:spcPct val="0"/>
+              </a:spcBef>
+              <a:buNone/>
+              <a:defRPr sz="4400" kern="1200">
+                <a:solidFill>
+                  <a:schemeClr val="tx1"/>
+                </a:solidFill>
+                <a:latin typeface="+mj-lt"/>
+                <a:ea typeface="+mj-ea"/>
+                <a:cs typeface="+mj-cs"/>
+              </a:defRPr>
+            </a:lvl1pPr>
+          </a:lstStyle>
+          <a:p>
+            <a:r>
+              <a:rPr lang="en-US" sz="4000" dirty="0">
+                <a:latin typeface="Comic Sans MS" pitchFamily="66" charset="0"/>
+              </a:rPr>
+              <a:t>f</a:t>
+            </a:r>
+            <a:r>
+              <a:rPr lang="en-US" sz="4000" dirty="0" smtClean="0">
+                <a:latin typeface="Comic Sans MS" pitchFamily="66" charset="0"/>
+              </a:rPr>
+              <a:t>or statements</a:t>
+            </a:r>
+            <a:endParaRPr lang="en-US" sz="4000" dirty="0">
+              <a:latin typeface="Comic Sans MS" pitchFamily="66" charset="0"/>
+            </a:endParaRPr>
+          </a:p>
+        </p:txBody>
+      </p:sp>
+      <p:sp>
+        <p:nvSpPr>
+          <p:cNvPr id="12" name="Rounded Rectangle 11"/>
+          <p:cNvSpPr/>
+          <p:nvPr/>
+        </p:nvSpPr>
+        <p:spPr>
+          <a:xfrm>
+            <a:off x="4191000" y="1600200"/>
+            <a:ext cx="1219200" cy="381000"/>
+          </a:xfrm>
+          <a:prstGeom prst="roundRect">
+            <a:avLst/>
+          </a:prstGeom>
+          <a:noFill/>
+          <a:ln>
+            <a:solidFill>
+              <a:srgbClr val="FF0000"/>
+            </a:solidFill>
+          </a:ln>
+        </p:spPr>
+        <p:style>
+          <a:lnRef idx="2">
+            <a:schemeClr val="accent1">
+              <a:shade val="50000"/>
+            </a:schemeClr>
+          </a:lnRef>
+          <a:fillRef idx="1">
+            <a:schemeClr val="accent1"/>
+          </a:fillRef>
+          <a:effectRef idx="0">
+            <a:schemeClr val="accent1"/>
+          </a:effectRef>
+          <a:fontRef idx="minor">
+            <a:schemeClr val="lt1"/>
+          </a:fontRef>
+        </p:style>
+        <p:txBody>
+          <a:bodyPr rtlCol="0" anchor="ctr"/>
+          <a:lstStyle/>
+          <a:p>
+            <a:pPr algn="ctr"/>
+            <a:endParaRPr lang="en-US"/>
+          </a:p>
+        </p:txBody>
+      </p:sp>
+      <p:sp>
+        <p:nvSpPr>
+          <p:cNvPr id="13" name="TextBox 12"/>
+          <p:cNvSpPr txBox="1"/>
+          <p:nvPr/>
+        </p:nvSpPr>
+        <p:spPr>
+          <a:xfrm>
+            <a:off x="7467600" y="1600200"/>
+            <a:ext cx="609600" cy="400110"/>
+          </a:xfrm>
+          <a:prstGeom prst="rect">
+            <a:avLst/>
+          </a:prstGeom>
+          <a:noFill/>
+          <a:ln>
+            <a:solidFill>
+              <a:schemeClr val="tx1"/>
+            </a:solidFill>
+          </a:ln>
+        </p:spPr>
+        <p:txBody>
+          <a:bodyPr wrap="square" rtlCol="0">
+            <a:spAutoFit/>
+          </a:bodyPr>
+          <a:lstStyle/>
+          <a:p>
+            <a:r>
+              <a:rPr lang="en-US" sz="2000" dirty="0">
+                <a:latin typeface="Comic Sans MS" panose="030F0702030302020204" pitchFamily="66" charset="0"/>
+              </a:rPr>
+              <a:t>3</a:t>
+            </a:r>
+            <a:endParaRPr lang="en-US" sz="2000" dirty="0">
+              <a:latin typeface="Comic Sans MS" panose="030F0702030302020204" pitchFamily="66" charset="0"/>
+            </a:endParaRPr>
+          </a:p>
+        </p:txBody>
+      </p:sp>
+      <p:sp>
+        <p:nvSpPr>
+          <p:cNvPr id="14" name="TextBox 13"/>
+          <p:cNvSpPr txBox="1"/>
+          <p:nvPr/>
+        </p:nvSpPr>
+        <p:spPr>
+          <a:xfrm>
+            <a:off x="6096000" y="1600200"/>
+            <a:ext cx="1143000" cy="400110"/>
+          </a:xfrm>
+          <a:prstGeom prst="rect">
+            <a:avLst/>
+          </a:prstGeom>
+          <a:noFill/>
+          <a:ln>
+            <a:solidFill>
+              <a:schemeClr val="tx1"/>
+            </a:solidFill>
+          </a:ln>
+        </p:spPr>
+        <p:txBody>
+          <a:bodyPr wrap="square" rtlCol="0">
+            <a:spAutoFit/>
+          </a:bodyPr>
+          <a:lstStyle/>
+          <a:p>
+            <a:r>
+              <a:rPr lang="en-US" sz="2000" dirty="0" smtClean="0">
+                <a:latin typeface="Comic Sans MS" panose="030F0702030302020204" pitchFamily="66" charset="0"/>
+              </a:rPr>
+              <a:t>counter</a:t>
+            </a:r>
+            <a:endParaRPr lang="en-US" sz="2000" dirty="0">
+              <a:latin typeface="Comic Sans MS" panose="030F0702030302020204" pitchFamily="66" charset="0"/>
+            </a:endParaRPr>
+          </a:p>
+        </p:txBody>
+      </p:sp>
+      <p:sp>
+        <p:nvSpPr>
+          <p:cNvPr id="7" name="Rounded Rectangle 6"/>
+          <p:cNvSpPr/>
+          <p:nvPr/>
+        </p:nvSpPr>
+        <p:spPr>
+          <a:xfrm>
+            <a:off x="457200" y="1524000"/>
+            <a:ext cx="5410200" cy="1676400"/>
+          </a:xfrm>
+          <a:prstGeom prst="roundRect">
+            <a:avLst/>
+          </a:prstGeom>
+          <a:noFill/>
+          <a:ln>
+            <a:solidFill>
+              <a:schemeClr val="tx1"/>
+            </a:solidFill>
+          </a:ln>
+        </p:spPr>
+        <p:style>
+          <a:lnRef idx="2">
+            <a:schemeClr val="accent1">
+              <a:shade val="50000"/>
+            </a:schemeClr>
+          </a:lnRef>
+          <a:fillRef idx="1">
+            <a:schemeClr val="accent1"/>
+          </a:fillRef>
+          <a:effectRef idx="0">
+            <a:schemeClr val="accent1"/>
+          </a:effectRef>
+          <a:fontRef idx="minor">
+            <a:schemeClr val="lt1"/>
+          </a:fontRef>
+        </p:style>
+        <p:txBody>
+          <a:bodyPr rtlCol="0" anchor="ctr"/>
+          <a:lstStyle/>
+          <a:p>
+            <a:pPr algn="ctr"/>
+            <a:endParaRPr lang="en-US"/>
+          </a:p>
+        </p:txBody>
+      </p:sp>
+      <p:sp>
+        <p:nvSpPr>
+          <p:cNvPr id="8" name="TextBox 7"/>
+          <p:cNvSpPr txBox="1"/>
+          <p:nvPr/>
+        </p:nvSpPr>
+        <p:spPr>
+          <a:xfrm>
+            <a:off x="533400" y="4114800"/>
+            <a:ext cx="8229600" cy="646331"/>
+          </a:xfrm>
+          <a:prstGeom prst="rect">
+            <a:avLst/>
+          </a:prstGeom>
+          <a:noFill/>
+          <a:ln>
+            <a:solidFill>
+              <a:schemeClr val="tx1"/>
+            </a:solidFill>
+          </a:ln>
+        </p:spPr>
+        <p:txBody>
+          <a:bodyPr wrap="square" rtlCol="0">
+            <a:spAutoFit/>
+          </a:bodyPr>
+          <a:lstStyle/>
+          <a:p>
+            <a:r>
+              <a:rPr lang="en-US" dirty="0" smtClean="0">
+                <a:latin typeface="Comic Sans MS" panose="030F0702030302020204" pitchFamily="66" charset="0"/>
+              </a:rPr>
+              <a:t>1</a:t>
+            </a:r>
+          </a:p>
+          <a:p>
+            <a:r>
+              <a:rPr lang="en-US" dirty="0">
+                <a:latin typeface="Comic Sans MS" panose="030F0702030302020204" pitchFamily="66" charset="0"/>
+              </a:rPr>
+              <a:t>2</a:t>
+            </a:r>
+            <a:endParaRPr lang="en-US" dirty="0">
+              <a:latin typeface="Comic Sans MS" panose="030F0702030302020204" pitchFamily="66" charset="0"/>
+            </a:endParaRPr>
+          </a:p>
+        </p:txBody>
+      </p:sp>
+      <p:sp>
+        <p:nvSpPr>
+          <p:cNvPr id="9" name="TextBox 8"/>
+          <p:cNvSpPr txBox="1"/>
+          <p:nvPr/>
+        </p:nvSpPr>
+        <p:spPr>
+          <a:xfrm rot="20025759">
+            <a:off x="6248400" y="914400"/>
+            <a:ext cx="1524000" cy="369332"/>
+          </a:xfrm>
+          <a:prstGeom prst="rect">
+            <a:avLst/>
+          </a:prstGeom>
+          <a:solidFill>
+            <a:srgbClr val="FFFF00"/>
+          </a:solidFill>
+          <a:ln>
+            <a:solidFill>
+              <a:schemeClr val="tx1"/>
+            </a:solidFill>
+          </a:ln>
+        </p:spPr>
+        <p:txBody>
+          <a:bodyPr wrap="square" rtlCol="0">
+            <a:spAutoFit/>
+          </a:bodyPr>
+          <a:lstStyle/>
+          <a:p>
+            <a:r>
+              <a:rPr lang="en-US" dirty="0" smtClean="0">
+                <a:latin typeface="Comic Sans MS" panose="030F0702030302020204" pitchFamily="66" charset="0"/>
+              </a:rPr>
+              <a:t>Iteration 2</a:t>
+            </a:r>
+            <a:endParaRPr lang="en-US" dirty="0">
+              <a:latin typeface="Comic Sans MS" panose="030F0702030302020204" pitchFamily="66" charset="0"/>
+            </a:endParaRPr>
+          </a:p>
+        </p:txBody>
+      </p:sp>
+    </p:spTree>
+    <p:extLst>
+      <p:ext uri="{BB962C8B-B14F-4D97-AF65-F5344CB8AC3E}">
+        <p14:creationId xmlns:p14="http://schemas.microsoft.com/office/powerpoint/2010/main" val="1684706263"/>
+      </p:ext>
+    </p:extLst>
+  </p:cSld>
+  <p:clrMapOvr>
+    <a:masterClrMapping/>
+  </p:clrMapOvr>
+  <mc:AlternateContent xmlns:mc="http://schemas.openxmlformats.org/markup-compatibility/2006" xmlns:p14="http://schemas.microsoft.com/office/powerpoint/2010/main">
+    <mc:Choice Requires="p14">
+      <p:transition spd="slow" p14:dur="2000"/>
+    </mc:Choice>
+    <mc:Fallback xmlns="">
+      <p:transition spd="slow"/>
+    </mc:Fallback>
+  </mc:AlternateContent>
+  <p:timing>
+    <p:tnLst>
+      <p:par>
+        <p:cTn id="1" dur="indefinite" restart="never" nodeType="tmRoot"/>
+      </p:par>
+    </p:tnLst>
+  </p:timing>
+</p:sld>
+</file>
+
+<file path=ppt/slides/slide56.xml><?xml version="1.0" encoding="utf-8"?>
+<p:sld xmlns:a="http://schemas.openxmlformats.org/drawingml/2006/main" xmlns:r="http://schemas.openxmlformats.org/officeDocument/2006/relationships" xmlns:p="http://schemas.openxmlformats.org/presentationml/2006/main">
+  <p:cSld>
+    <p:spTree>
+      <p:nvGrpSpPr>
+        <p:cNvPr id="1" name=""/>
+        <p:cNvGrpSpPr/>
+        <p:nvPr/>
+      </p:nvGrpSpPr>
+      <p:grpSpPr>
+        <a:xfrm>
+          <a:off x="0" y="0"/>
+          <a:ext cx="0" cy="0"/>
+          <a:chOff x="0" y="0"/>
+          <a:chExt cx="0" cy="0"/>
+        </a:xfrm>
+      </p:grpSpPr>
+      <p:sp>
+        <p:nvSpPr>
+          <p:cNvPr id="3" name="Content Placeholder 2"/>
+          <p:cNvSpPr>
+            <a:spLocks noGrp="1"/>
+          </p:cNvSpPr>
+          <p:nvPr>
+            <p:ph idx="1"/>
+          </p:nvPr>
+        </p:nvSpPr>
+        <p:spPr>
+          <a:xfrm>
+            <a:off x="457200" y="1600201"/>
+            <a:ext cx="5257800" cy="1904999"/>
+          </a:xfrm>
+        </p:spPr>
+        <p:txBody>
+          <a:bodyPr>
+            <a:normAutofit/>
+          </a:bodyPr>
+          <a:lstStyle/>
+          <a:p>
+            <a:pPr>
+              <a:buNone/>
+            </a:pPr>
+            <a:r>
+              <a:rPr lang="en-US" sz="2000" dirty="0" smtClean="0">
+                <a:latin typeface="Comic Sans MS" pitchFamily="66" charset="0"/>
+              </a:rPr>
+              <a:t>for </a:t>
+            </a:r>
+            <a:r>
+              <a:rPr lang="en-US" sz="2000" dirty="0" smtClean="0">
+                <a:solidFill>
+                  <a:srgbClr val="FF0000"/>
+                </a:solidFill>
+                <a:latin typeface="Comic Sans MS" pitchFamily="66" charset="0"/>
+              </a:rPr>
+              <a:t>(</a:t>
+            </a:r>
+            <a:r>
+              <a:rPr lang="en-US" sz="2000" dirty="0">
+                <a:latin typeface="Comic Sans MS" pitchFamily="66" charset="0"/>
+              </a:rPr>
+              <a:t>counter </a:t>
+            </a:r>
+            <a:r>
+              <a:rPr lang="en-US" sz="2000" dirty="0">
+                <a:solidFill>
+                  <a:srgbClr val="FF0000"/>
+                </a:solidFill>
+                <a:latin typeface="Comic Sans MS" pitchFamily="66" charset="0"/>
+              </a:rPr>
+              <a:t>=</a:t>
+            </a:r>
+            <a:r>
+              <a:rPr lang="en-US" sz="2000" dirty="0">
+                <a:latin typeface="Comic Sans MS" pitchFamily="66" charset="0"/>
+              </a:rPr>
+              <a:t> 1 </a:t>
+            </a:r>
+            <a:r>
+              <a:rPr lang="en-US" sz="2000" dirty="0" smtClean="0">
+                <a:latin typeface="Comic Sans MS" pitchFamily="66" charset="0"/>
+              </a:rPr>
+              <a:t>; counter </a:t>
+            </a:r>
+            <a:r>
+              <a:rPr lang="en-US" sz="2000" dirty="0" smtClean="0">
+                <a:solidFill>
+                  <a:srgbClr val="FF0000"/>
+                </a:solidFill>
+                <a:latin typeface="Comic Sans MS" pitchFamily="66" charset="0"/>
+              </a:rPr>
+              <a:t>&lt;=</a:t>
+            </a:r>
+            <a:r>
+              <a:rPr lang="en-US" sz="2000" dirty="0" smtClean="0">
+                <a:latin typeface="Comic Sans MS" pitchFamily="66" charset="0"/>
+              </a:rPr>
+              <a:t> </a:t>
+            </a:r>
+            <a:r>
+              <a:rPr lang="en-US" sz="2000" dirty="0" smtClean="0">
+                <a:latin typeface="Comic Sans MS" pitchFamily="66" charset="0"/>
+              </a:rPr>
+              <a:t>5; </a:t>
+            </a:r>
+            <a:r>
+              <a:rPr lang="en-US" sz="2000" dirty="0" smtClean="0">
+                <a:latin typeface="Comic Sans MS" pitchFamily="66" charset="0"/>
+              </a:rPr>
+              <a:t>counter</a:t>
+            </a:r>
+            <a:r>
+              <a:rPr lang="en-US" sz="2000" dirty="0" smtClean="0">
+                <a:latin typeface="Comic Sans MS" pitchFamily="66" charset="0"/>
+              </a:rPr>
+              <a:t>++</a:t>
+            </a:r>
+            <a:r>
+              <a:rPr lang="en-US" sz="2000" dirty="0" smtClean="0">
+                <a:solidFill>
+                  <a:srgbClr val="FF0000"/>
+                </a:solidFill>
+                <a:latin typeface="Comic Sans MS" pitchFamily="66" charset="0"/>
+              </a:rPr>
+              <a:t>)</a:t>
+            </a:r>
+            <a:endParaRPr lang="en-US" sz="2000" dirty="0">
+              <a:latin typeface="Comic Sans MS" pitchFamily="66" charset="0"/>
+            </a:endParaRPr>
+          </a:p>
+          <a:p>
+            <a:pPr>
+              <a:buNone/>
+            </a:pPr>
+            <a:r>
+              <a:rPr lang="en-US" sz="2000" dirty="0" smtClean="0">
+                <a:solidFill>
+                  <a:srgbClr val="00B0F0"/>
+                </a:solidFill>
+                <a:latin typeface="Comic Sans MS" pitchFamily="66" charset="0"/>
+              </a:rPr>
+              <a:t>{</a:t>
+            </a:r>
+            <a:r>
+              <a:rPr lang="en-US" sz="2000" dirty="0" smtClean="0">
+                <a:latin typeface="Comic Sans MS" pitchFamily="66" charset="0"/>
+              </a:rPr>
+              <a:t> </a:t>
+            </a:r>
+            <a:endParaRPr lang="en-US" sz="2000" dirty="0" smtClean="0">
+              <a:latin typeface="Comic Sans MS" pitchFamily="66" charset="0"/>
+            </a:endParaRPr>
+          </a:p>
+          <a:p>
+            <a:pPr>
+              <a:buNone/>
+            </a:pPr>
+            <a:r>
+              <a:rPr lang="en-US" sz="2000" dirty="0" smtClean="0">
+                <a:latin typeface="Comic Sans MS" pitchFamily="66" charset="0"/>
+              </a:rPr>
+              <a:t>    printf(</a:t>
+            </a:r>
+            <a:r>
+              <a:rPr lang="en-US" sz="2000" dirty="0" smtClean="0">
+                <a:solidFill>
+                  <a:srgbClr val="00B0F0"/>
+                </a:solidFill>
+                <a:latin typeface="Comic Sans MS" pitchFamily="66" charset="0"/>
+              </a:rPr>
+              <a:t>“%d“</a:t>
+            </a:r>
+            <a:r>
+              <a:rPr lang="en-US" sz="2000" dirty="0" smtClean="0">
+                <a:latin typeface="Comic Sans MS" pitchFamily="66" charset="0"/>
+              </a:rPr>
+              <a:t>, </a:t>
+            </a:r>
+            <a:r>
+              <a:rPr lang="en-US" sz="2000" dirty="0">
+                <a:latin typeface="Comic Sans MS" pitchFamily="66" charset="0"/>
+              </a:rPr>
+              <a:t>counter </a:t>
+            </a:r>
+            <a:r>
+              <a:rPr lang="en-US" sz="2000" dirty="0" smtClean="0">
+                <a:latin typeface="Comic Sans MS" pitchFamily="66" charset="0"/>
+              </a:rPr>
+              <a:t>); </a:t>
+            </a:r>
+            <a:endParaRPr lang="en-US" sz="2000" dirty="0">
+              <a:latin typeface="Comic Sans MS" pitchFamily="66" charset="0"/>
+            </a:endParaRPr>
+          </a:p>
+          <a:p>
+            <a:pPr>
+              <a:buNone/>
+            </a:pPr>
+            <a:r>
+              <a:rPr lang="en-US" sz="2000" dirty="0" smtClean="0">
+                <a:solidFill>
+                  <a:srgbClr val="00B0F0"/>
+                </a:solidFill>
+                <a:latin typeface="Comic Sans MS" pitchFamily="66" charset="0"/>
+              </a:rPr>
+              <a:t>}</a:t>
+            </a:r>
+          </a:p>
+          <a:p>
+            <a:pPr>
+              <a:buNone/>
+            </a:pPr>
+            <a:endParaRPr lang="en-US" sz="2800" dirty="0">
+              <a:solidFill>
+                <a:srgbClr val="00B0F0"/>
+              </a:solidFill>
+              <a:latin typeface="Comic Sans MS" pitchFamily="66" charset="0"/>
+            </a:endParaRPr>
+          </a:p>
+          <a:p>
+            <a:pPr>
+              <a:buNone/>
+            </a:pPr>
+            <a:endParaRPr lang="en-US" sz="2800" dirty="0">
+              <a:solidFill>
+                <a:srgbClr val="00B0F0"/>
+              </a:solidFill>
+              <a:latin typeface="Comic Sans MS" pitchFamily="66" charset="0"/>
+            </a:endParaRPr>
+          </a:p>
+        </p:txBody>
+      </p:sp>
+      <p:sp>
+        <p:nvSpPr>
+          <p:cNvPr id="11" name="Title 1"/>
+          <p:cNvSpPr txBox="1">
+            <a:spLocks/>
+          </p:cNvSpPr>
+          <p:nvPr/>
+        </p:nvSpPr>
+        <p:spPr>
+          <a:xfrm>
+            <a:off x="-11374" y="-28433"/>
+            <a:ext cx="9155373" cy="715962"/>
+          </a:xfrm>
+          <a:prstGeom prst="rect">
+            <a:avLst/>
+          </a:prstGeom>
+          <a:solidFill>
+            <a:srgbClr val="00B0F0"/>
+          </a:solidFill>
+        </p:spPr>
+        <p:txBody>
+          <a:bodyPr vert="horz" lIns="91440" tIns="45720" rIns="91440" bIns="45720" rtlCol="0" anchor="ctr">
+            <a:normAutofit/>
+          </a:bodyPr>
+          <a:lstStyle>
+            <a:lvl1pPr algn="ctr" defTabSz="914400" rtl="0" eaLnBrk="1" latinLnBrk="0" hangingPunct="1">
+              <a:spcBef>
+                <a:spcPct val="0"/>
+              </a:spcBef>
+              <a:buNone/>
+              <a:defRPr sz="4400" kern="1200">
+                <a:solidFill>
+                  <a:schemeClr val="tx1"/>
+                </a:solidFill>
+                <a:latin typeface="+mj-lt"/>
+                <a:ea typeface="+mj-ea"/>
+                <a:cs typeface="+mj-cs"/>
+              </a:defRPr>
+            </a:lvl1pPr>
+          </a:lstStyle>
+          <a:p>
+            <a:r>
+              <a:rPr lang="en-US" sz="4000" dirty="0">
+                <a:latin typeface="Comic Sans MS" pitchFamily="66" charset="0"/>
+              </a:rPr>
+              <a:t>f</a:t>
+            </a:r>
+            <a:r>
+              <a:rPr lang="en-US" sz="4000" dirty="0" smtClean="0">
+                <a:latin typeface="Comic Sans MS" pitchFamily="66" charset="0"/>
+              </a:rPr>
+              <a:t>or statements</a:t>
+            </a:r>
+            <a:endParaRPr lang="en-US" sz="4000" dirty="0">
+              <a:latin typeface="Comic Sans MS" pitchFamily="66" charset="0"/>
+            </a:endParaRPr>
+          </a:p>
+        </p:txBody>
+      </p:sp>
+      <p:sp>
+        <p:nvSpPr>
+          <p:cNvPr id="12" name="Rounded Rectangle 11"/>
+          <p:cNvSpPr/>
+          <p:nvPr/>
+        </p:nvSpPr>
+        <p:spPr>
+          <a:xfrm>
+            <a:off x="2590800" y="1600200"/>
+            <a:ext cx="1600200" cy="381000"/>
+          </a:xfrm>
+          <a:prstGeom prst="roundRect">
+            <a:avLst/>
+          </a:prstGeom>
+          <a:noFill/>
+          <a:ln>
+            <a:solidFill>
+              <a:srgbClr val="FF0000"/>
+            </a:solidFill>
+          </a:ln>
+        </p:spPr>
+        <p:style>
+          <a:lnRef idx="2">
+            <a:schemeClr val="accent1">
+              <a:shade val="50000"/>
+            </a:schemeClr>
+          </a:lnRef>
+          <a:fillRef idx="1">
+            <a:schemeClr val="accent1"/>
+          </a:fillRef>
+          <a:effectRef idx="0">
+            <a:schemeClr val="accent1"/>
+          </a:effectRef>
+          <a:fontRef idx="minor">
+            <a:schemeClr val="lt1"/>
+          </a:fontRef>
+        </p:style>
+        <p:txBody>
+          <a:bodyPr rtlCol="0" anchor="ctr"/>
+          <a:lstStyle/>
+          <a:p>
+            <a:pPr algn="ctr"/>
+            <a:endParaRPr lang="en-US"/>
+          </a:p>
+        </p:txBody>
+      </p:sp>
+      <p:sp>
+        <p:nvSpPr>
+          <p:cNvPr id="13" name="TextBox 12"/>
+          <p:cNvSpPr txBox="1"/>
+          <p:nvPr/>
+        </p:nvSpPr>
+        <p:spPr>
+          <a:xfrm>
+            <a:off x="7467600" y="1600200"/>
+            <a:ext cx="609600" cy="400110"/>
+          </a:xfrm>
+          <a:prstGeom prst="rect">
+            <a:avLst/>
+          </a:prstGeom>
+          <a:noFill/>
+          <a:ln>
+            <a:solidFill>
+              <a:schemeClr val="tx1"/>
+            </a:solidFill>
+          </a:ln>
+        </p:spPr>
+        <p:txBody>
+          <a:bodyPr wrap="square" rtlCol="0">
+            <a:spAutoFit/>
+          </a:bodyPr>
+          <a:lstStyle/>
+          <a:p>
+            <a:r>
+              <a:rPr lang="en-US" sz="2000" dirty="0">
+                <a:latin typeface="Comic Sans MS" panose="030F0702030302020204" pitchFamily="66" charset="0"/>
+              </a:rPr>
+              <a:t>3</a:t>
+            </a:r>
+            <a:endParaRPr lang="en-US" sz="2000" dirty="0">
+              <a:latin typeface="Comic Sans MS" panose="030F0702030302020204" pitchFamily="66" charset="0"/>
+            </a:endParaRPr>
+          </a:p>
+        </p:txBody>
+      </p:sp>
+      <p:sp>
+        <p:nvSpPr>
+          <p:cNvPr id="14" name="TextBox 13"/>
+          <p:cNvSpPr txBox="1"/>
+          <p:nvPr/>
+        </p:nvSpPr>
+        <p:spPr>
+          <a:xfrm>
+            <a:off x="6096000" y="1600200"/>
+            <a:ext cx="1143000" cy="400110"/>
+          </a:xfrm>
+          <a:prstGeom prst="rect">
+            <a:avLst/>
+          </a:prstGeom>
+          <a:noFill/>
+          <a:ln>
+            <a:solidFill>
+              <a:schemeClr val="tx1"/>
+            </a:solidFill>
+          </a:ln>
+        </p:spPr>
+        <p:txBody>
+          <a:bodyPr wrap="square" rtlCol="0">
+            <a:spAutoFit/>
+          </a:bodyPr>
+          <a:lstStyle/>
+          <a:p>
+            <a:r>
+              <a:rPr lang="en-US" sz="2000" dirty="0" smtClean="0">
+                <a:latin typeface="Comic Sans MS" panose="030F0702030302020204" pitchFamily="66" charset="0"/>
+              </a:rPr>
+              <a:t>counter</a:t>
+            </a:r>
+            <a:endParaRPr lang="en-US" sz="2000" dirty="0">
+              <a:latin typeface="Comic Sans MS" panose="030F0702030302020204" pitchFamily="66" charset="0"/>
+            </a:endParaRPr>
+          </a:p>
+        </p:txBody>
+      </p:sp>
+      <p:sp>
+        <p:nvSpPr>
+          <p:cNvPr id="7" name="Rounded Rectangle 6"/>
+          <p:cNvSpPr/>
+          <p:nvPr/>
+        </p:nvSpPr>
+        <p:spPr>
+          <a:xfrm>
+            <a:off x="457200" y="1524000"/>
+            <a:ext cx="5410200" cy="1676400"/>
+          </a:xfrm>
+          <a:prstGeom prst="roundRect">
+            <a:avLst/>
+          </a:prstGeom>
+          <a:noFill/>
+          <a:ln>
+            <a:solidFill>
+              <a:schemeClr val="tx1"/>
+            </a:solidFill>
+          </a:ln>
+        </p:spPr>
+        <p:style>
+          <a:lnRef idx="2">
+            <a:schemeClr val="accent1">
+              <a:shade val="50000"/>
+            </a:schemeClr>
+          </a:lnRef>
+          <a:fillRef idx="1">
+            <a:schemeClr val="accent1"/>
+          </a:fillRef>
+          <a:effectRef idx="0">
+            <a:schemeClr val="accent1"/>
+          </a:effectRef>
+          <a:fontRef idx="minor">
+            <a:schemeClr val="lt1"/>
+          </a:fontRef>
+        </p:style>
+        <p:txBody>
+          <a:bodyPr rtlCol="0" anchor="ctr"/>
+          <a:lstStyle/>
+          <a:p>
+            <a:pPr algn="ctr"/>
+            <a:endParaRPr lang="en-US"/>
+          </a:p>
+        </p:txBody>
+      </p:sp>
+      <p:sp>
+        <p:nvSpPr>
+          <p:cNvPr id="8" name="TextBox 7"/>
+          <p:cNvSpPr txBox="1"/>
+          <p:nvPr/>
+        </p:nvSpPr>
+        <p:spPr>
+          <a:xfrm>
+            <a:off x="533400" y="4114800"/>
+            <a:ext cx="8229600" cy="646331"/>
+          </a:xfrm>
+          <a:prstGeom prst="rect">
+            <a:avLst/>
+          </a:prstGeom>
+          <a:noFill/>
+          <a:ln>
+            <a:solidFill>
+              <a:schemeClr val="tx1"/>
+            </a:solidFill>
+          </a:ln>
+        </p:spPr>
+        <p:txBody>
+          <a:bodyPr wrap="square" rtlCol="0">
+            <a:spAutoFit/>
+          </a:bodyPr>
+          <a:lstStyle/>
+          <a:p>
+            <a:r>
+              <a:rPr lang="en-US" dirty="0" smtClean="0">
+                <a:latin typeface="Comic Sans MS" panose="030F0702030302020204" pitchFamily="66" charset="0"/>
+              </a:rPr>
+              <a:t>1</a:t>
+            </a:r>
+          </a:p>
+          <a:p>
+            <a:r>
+              <a:rPr lang="en-US" dirty="0">
+                <a:latin typeface="Comic Sans MS" panose="030F0702030302020204" pitchFamily="66" charset="0"/>
+              </a:rPr>
+              <a:t>2</a:t>
+            </a:r>
+            <a:endParaRPr lang="en-US" dirty="0">
+              <a:latin typeface="Comic Sans MS" panose="030F0702030302020204" pitchFamily="66" charset="0"/>
+            </a:endParaRPr>
+          </a:p>
+        </p:txBody>
+      </p:sp>
+      <p:sp>
+        <p:nvSpPr>
+          <p:cNvPr id="9" name="TextBox 8"/>
+          <p:cNvSpPr txBox="1"/>
+          <p:nvPr/>
+        </p:nvSpPr>
+        <p:spPr>
+          <a:xfrm rot="20025759">
+            <a:off x="6248400" y="914400"/>
+            <a:ext cx="1524000" cy="369332"/>
+          </a:xfrm>
+          <a:prstGeom prst="rect">
+            <a:avLst/>
+          </a:prstGeom>
+          <a:solidFill>
+            <a:srgbClr val="FFFF00"/>
+          </a:solidFill>
+          <a:ln>
+            <a:solidFill>
+              <a:schemeClr val="tx1"/>
+            </a:solidFill>
+          </a:ln>
+        </p:spPr>
+        <p:txBody>
+          <a:bodyPr wrap="square" rtlCol="0">
+            <a:spAutoFit/>
+          </a:bodyPr>
+          <a:lstStyle/>
+          <a:p>
+            <a:r>
+              <a:rPr lang="en-US" dirty="0" smtClean="0">
+                <a:latin typeface="Comic Sans MS" panose="030F0702030302020204" pitchFamily="66" charset="0"/>
+              </a:rPr>
+              <a:t>Iteration 3</a:t>
+            </a:r>
+            <a:endParaRPr lang="en-US" dirty="0">
+              <a:latin typeface="Comic Sans MS" panose="030F0702030302020204" pitchFamily="66" charset="0"/>
+            </a:endParaRPr>
+          </a:p>
+        </p:txBody>
+      </p:sp>
+    </p:spTree>
+    <p:extLst>
+      <p:ext uri="{BB962C8B-B14F-4D97-AF65-F5344CB8AC3E}">
+        <p14:creationId xmlns:p14="http://schemas.microsoft.com/office/powerpoint/2010/main" val="2214514760"/>
+      </p:ext>
+    </p:extLst>
+  </p:cSld>
+  <p:clrMapOvr>
+    <a:masterClrMapping/>
+  </p:clrMapOvr>
+  <mc:AlternateContent xmlns:mc="http://schemas.openxmlformats.org/markup-compatibility/2006" xmlns:p14="http://schemas.microsoft.com/office/powerpoint/2010/main">
+    <mc:Choice Requires="p14">
+      <p:transition spd="slow" p14:dur="2000"/>
+    </mc:Choice>
+    <mc:Fallback xmlns="">
+      <p:transition spd="slow"/>
+    </mc:Fallback>
+  </mc:AlternateContent>
+  <p:timing>
+    <p:tnLst>
+      <p:par>
+        <p:cTn id="1" dur="indefinite" restart="never" nodeType="tmRoot"/>
+      </p:par>
+    </p:tnLst>
+  </p:timing>
+</p:sld>
+</file>
+
+<file path=ppt/slides/slide57.xml><?xml version="1.0" encoding="utf-8"?>
+<p:sld xmlns:a="http://schemas.openxmlformats.org/drawingml/2006/main" xmlns:r="http://schemas.openxmlformats.org/officeDocument/2006/relationships" xmlns:p="http://schemas.openxmlformats.org/presentationml/2006/main">
+  <p:cSld>
+    <p:spTree>
+      <p:nvGrpSpPr>
+        <p:cNvPr id="1" name=""/>
+        <p:cNvGrpSpPr/>
+        <p:nvPr/>
+      </p:nvGrpSpPr>
+      <p:grpSpPr>
+        <a:xfrm>
+          <a:off x="0" y="0"/>
+          <a:ext cx="0" cy="0"/>
+          <a:chOff x="0" y="0"/>
+          <a:chExt cx="0" cy="0"/>
+        </a:xfrm>
+      </p:grpSpPr>
+      <p:sp>
+        <p:nvSpPr>
+          <p:cNvPr id="3" name="Content Placeholder 2"/>
+          <p:cNvSpPr>
+            <a:spLocks noGrp="1"/>
+          </p:cNvSpPr>
+          <p:nvPr>
+            <p:ph idx="1"/>
+          </p:nvPr>
+        </p:nvSpPr>
+        <p:spPr>
+          <a:xfrm>
+            <a:off x="457200" y="1600201"/>
+            <a:ext cx="5257800" cy="1904999"/>
+          </a:xfrm>
+        </p:spPr>
+        <p:txBody>
+          <a:bodyPr>
+            <a:normAutofit/>
+          </a:bodyPr>
+          <a:lstStyle/>
+          <a:p>
+            <a:pPr>
+              <a:buNone/>
+            </a:pPr>
+            <a:r>
+              <a:rPr lang="en-US" sz="2000" dirty="0" smtClean="0">
+                <a:latin typeface="Comic Sans MS" pitchFamily="66" charset="0"/>
+              </a:rPr>
+              <a:t>for </a:t>
+            </a:r>
+            <a:r>
+              <a:rPr lang="en-US" sz="2000" dirty="0" smtClean="0">
+                <a:solidFill>
+                  <a:srgbClr val="FF0000"/>
+                </a:solidFill>
+                <a:latin typeface="Comic Sans MS" pitchFamily="66" charset="0"/>
+              </a:rPr>
+              <a:t>(</a:t>
+            </a:r>
+            <a:r>
+              <a:rPr lang="en-US" sz="2000" dirty="0">
+                <a:latin typeface="Comic Sans MS" pitchFamily="66" charset="0"/>
+              </a:rPr>
+              <a:t>counter </a:t>
+            </a:r>
+            <a:r>
+              <a:rPr lang="en-US" sz="2000" dirty="0">
+                <a:solidFill>
+                  <a:srgbClr val="FF0000"/>
+                </a:solidFill>
+                <a:latin typeface="Comic Sans MS" pitchFamily="66" charset="0"/>
+              </a:rPr>
+              <a:t>=</a:t>
+            </a:r>
+            <a:r>
+              <a:rPr lang="en-US" sz="2000" dirty="0">
+                <a:latin typeface="Comic Sans MS" pitchFamily="66" charset="0"/>
+              </a:rPr>
+              <a:t> 1 </a:t>
+            </a:r>
+            <a:r>
+              <a:rPr lang="en-US" sz="2000" dirty="0" smtClean="0">
+                <a:latin typeface="Comic Sans MS" pitchFamily="66" charset="0"/>
+              </a:rPr>
+              <a:t>; counter </a:t>
+            </a:r>
+            <a:r>
+              <a:rPr lang="en-US" sz="2000" dirty="0" smtClean="0">
+                <a:solidFill>
+                  <a:srgbClr val="FF0000"/>
+                </a:solidFill>
+                <a:latin typeface="Comic Sans MS" pitchFamily="66" charset="0"/>
+              </a:rPr>
+              <a:t>&lt;=</a:t>
+            </a:r>
+            <a:r>
+              <a:rPr lang="en-US" sz="2000" dirty="0" smtClean="0">
+                <a:latin typeface="Comic Sans MS" pitchFamily="66" charset="0"/>
+              </a:rPr>
+              <a:t> </a:t>
+            </a:r>
+            <a:r>
+              <a:rPr lang="en-US" sz="2000" dirty="0" smtClean="0">
+                <a:latin typeface="Comic Sans MS" pitchFamily="66" charset="0"/>
+              </a:rPr>
+              <a:t>5; </a:t>
+            </a:r>
+            <a:r>
+              <a:rPr lang="en-US" sz="2000" dirty="0" smtClean="0">
+                <a:latin typeface="Comic Sans MS" pitchFamily="66" charset="0"/>
+              </a:rPr>
+              <a:t>counter</a:t>
+            </a:r>
+            <a:r>
+              <a:rPr lang="en-US" sz="2000" dirty="0" smtClean="0">
+                <a:latin typeface="Comic Sans MS" pitchFamily="66" charset="0"/>
+              </a:rPr>
+              <a:t>++</a:t>
+            </a:r>
+            <a:r>
+              <a:rPr lang="en-US" sz="2000" dirty="0" smtClean="0">
+                <a:solidFill>
+                  <a:srgbClr val="FF0000"/>
+                </a:solidFill>
+                <a:latin typeface="Comic Sans MS" pitchFamily="66" charset="0"/>
+              </a:rPr>
+              <a:t>)</a:t>
+            </a:r>
+            <a:endParaRPr lang="en-US" sz="2000" dirty="0">
+              <a:latin typeface="Comic Sans MS" pitchFamily="66" charset="0"/>
+            </a:endParaRPr>
+          </a:p>
+          <a:p>
+            <a:pPr>
+              <a:buNone/>
+            </a:pPr>
+            <a:r>
+              <a:rPr lang="en-US" sz="2000" dirty="0" smtClean="0">
+                <a:solidFill>
+                  <a:srgbClr val="00B0F0"/>
+                </a:solidFill>
+                <a:latin typeface="Comic Sans MS" pitchFamily="66" charset="0"/>
+              </a:rPr>
+              <a:t>{</a:t>
+            </a:r>
+            <a:r>
+              <a:rPr lang="en-US" sz="2000" dirty="0" smtClean="0">
+                <a:latin typeface="Comic Sans MS" pitchFamily="66" charset="0"/>
+              </a:rPr>
+              <a:t> </a:t>
+            </a:r>
+            <a:endParaRPr lang="en-US" sz="2000" dirty="0" smtClean="0">
+              <a:latin typeface="Comic Sans MS" pitchFamily="66" charset="0"/>
+            </a:endParaRPr>
+          </a:p>
+          <a:p>
+            <a:pPr>
+              <a:buNone/>
+            </a:pPr>
+            <a:r>
+              <a:rPr lang="en-US" sz="2000" dirty="0" smtClean="0">
+                <a:latin typeface="Comic Sans MS" pitchFamily="66" charset="0"/>
+              </a:rPr>
+              <a:t>    printf(</a:t>
+            </a:r>
+            <a:r>
+              <a:rPr lang="en-US" sz="2000" dirty="0" smtClean="0">
+                <a:solidFill>
+                  <a:srgbClr val="00B0F0"/>
+                </a:solidFill>
+                <a:latin typeface="Comic Sans MS" pitchFamily="66" charset="0"/>
+              </a:rPr>
+              <a:t>“%d“</a:t>
+            </a:r>
+            <a:r>
+              <a:rPr lang="en-US" sz="2000" dirty="0" smtClean="0">
+                <a:latin typeface="Comic Sans MS" pitchFamily="66" charset="0"/>
+              </a:rPr>
+              <a:t>, </a:t>
+            </a:r>
+            <a:r>
+              <a:rPr lang="en-US" sz="2000" dirty="0">
+                <a:latin typeface="Comic Sans MS" pitchFamily="66" charset="0"/>
+              </a:rPr>
+              <a:t>counter </a:t>
+            </a:r>
+            <a:r>
+              <a:rPr lang="en-US" sz="2000" dirty="0" smtClean="0">
+                <a:latin typeface="Comic Sans MS" pitchFamily="66" charset="0"/>
+              </a:rPr>
+              <a:t>); </a:t>
+            </a:r>
+            <a:endParaRPr lang="en-US" sz="2000" dirty="0">
+              <a:latin typeface="Comic Sans MS" pitchFamily="66" charset="0"/>
+            </a:endParaRPr>
+          </a:p>
+          <a:p>
+            <a:pPr>
+              <a:buNone/>
+            </a:pPr>
+            <a:r>
+              <a:rPr lang="en-US" sz="2000" dirty="0" smtClean="0">
+                <a:solidFill>
+                  <a:srgbClr val="00B0F0"/>
+                </a:solidFill>
+                <a:latin typeface="Comic Sans MS" pitchFamily="66" charset="0"/>
+              </a:rPr>
+              <a:t>}</a:t>
+            </a:r>
+          </a:p>
+          <a:p>
+            <a:pPr>
+              <a:buNone/>
+            </a:pPr>
+            <a:endParaRPr lang="en-US" sz="2800" dirty="0">
+              <a:solidFill>
+                <a:srgbClr val="00B0F0"/>
+              </a:solidFill>
+              <a:latin typeface="Comic Sans MS" pitchFamily="66" charset="0"/>
+            </a:endParaRPr>
+          </a:p>
+          <a:p>
+            <a:pPr>
+              <a:buNone/>
+            </a:pPr>
+            <a:endParaRPr lang="en-US" sz="2800" dirty="0">
+              <a:solidFill>
+                <a:srgbClr val="00B0F0"/>
+              </a:solidFill>
+              <a:latin typeface="Comic Sans MS" pitchFamily="66" charset="0"/>
+            </a:endParaRPr>
+          </a:p>
+        </p:txBody>
+      </p:sp>
+      <p:sp>
+        <p:nvSpPr>
+          <p:cNvPr id="11" name="Title 1"/>
+          <p:cNvSpPr txBox="1">
+            <a:spLocks/>
+          </p:cNvSpPr>
+          <p:nvPr/>
+        </p:nvSpPr>
+        <p:spPr>
+          <a:xfrm>
+            <a:off x="-11374" y="-28433"/>
+            <a:ext cx="9155373" cy="715962"/>
+          </a:xfrm>
+          <a:prstGeom prst="rect">
+            <a:avLst/>
+          </a:prstGeom>
+          <a:solidFill>
+            <a:srgbClr val="00B0F0"/>
+          </a:solidFill>
+        </p:spPr>
+        <p:txBody>
+          <a:bodyPr vert="horz" lIns="91440" tIns="45720" rIns="91440" bIns="45720" rtlCol="0" anchor="ctr">
+            <a:normAutofit/>
+          </a:bodyPr>
+          <a:lstStyle>
+            <a:lvl1pPr algn="ctr" defTabSz="914400" rtl="0" eaLnBrk="1" latinLnBrk="0" hangingPunct="1">
+              <a:spcBef>
+                <a:spcPct val="0"/>
+              </a:spcBef>
+              <a:buNone/>
+              <a:defRPr sz="4400" kern="1200">
+                <a:solidFill>
+                  <a:schemeClr val="tx1"/>
+                </a:solidFill>
+                <a:latin typeface="+mj-lt"/>
+                <a:ea typeface="+mj-ea"/>
+                <a:cs typeface="+mj-cs"/>
+              </a:defRPr>
+            </a:lvl1pPr>
+          </a:lstStyle>
+          <a:p>
+            <a:r>
+              <a:rPr lang="en-US" sz="4000" dirty="0">
+                <a:latin typeface="Comic Sans MS" pitchFamily="66" charset="0"/>
+              </a:rPr>
+              <a:t>f</a:t>
+            </a:r>
+            <a:r>
+              <a:rPr lang="en-US" sz="4000" dirty="0" smtClean="0">
+                <a:latin typeface="Comic Sans MS" pitchFamily="66" charset="0"/>
+              </a:rPr>
+              <a:t>or statements</a:t>
+            </a:r>
+            <a:endParaRPr lang="en-US" sz="4000" dirty="0">
+              <a:latin typeface="Comic Sans MS" pitchFamily="66" charset="0"/>
+            </a:endParaRPr>
+          </a:p>
+        </p:txBody>
+      </p:sp>
+      <p:sp>
+        <p:nvSpPr>
+          <p:cNvPr id="12" name="Rounded Rectangle 11"/>
+          <p:cNvSpPr/>
+          <p:nvPr/>
+        </p:nvSpPr>
+        <p:spPr>
+          <a:xfrm>
+            <a:off x="762000" y="2362200"/>
+            <a:ext cx="2971800" cy="381000"/>
+          </a:xfrm>
+          <a:prstGeom prst="roundRect">
+            <a:avLst/>
+          </a:prstGeom>
+          <a:noFill/>
+          <a:ln>
+            <a:solidFill>
+              <a:srgbClr val="FF0000"/>
+            </a:solidFill>
+          </a:ln>
+        </p:spPr>
+        <p:style>
+          <a:lnRef idx="2">
+            <a:schemeClr val="accent1">
+              <a:shade val="50000"/>
+            </a:schemeClr>
+          </a:lnRef>
+          <a:fillRef idx="1">
+            <a:schemeClr val="accent1"/>
+          </a:fillRef>
+          <a:effectRef idx="0">
+            <a:schemeClr val="accent1"/>
+          </a:effectRef>
+          <a:fontRef idx="minor">
+            <a:schemeClr val="lt1"/>
+          </a:fontRef>
+        </p:style>
+        <p:txBody>
+          <a:bodyPr rtlCol="0" anchor="ctr"/>
+          <a:lstStyle/>
+          <a:p>
+            <a:pPr algn="ctr"/>
+            <a:endParaRPr lang="en-US"/>
+          </a:p>
+        </p:txBody>
+      </p:sp>
+      <p:sp>
+        <p:nvSpPr>
+          <p:cNvPr id="13" name="TextBox 12"/>
+          <p:cNvSpPr txBox="1"/>
+          <p:nvPr/>
+        </p:nvSpPr>
+        <p:spPr>
+          <a:xfrm>
+            <a:off x="7467600" y="1600200"/>
+            <a:ext cx="609600" cy="400110"/>
+          </a:xfrm>
+          <a:prstGeom prst="rect">
+            <a:avLst/>
+          </a:prstGeom>
+          <a:noFill/>
+          <a:ln>
+            <a:solidFill>
+              <a:schemeClr val="tx1"/>
+            </a:solidFill>
+          </a:ln>
+        </p:spPr>
+        <p:txBody>
+          <a:bodyPr wrap="square" rtlCol="0">
+            <a:spAutoFit/>
+          </a:bodyPr>
+          <a:lstStyle/>
+          <a:p>
+            <a:r>
+              <a:rPr lang="en-US" sz="2000" dirty="0">
+                <a:latin typeface="Comic Sans MS" panose="030F0702030302020204" pitchFamily="66" charset="0"/>
+              </a:rPr>
+              <a:t>3</a:t>
+            </a:r>
+            <a:endParaRPr lang="en-US" sz="2000" dirty="0">
+              <a:latin typeface="Comic Sans MS" panose="030F0702030302020204" pitchFamily="66" charset="0"/>
+            </a:endParaRPr>
+          </a:p>
+        </p:txBody>
+      </p:sp>
+      <p:sp>
+        <p:nvSpPr>
+          <p:cNvPr id="14" name="TextBox 13"/>
+          <p:cNvSpPr txBox="1"/>
+          <p:nvPr/>
+        </p:nvSpPr>
+        <p:spPr>
+          <a:xfrm>
+            <a:off x="6096000" y="1600200"/>
+            <a:ext cx="1143000" cy="400110"/>
+          </a:xfrm>
+          <a:prstGeom prst="rect">
+            <a:avLst/>
+          </a:prstGeom>
+          <a:noFill/>
+          <a:ln>
+            <a:solidFill>
+              <a:schemeClr val="tx1"/>
+            </a:solidFill>
+          </a:ln>
+        </p:spPr>
+        <p:txBody>
+          <a:bodyPr wrap="square" rtlCol="0">
+            <a:spAutoFit/>
+          </a:bodyPr>
+          <a:lstStyle/>
+          <a:p>
+            <a:r>
+              <a:rPr lang="en-US" sz="2000" dirty="0" smtClean="0">
+                <a:latin typeface="Comic Sans MS" panose="030F0702030302020204" pitchFamily="66" charset="0"/>
+              </a:rPr>
+              <a:t>counter</a:t>
+            </a:r>
+            <a:endParaRPr lang="en-US" sz="2000" dirty="0">
+              <a:latin typeface="Comic Sans MS" panose="030F0702030302020204" pitchFamily="66" charset="0"/>
+            </a:endParaRPr>
+          </a:p>
+        </p:txBody>
+      </p:sp>
+      <p:sp>
+        <p:nvSpPr>
+          <p:cNvPr id="7" name="Rounded Rectangle 6"/>
+          <p:cNvSpPr/>
+          <p:nvPr/>
+        </p:nvSpPr>
+        <p:spPr>
+          <a:xfrm>
+            <a:off x="457200" y="1524000"/>
+            <a:ext cx="5410200" cy="1676400"/>
+          </a:xfrm>
+          <a:prstGeom prst="roundRect">
+            <a:avLst/>
+          </a:prstGeom>
+          <a:noFill/>
+          <a:ln>
+            <a:solidFill>
+              <a:schemeClr val="tx1"/>
+            </a:solidFill>
+          </a:ln>
+        </p:spPr>
+        <p:style>
+          <a:lnRef idx="2">
+            <a:schemeClr val="accent1">
+              <a:shade val="50000"/>
+            </a:schemeClr>
+          </a:lnRef>
+          <a:fillRef idx="1">
+            <a:schemeClr val="accent1"/>
+          </a:fillRef>
+          <a:effectRef idx="0">
+            <a:schemeClr val="accent1"/>
+          </a:effectRef>
+          <a:fontRef idx="minor">
+            <a:schemeClr val="lt1"/>
+          </a:fontRef>
+        </p:style>
+        <p:txBody>
+          <a:bodyPr rtlCol="0" anchor="ctr"/>
+          <a:lstStyle/>
+          <a:p>
+            <a:pPr algn="ctr"/>
+            <a:endParaRPr lang="en-US"/>
+          </a:p>
+        </p:txBody>
+      </p:sp>
+      <p:sp>
+        <p:nvSpPr>
+          <p:cNvPr id="8" name="TextBox 7"/>
+          <p:cNvSpPr txBox="1"/>
+          <p:nvPr/>
+        </p:nvSpPr>
+        <p:spPr>
+          <a:xfrm>
+            <a:off x="533400" y="4114800"/>
+            <a:ext cx="8229600" cy="923330"/>
+          </a:xfrm>
+          <a:prstGeom prst="rect">
+            <a:avLst/>
+          </a:prstGeom>
+          <a:noFill/>
+          <a:ln>
+            <a:solidFill>
+              <a:schemeClr val="tx1"/>
+            </a:solidFill>
+          </a:ln>
+        </p:spPr>
+        <p:txBody>
+          <a:bodyPr wrap="square" rtlCol="0">
+            <a:spAutoFit/>
+          </a:bodyPr>
+          <a:lstStyle/>
+          <a:p>
+            <a:r>
+              <a:rPr lang="en-US" dirty="0" smtClean="0">
+                <a:latin typeface="Comic Sans MS" panose="030F0702030302020204" pitchFamily="66" charset="0"/>
+              </a:rPr>
+              <a:t>1</a:t>
+            </a:r>
+          </a:p>
+          <a:p>
+            <a:r>
+              <a:rPr lang="en-US" dirty="0" smtClean="0">
+                <a:latin typeface="Comic Sans MS" panose="030F0702030302020204" pitchFamily="66" charset="0"/>
+              </a:rPr>
+              <a:t>2</a:t>
+            </a:r>
+          </a:p>
+          <a:p>
+            <a:r>
+              <a:rPr lang="en-US" dirty="0">
+                <a:latin typeface="Comic Sans MS" panose="030F0702030302020204" pitchFamily="66" charset="0"/>
+              </a:rPr>
+              <a:t>3</a:t>
+            </a:r>
+            <a:endParaRPr lang="en-US" dirty="0">
+              <a:latin typeface="Comic Sans MS" panose="030F0702030302020204" pitchFamily="66" charset="0"/>
+            </a:endParaRPr>
+          </a:p>
+        </p:txBody>
+      </p:sp>
+      <p:sp>
+        <p:nvSpPr>
+          <p:cNvPr id="9" name="TextBox 8"/>
+          <p:cNvSpPr txBox="1"/>
+          <p:nvPr/>
+        </p:nvSpPr>
+        <p:spPr>
+          <a:xfrm rot="20025759">
+            <a:off x="6248400" y="914400"/>
+            <a:ext cx="1524000" cy="369332"/>
+          </a:xfrm>
+          <a:prstGeom prst="rect">
+            <a:avLst/>
+          </a:prstGeom>
+          <a:solidFill>
+            <a:srgbClr val="FFFF00"/>
+          </a:solidFill>
+          <a:ln>
+            <a:solidFill>
+              <a:schemeClr val="tx1"/>
+            </a:solidFill>
+          </a:ln>
+        </p:spPr>
+        <p:txBody>
+          <a:bodyPr wrap="square" rtlCol="0">
+            <a:spAutoFit/>
+          </a:bodyPr>
+          <a:lstStyle/>
+          <a:p>
+            <a:r>
+              <a:rPr lang="en-US" dirty="0" smtClean="0">
+                <a:latin typeface="Comic Sans MS" panose="030F0702030302020204" pitchFamily="66" charset="0"/>
+              </a:rPr>
+              <a:t>Iteration 3</a:t>
+            </a:r>
+            <a:endParaRPr lang="en-US" dirty="0">
+              <a:latin typeface="Comic Sans MS" panose="030F0702030302020204" pitchFamily="66" charset="0"/>
+            </a:endParaRPr>
+          </a:p>
+        </p:txBody>
+      </p:sp>
+    </p:spTree>
+    <p:extLst>
+      <p:ext uri="{BB962C8B-B14F-4D97-AF65-F5344CB8AC3E}">
+        <p14:creationId xmlns:p14="http://schemas.microsoft.com/office/powerpoint/2010/main" val="3043582530"/>
+      </p:ext>
+    </p:extLst>
+  </p:cSld>
+  <p:clrMapOvr>
+    <a:masterClrMapping/>
+  </p:clrMapOvr>
+  <mc:AlternateContent xmlns:mc="http://schemas.openxmlformats.org/markup-compatibility/2006" xmlns:p14="http://schemas.microsoft.com/office/powerpoint/2010/main">
+    <mc:Choice Requires="p14">
+      <p:transition spd="slow" p14:dur="2000"/>
+    </mc:Choice>
+    <mc:Fallback xmlns="">
+      <p:transition spd="slow"/>
+    </mc:Fallback>
+  </mc:AlternateContent>
+  <p:timing>
+    <p:tnLst>
+      <p:par>
+        <p:cTn id="1" dur="indefinite" restart="never" nodeType="tmRoot"/>
+      </p:par>
+    </p:tnLst>
+  </p:timing>
+</p:sld>
+</file>
+
+<file path=ppt/slides/slide58.xml><?xml version="1.0" encoding="utf-8"?>
+<p:sld xmlns:a="http://schemas.openxmlformats.org/drawingml/2006/main" xmlns:r="http://schemas.openxmlformats.org/officeDocument/2006/relationships" xmlns:p="http://schemas.openxmlformats.org/presentationml/2006/main">
+  <p:cSld>
+    <p:spTree>
+      <p:nvGrpSpPr>
+        <p:cNvPr id="1" name=""/>
+        <p:cNvGrpSpPr/>
+        <p:nvPr/>
+      </p:nvGrpSpPr>
+      <p:grpSpPr>
+        <a:xfrm>
+          <a:off x="0" y="0"/>
+          <a:ext cx="0" cy="0"/>
+          <a:chOff x="0" y="0"/>
+          <a:chExt cx="0" cy="0"/>
+        </a:xfrm>
+      </p:grpSpPr>
+      <p:sp>
+        <p:nvSpPr>
+          <p:cNvPr id="3" name="Content Placeholder 2"/>
+          <p:cNvSpPr>
+            <a:spLocks noGrp="1"/>
+          </p:cNvSpPr>
+          <p:nvPr>
+            <p:ph idx="1"/>
+          </p:nvPr>
+        </p:nvSpPr>
+        <p:spPr>
+          <a:xfrm>
+            <a:off x="457200" y="1600201"/>
+            <a:ext cx="5257800" cy="1904999"/>
+          </a:xfrm>
+        </p:spPr>
+        <p:txBody>
+          <a:bodyPr>
+            <a:normAutofit/>
+          </a:bodyPr>
+          <a:lstStyle/>
+          <a:p>
+            <a:pPr>
+              <a:buNone/>
+            </a:pPr>
+            <a:r>
+              <a:rPr lang="en-US" sz="2000" dirty="0" smtClean="0">
+                <a:latin typeface="Comic Sans MS" pitchFamily="66" charset="0"/>
+              </a:rPr>
+              <a:t>for </a:t>
+            </a:r>
+            <a:r>
+              <a:rPr lang="en-US" sz="2000" dirty="0" smtClean="0">
+                <a:solidFill>
+                  <a:srgbClr val="FF0000"/>
+                </a:solidFill>
+                <a:latin typeface="Comic Sans MS" pitchFamily="66" charset="0"/>
+              </a:rPr>
+              <a:t>(</a:t>
+            </a:r>
+            <a:r>
+              <a:rPr lang="en-US" sz="2000" dirty="0">
+                <a:latin typeface="Comic Sans MS" pitchFamily="66" charset="0"/>
+              </a:rPr>
+              <a:t>counter </a:t>
+            </a:r>
+            <a:r>
+              <a:rPr lang="en-US" sz="2000" dirty="0">
+                <a:solidFill>
+                  <a:srgbClr val="FF0000"/>
+                </a:solidFill>
+                <a:latin typeface="Comic Sans MS" pitchFamily="66" charset="0"/>
+              </a:rPr>
+              <a:t>=</a:t>
+            </a:r>
+            <a:r>
+              <a:rPr lang="en-US" sz="2000" dirty="0">
+                <a:latin typeface="Comic Sans MS" pitchFamily="66" charset="0"/>
+              </a:rPr>
+              <a:t> 1 </a:t>
+            </a:r>
+            <a:r>
+              <a:rPr lang="en-US" sz="2000" dirty="0" smtClean="0">
+                <a:latin typeface="Comic Sans MS" pitchFamily="66" charset="0"/>
+              </a:rPr>
+              <a:t>; counter </a:t>
+            </a:r>
+            <a:r>
+              <a:rPr lang="en-US" sz="2000" dirty="0" smtClean="0">
+                <a:solidFill>
+                  <a:srgbClr val="FF0000"/>
+                </a:solidFill>
+                <a:latin typeface="Comic Sans MS" pitchFamily="66" charset="0"/>
+              </a:rPr>
+              <a:t>&lt;=</a:t>
+            </a:r>
+            <a:r>
+              <a:rPr lang="en-US" sz="2000" dirty="0" smtClean="0">
+                <a:latin typeface="Comic Sans MS" pitchFamily="66" charset="0"/>
+              </a:rPr>
+              <a:t> </a:t>
+            </a:r>
+            <a:r>
+              <a:rPr lang="en-US" sz="2000" dirty="0" smtClean="0">
+                <a:latin typeface="Comic Sans MS" pitchFamily="66" charset="0"/>
+              </a:rPr>
+              <a:t>5; </a:t>
+            </a:r>
+            <a:r>
+              <a:rPr lang="en-US" sz="2000" dirty="0" smtClean="0">
+                <a:latin typeface="Comic Sans MS" pitchFamily="66" charset="0"/>
+              </a:rPr>
+              <a:t>counter</a:t>
+            </a:r>
+            <a:r>
+              <a:rPr lang="en-US" sz="2000" dirty="0" smtClean="0">
+                <a:latin typeface="Comic Sans MS" pitchFamily="66" charset="0"/>
+              </a:rPr>
+              <a:t>++</a:t>
+            </a:r>
+            <a:r>
+              <a:rPr lang="en-US" sz="2000" dirty="0" smtClean="0">
+                <a:solidFill>
+                  <a:srgbClr val="FF0000"/>
+                </a:solidFill>
+                <a:latin typeface="Comic Sans MS" pitchFamily="66" charset="0"/>
+              </a:rPr>
+              <a:t>)</a:t>
+            </a:r>
+            <a:endParaRPr lang="en-US" sz="2000" dirty="0">
+              <a:latin typeface="Comic Sans MS" pitchFamily="66" charset="0"/>
+            </a:endParaRPr>
+          </a:p>
+          <a:p>
+            <a:pPr>
+              <a:buNone/>
+            </a:pPr>
+            <a:r>
+              <a:rPr lang="en-US" sz="2000" dirty="0" smtClean="0">
+                <a:solidFill>
+                  <a:srgbClr val="00B0F0"/>
+                </a:solidFill>
+                <a:latin typeface="Comic Sans MS" pitchFamily="66" charset="0"/>
+              </a:rPr>
+              <a:t>{</a:t>
+            </a:r>
+            <a:r>
+              <a:rPr lang="en-US" sz="2000" dirty="0" smtClean="0">
+                <a:latin typeface="Comic Sans MS" pitchFamily="66" charset="0"/>
+              </a:rPr>
+              <a:t> </a:t>
+            </a:r>
+            <a:endParaRPr lang="en-US" sz="2000" dirty="0" smtClean="0">
+              <a:latin typeface="Comic Sans MS" pitchFamily="66" charset="0"/>
+            </a:endParaRPr>
+          </a:p>
+          <a:p>
+            <a:pPr>
+              <a:buNone/>
+            </a:pPr>
+            <a:r>
+              <a:rPr lang="en-US" sz="2000" dirty="0" smtClean="0">
+                <a:latin typeface="Comic Sans MS" pitchFamily="66" charset="0"/>
+              </a:rPr>
+              <a:t>    printf(</a:t>
+            </a:r>
+            <a:r>
+              <a:rPr lang="en-US" sz="2000" dirty="0" smtClean="0">
+                <a:solidFill>
+                  <a:srgbClr val="00B0F0"/>
+                </a:solidFill>
+                <a:latin typeface="Comic Sans MS" pitchFamily="66" charset="0"/>
+              </a:rPr>
+              <a:t>“%d“</a:t>
+            </a:r>
+            <a:r>
+              <a:rPr lang="en-US" sz="2000" dirty="0" smtClean="0">
+                <a:latin typeface="Comic Sans MS" pitchFamily="66" charset="0"/>
+              </a:rPr>
+              <a:t>, </a:t>
+            </a:r>
+            <a:r>
+              <a:rPr lang="en-US" sz="2000" dirty="0">
+                <a:latin typeface="Comic Sans MS" pitchFamily="66" charset="0"/>
+              </a:rPr>
+              <a:t>counter </a:t>
+            </a:r>
+            <a:r>
+              <a:rPr lang="en-US" sz="2000" dirty="0" smtClean="0">
+                <a:latin typeface="Comic Sans MS" pitchFamily="66" charset="0"/>
+              </a:rPr>
+              <a:t>); </a:t>
+            </a:r>
+            <a:endParaRPr lang="en-US" sz="2000" dirty="0">
+              <a:latin typeface="Comic Sans MS" pitchFamily="66" charset="0"/>
+            </a:endParaRPr>
+          </a:p>
+          <a:p>
+            <a:pPr>
+              <a:buNone/>
+            </a:pPr>
+            <a:r>
+              <a:rPr lang="en-US" sz="2000" dirty="0" smtClean="0">
+                <a:solidFill>
+                  <a:srgbClr val="00B0F0"/>
+                </a:solidFill>
+                <a:latin typeface="Comic Sans MS" pitchFamily="66" charset="0"/>
+              </a:rPr>
+              <a:t>}</a:t>
+            </a:r>
+          </a:p>
+          <a:p>
+            <a:pPr>
+              <a:buNone/>
+            </a:pPr>
+            <a:endParaRPr lang="en-US" sz="2800" dirty="0">
+              <a:solidFill>
+                <a:srgbClr val="00B0F0"/>
+              </a:solidFill>
+              <a:latin typeface="Comic Sans MS" pitchFamily="66" charset="0"/>
+            </a:endParaRPr>
+          </a:p>
+          <a:p>
+            <a:pPr>
+              <a:buNone/>
+            </a:pPr>
+            <a:endParaRPr lang="en-US" sz="2800" dirty="0">
+              <a:solidFill>
+                <a:srgbClr val="00B0F0"/>
+              </a:solidFill>
+              <a:latin typeface="Comic Sans MS" pitchFamily="66" charset="0"/>
+            </a:endParaRPr>
+          </a:p>
+        </p:txBody>
+      </p:sp>
+      <p:sp>
+        <p:nvSpPr>
+          <p:cNvPr id="11" name="Title 1"/>
+          <p:cNvSpPr txBox="1">
+            <a:spLocks/>
+          </p:cNvSpPr>
+          <p:nvPr/>
+        </p:nvSpPr>
+        <p:spPr>
+          <a:xfrm>
+            <a:off x="-11374" y="-28433"/>
+            <a:ext cx="9155373" cy="715962"/>
+          </a:xfrm>
+          <a:prstGeom prst="rect">
+            <a:avLst/>
+          </a:prstGeom>
+          <a:solidFill>
+            <a:srgbClr val="00B0F0"/>
+          </a:solidFill>
+        </p:spPr>
+        <p:txBody>
+          <a:bodyPr vert="horz" lIns="91440" tIns="45720" rIns="91440" bIns="45720" rtlCol="0" anchor="ctr">
+            <a:normAutofit/>
+          </a:bodyPr>
+          <a:lstStyle>
+            <a:lvl1pPr algn="ctr" defTabSz="914400" rtl="0" eaLnBrk="1" latinLnBrk="0" hangingPunct="1">
+              <a:spcBef>
+                <a:spcPct val="0"/>
+              </a:spcBef>
+              <a:buNone/>
+              <a:defRPr sz="4400" kern="1200">
+                <a:solidFill>
+                  <a:schemeClr val="tx1"/>
+                </a:solidFill>
+                <a:latin typeface="+mj-lt"/>
+                <a:ea typeface="+mj-ea"/>
+                <a:cs typeface="+mj-cs"/>
+              </a:defRPr>
+            </a:lvl1pPr>
+          </a:lstStyle>
+          <a:p>
+            <a:r>
+              <a:rPr lang="en-US" sz="4000" dirty="0">
+                <a:latin typeface="Comic Sans MS" pitchFamily="66" charset="0"/>
+              </a:rPr>
+              <a:t>f</a:t>
+            </a:r>
+            <a:r>
+              <a:rPr lang="en-US" sz="4000" dirty="0" smtClean="0">
+                <a:latin typeface="Comic Sans MS" pitchFamily="66" charset="0"/>
+              </a:rPr>
+              <a:t>or statements</a:t>
+            </a:r>
+            <a:endParaRPr lang="en-US" sz="4000" dirty="0">
+              <a:latin typeface="Comic Sans MS" pitchFamily="66" charset="0"/>
+            </a:endParaRPr>
+          </a:p>
+        </p:txBody>
+      </p:sp>
+      <p:sp>
+        <p:nvSpPr>
+          <p:cNvPr id="12" name="Rounded Rectangle 11"/>
+          <p:cNvSpPr/>
+          <p:nvPr/>
+        </p:nvSpPr>
+        <p:spPr>
+          <a:xfrm>
+            <a:off x="4114800" y="1600200"/>
+            <a:ext cx="1524000" cy="381000"/>
+          </a:xfrm>
+          <a:prstGeom prst="roundRect">
+            <a:avLst/>
+          </a:prstGeom>
+          <a:noFill/>
+          <a:ln>
+            <a:solidFill>
+              <a:srgbClr val="FF0000"/>
+            </a:solidFill>
+          </a:ln>
+        </p:spPr>
+        <p:style>
+          <a:lnRef idx="2">
+            <a:schemeClr val="accent1">
+              <a:shade val="50000"/>
+            </a:schemeClr>
+          </a:lnRef>
+          <a:fillRef idx="1">
+            <a:schemeClr val="accent1"/>
+          </a:fillRef>
+          <a:effectRef idx="0">
+            <a:schemeClr val="accent1"/>
+          </a:effectRef>
+          <a:fontRef idx="minor">
+            <a:schemeClr val="lt1"/>
+          </a:fontRef>
+        </p:style>
+        <p:txBody>
+          <a:bodyPr rtlCol="0" anchor="ctr"/>
+          <a:lstStyle/>
+          <a:p>
+            <a:pPr algn="ctr"/>
+            <a:endParaRPr lang="en-US"/>
+          </a:p>
+        </p:txBody>
+      </p:sp>
+      <p:sp>
+        <p:nvSpPr>
+          <p:cNvPr id="13" name="TextBox 12"/>
+          <p:cNvSpPr txBox="1"/>
+          <p:nvPr/>
+        </p:nvSpPr>
+        <p:spPr>
+          <a:xfrm>
+            <a:off x="7467600" y="1600200"/>
+            <a:ext cx="609600" cy="400110"/>
+          </a:xfrm>
+          <a:prstGeom prst="rect">
+            <a:avLst/>
+          </a:prstGeom>
+          <a:noFill/>
+          <a:ln>
+            <a:solidFill>
+              <a:schemeClr val="tx1"/>
+            </a:solidFill>
+          </a:ln>
+        </p:spPr>
+        <p:txBody>
+          <a:bodyPr wrap="square" rtlCol="0">
+            <a:spAutoFit/>
+          </a:bodyPr>
+          <a:lstStyle/>
+          <a:p>
+            <a:r>
+              <a:rPr lang="en-US" sz="2000" dirty="0">
+                <a:latin typeface="Comic Sans MS" panose="030F0702030302020204" pitchFamily="66" charset="0"/>
+              </a:rPr>
+              <a:t>3</a:t>
+            </a:r>
+            <a:endParaRPr lang="en-US" sz="2000" dirty="0">
+              <a:latin typeface="Comic Sans MS" panose="030F0702030302020204" pitchFamily="66" charset="0"/>
+            </a:endParaRPr>
+          </a:p>
+        </p:txBody>
+      </p:sp>
+      <p:sp>
+        <p:nvSpPr>
+          <p:cNvPr id="14" name="TextBox 13"/>
+          <p:cNvSpPr txBox="1"/>
+          <p:nvPr/>
+        </p:nvSpPr>
+        <p:spPr>
+          <a:xfrm>
+            <a:off x="6096000" y="1600200"/>
+            <a:ext cx="1143000" cy="400110"/>
+          </a:xfrm>
+          <a:prstGeom prst="rect">
+            <a:avLst/>
+          </a:prstGeom>
+          <a:noFill/>
+          <a:ln>
+            <a:solidFill>
+              <a:schemeClr val="tx1"/>
+            </a:solidFill>
+          </a:ln>
+        </p:spPr>
+        <p:txBody>
+          <a:bodyPr wrap="square" rtlCol="0">
+            <a:spAutoFit/>
+          </a:bodyPr>
+          <a:lstStyle/>
+          <a:p>
+            <a:r>
+              <a:rPr lang="en-US" sz="2000" dirty="0" smtClean="0">
+                <a:latin typeface="Comic Sans MS" panose="030F0702030302020204" pitchFamily="66" charset="0"/>
+              </a:rPr>
+              <a:t>counter</a:t>
+            </a:r>
+            <a:endParaRPr lang="en-US" sz="2000" dirty="0">
+              <a:latin typeface="Comic Sans MS" panose="030F0702030302020204" pitchFamily="66" charset="0"/>
+            </a:endParaRPr>
+          </a:p>
+        </p:txBody>
+      </p:sp>
+      <p:sp>
+        <p:nvSpPr>
+          <p:cNvPr id="7" name="Rounded Rectangle 6"/>
+          <p:cNvSpPr/>
+          <p:nvPr/>
+        </p:nvSpPr>
+        <p:spPr>
+          <a:xfrm>
+            <a:off x="457200" y="1524000"/>
+            <a:ext cx="5410200" cy="1676400"/>
+          </a:xfrm>
+          <a:prstGeom prst="roundRect">
+            <a:avLst/>
+          </a:prstGeom>
+          <a:noFill/>
+          <a:ln>
+            <a:solidFill>
+              <a:schemeClr val="tx1"/>
+            </a:solidFill>
+          </a:ln>
+        </p:spPr>
+        <p:style>
+          <a:lnRef idx="2">
+            <a:schemeClr val="accent1">
+              <a:shade val="50000"/>
+            </a:schemeClr>
+          </a:lnRef>
+          <a:fillRef idx="1">
+            <a:schemeClr val="accent1"/>
+          </a:fillRef>
+          <a:effectRef idx="0">
+            <a:schemeClr val="accent1"/>
+          </a:effectRef>
+          <a:fontRef idx="minor">
+            <a:schemeClr val="lt1"/>
+          </a:fontRef>
+        </p:style>
+        <p:txBody>
+          <a:bodyPr rtlCol="0" anchor="ctr"/>
+          <a:lstStyle/>
+          <a:p>
+            <a:pPr algn="ctr"/>
+            <a:endParaRPr lang="en-US"/>
+          </a:p>
+        </p:txBody>
+      </p:sp>
+      <p:sp>
+        <p:nvSpPr>
+          <p:cNvPr id="8" name="TextBox 7"/>
+          <p:cNvSpPr txBox="1"/>
+          <p:nvPr/>
+        </p:nvSpPr>
+        <p:spPr>
+          <a:xfrm>
+            <a:off x="533400" y="4114800"/>
+            <a:ext cx="8229600" cy="923330"/>
+          </a:xfrm>
+          <a:prstGeom prst="rect">
+            <a:avLst/>
+          </a:prstGeom>
+          <a:noFill/>
+          <a:ln>
+            <a:solidFill>
+              <a:schemeClr val="tx1"/>
+            </a:solidFill>
+          </a:ln>
+        </p:spPr>
+        <p:txBody>
+          <a:bodyPr wrap="square" rtlCol="0">
+            <a:spAutoFit/>
+          </a:bodyPr>
+          <a:lstStyle/>
+          <a:p>
+            <a:r>
+              <a:rPr lang="en-US" dirty="0" smtClean="0">
+                <a:latin typeface="Comic Sans MS" panose="030F0702030302020204" pitchFamily="66" charset="0"/>
+              </a:rPr>
+              <a:t>1</a:t>
+            </a:r>
+          </a:p>
+          <a:p>
+            <a:r>
+              <a:rPr lang="en-US" dirty="0" smtClean="0">
+                <a:latin typeface="Comic Sans MS" panose="030F0702030302020204" pitchFamily="66" charset="0"/>
+              </a:rPr>
+              <a:t>2</a:t>
+            </a:r>
+          </a:p>
+          <a:p>
+            <a:r>
+              <a:rPr lang="en-US" dirty="0">
+                <a:latin typeface="Comic Sans MS" panose="030F0702030302020204" pitchFamily="66" charset="0"/>
+              </a:rPr>
+              <a:t>3</a:t>
+            </a:r>
+            <a:endParaRPr lang="en-US" dirty="0">
+              <a:latin typeface="Comic Sans MS" panose="030F0702030302020204" pitchFamily="66" charset="0"/>
+            </a:endParaRPr>
+          </a:p>
+        </p:txBody>
+      </p:sp>
+      <p:sp>
+        <p:nvSpPr>
+          <p:cNvPr id="9" name="TextBox 8"/>
+          <p:cNvSpPr txBox="1"/>
+          <p:nvPr/>
+        </p:nvSpPr>
+        <p:spPr>
+          <a:xfrm rot="20025759">
+            <a:off x="6248400" y="914400"/>
+            <a:ext cx="1524000" cy="369332"/>
+          </a:xfrm>
+          <a:prstGeom prst="rect">
+            <a:avLst/>
+          </a:prstGeom>
+          <a:solidFill>
+            <a:srgbClr val="FFFF00"/>
+          </a:solidFill>
+          <a:ln>
+            <a:solidFill>
+              <a:schemeClr val="tx1"/>
+            </a:solidFill>
+          </a:ln>
+        </p:spPr>
+        <p:txBody>
+          <a:bodyPr wrap="square" rtlCol="0">
+            <a:spAutoFit/>
+          </a:bodyPr>
+          <a:lstStyle/>
+          <a:p>
+            <a:r>
+              <a:rPr lang="en-US" dirty="0" smtClean="0">
+                <a:latin typeface="Comic Sans MS" panose="030F0702030302020204" pitchFamily="66" charset="0"/>
+              </a:rPr>
+              <a:t>Iteration 3</a:t>
+            </a:r>
+            <a:endParaRPr lang="en-US" dirty="0">
+              <a:latin typeface="Comic Sans MS" panose="030F0702030302020204" pitchFamily="66" charset="0"/>
+            </a:endParaRPr>
+          </a:p>
+        </p:txBody>
+      </p:sp>
+    </p:spTree>
+    <p:extLst>
+      <p:ext uri="{BB962C8B-B14F-4D97-AF65-F5344CB8AC3E}">
+        <p14:creationId xmlns:p14="http://schemas.microsoft.com/office/powerpoint/2010/main" val="788157088"/>
+      </p:ext>
+    </p:extLst>
+  </p:cSld>
+  <p:clrMapOvr>
+    <a:masterClrMapping/>
+  </p:clrMapOvr>
+  <mc:AlternateContent xmlns:mc="http://schemas.openxmlformats.org/markup-compatibility/2006" xmlns:p14="http://schemas.microsoft.com/office/powerpoint/2010/main">
+    <mc:Choice Requires="p14">
+      <p:transition spd="slow" p14:dur="2000"/>
+    </mc:Choice>
+    <mc:Fallback xmlns="">
+      <p:transition spd="slow"/>
+    </mc:Fallback>
+  </mc:AlternateContent>
+  <p:timing>
+    <p:tnLst>
+      <p:par>
+        <p:cTn id="1" dur="indefinite" restart="never" nodeType="tmRoot"/>
+      </p:par>
+    </p:tnLst>
+  </p:timing>
 </p:sld>
 </file>
 
